--- a/Computer Graphics/UNIT 1- PART_II.pptx
+++ b/Computer Graphics/UNIT 1- PART_II.pptx
@@ -176,83 +176,6 @@
 </p:presentation>
 </file>
 
-<file path=ppt/ink/ink1.xml><?xml version="1.0" encoding="utf-8"?>
-<inkml:ink xmlns:inkml="http://www.w3.org/2003/InkML">
-  <inkml:definitions>
-    <inkml:context xml:id="ctx0">
-      <inkml:inkSource xml:id="inkSrc0">
-        <inkml:traceFormat>
-          <inkml:channel name="X" type="integer" max="1920" units="cm"/>
-          <inkml:channel name="Y" type="integer" max="1080" units="cm"/>
-          <inkml:channel name="T" type="integer" max="2.14748E9" units="dev"/>
-        </inkml:traceFormat>
-        <inkml:channelProperties>
-          <inkml:channelProperty channel="X" name="resolution" value="62.13592" units="1/cm"/>
-          <inkml:channelProperty channel="Y" name="resolution" value="62.06897" units="1/cm"/>
-          <inkml:channelProperty channel="T" name="resolution" value="1" units="1/dev"/>
-        </inkml:channelProperties>
-      </inkml:inkSource>
-      <inkml:timestamp xml:id="ts0" timeString="2021-08-10T12:26:21.390"/>
-    </inkml:context>
-    <inkml:brush xml:id="br0">
-      <inkml:brushProperty name="width" value="0.05292" units="cm"/>
-      <inkml:brushProperty name="height" value="0.05292" units="cm"/>
-      <inkml:brushProperty name="color" value="#FF0000"/>
-    </inkml:brush>
-  </inkml:definitions>
-  <inkml:trace contextRef="#ctx0" brushRef="#br0">3757 7920 0,'53'0'219,"-18"0"-219,124 17 15,-18 1 1,-17 0 0,-71-18-16,35 0 15,-18 0 1,-34 0 0,-19 0-1,1 0 16,-1 0-15,1 0 0</inkml:trace>
-  <inkml:trace contextRef="#ctx0" brushRef="#br0" timeOffset="2231.69">4480 7849 0,'18'0'203,"17"0"-188,-17 18-15,35 17 16,-18-17 0,-17-18-16,17 35 15,-17-17 1,17 17 0,-18-35-1,-17 18 16,18-1-15,0-17 0,-1 0 46,-17 18-46,18-18-1,-18 18 1,0-1 47,0 1-32,0 0 0,-18-18-15,1 0 15,-1 0-15,0 0-1,1 0 1,-1 0-1,1 0 1,-1 0 0,-35 0-1,35 0 17,1 0-32,-1 0 31,18 17-16,-18-17 1,1 0 0</inkml:trace>
-  <inkml:trace contextRef="#ctx0" brushRef="#br0" timeOffset="18611.09">5009 7796 0,'18'0'203,"-18"36"-203,18-19 15,-1-17-15,19 53 32,-19-35-17,1-1 1,0 1 0,-1 0-1,-17-1 1,18-17-1,-1 18 1,-17 0 0,18-18-1,-18 17-15,18 1 16,-1 0 15,1-18-15,0 17 15,-18 1 0,0 0 219</inkml:trace>
-  <inkml:trace contextRef="#ctx0" brushRef="#br0" timeOffset="20430.27">5027 8061 0,'18'0'250,"-1"-35"-250,1-1 0,0 36 16,-1-17-1,1-19 1,0 36 0,-1-35-1,-17 18 1,18-1 0,-1 0-1,19-17 16,-19 35-15,1-18 0,0 1-16,-1 17 15,19-18 1,-19 0 15,1 1 0</inkml:trace>
-  <inkml:trace contextRef="#ctx0" brushRef="#br0" timeOffset="37104.4">5821 7796 0,'-18'0'203,"-17"0"-203,17 0 0,-17 0 16,0 0-1,-18 0 16,35 0-15,1 0 0,-1 18-1,18 0 1,-18-18 0,1 17-1,17 19 1,-18-1-1,18-18 1,0 1 0,0 0-1,0-1 1,0 19 0,0-1-1,0-17 1,0 35 15,0-1-15,0-34-1,0 0 1,0 17 0,0-17-1,0-1 16,18 1-15,-1-18 0,-17 18-1,18-18 1,0 0 0,-1 0 15,1 0 0,-1 0-15,1 0-1,0 0 1,35-18 0,-36 0-1,19-17 1,-19 17-16,18 1 15,-17-19 1,17 1 0,-17 35-1,0-53 1,-18 36 0,17-36 15,1 17-16,-18 1 1,18 0 0,-1 0-1,-17-1 1,0 19 0,0-1-1,0 0-15,0 1 16,0-1 15,0 0-15,0 36 218,-17-18-218,17 18 171,0-1-171,0 1-1,0 0 17,0-1-32,0 1 15,0 0-15,0-1 16,0 1 0,0 17 15,17-17-16,-17 17 1,0-17 0,0 17-1,0-17 1,0-1 0,18 1-1,-18 0 16,0-1-15,0 1 15,0-1-15,17 1-16,1-18 31,-18 18-15,0-1-1,18-17 1,-1 0 0,1 18-1,-18 0 1,18-1 0,-1-17-1,1 0 16,0 0-31,-1 0 32,1 0-17,0 0 1,-1 0 0,1 0-1,-1 0 16,1 0-15</inkml:trace>
-  <inkml:trace contextRef="#ctx0" brushRef="#br0" timeOffset="38689.08">5997 7796 0,'-35'0'156,"17"0"-156,-52-17 16,34-1 0,1 18-1,18-18-15,-1 18 16,-17 0 0,17 0 15,0 0 0,1 0-15</inkml:trace>
-  <inkml:trace contextRef="#ctx0" brushRef="#br0" timeOffset="40444.54">3669 8361 0,'141'35'156,"106"36"-156,0 34 16,176 54 0,-105-35-1,-195-71-15,159 70 16,-17-52 0,17 34-1,-105-69 1,87 87-1,-35-70 1,-87 0 0,-19-18-1,-70 1 1,-18-19 0,1-17 15,-19 0-16,1 0 17</inkml:trace>
-  <inkml:trace contextRef="#ctx0" brushRef="#br0" timeOffset="44012.27">7056 9384 0,'17'0'188,"18"18"-173,18 17-15,0-18 16,53 54-1,0-18 1,-18-18 0,-70-17-1,-1-1 1,1-17 15,-18 18 63,0 0-63,0-1-15,-18-17-1,-17 18 1,18 0-16,-72 17 16,1 18-1,-35-18 1,105-17 0,-17-1-1,17-17 1,0 0-1,1 0 1</inkml:trace>
-  <inkml:trace contextRef="#ctx0" brushRef="#br0" timeOffset="47846.9">7973 9948 0,'17'-88'187,"54"18"-187,-36-1 16,18-52-16,-18 52 31,-17 71-31,0-18 16,-18 1-1,0-1 1,0 0 15,17 18-31,-17-17 31,18 17 32</inkml:trace>
-  <inkml:trace contextRef="#ctx0" brushRef="#br0" timeOffset="66410.8">7902 9419 0,'0'18'375,"18"-18"-359,-1 17-1,1 1 17,0 0-17,-1-1 17,1-17-17,-18 18-15,0 0 16,18-18-1,-1 0 1,1 17 0,0 1 15,-1-18 47,-17 18-15,18-18-17,0 0 173,-18 17-172,17 1-31,1-1 15,-18 1-15,17-18 15</inkml:trace>
-  <inkml:trace contextRef="#ctx0" brushRef="#br0" timeOffset="71989.16">8608 9454 0,'-18'0'282,"0"0"-267,18 18 17,-17-18-32,17 18 31,-18-1-16,1-17 1,17 18 0,-36 0-1,36-1 1,-17-17-16,-1 0 16,0 18-1,1 0 1,-1-18-1,18 17 1,-18 1 0,1-1-1,17 1 32,0 0-31,0-1 31,0 1-16,0 0-15,0-1 15,0 1-31,0 0 31,0-1-15,0 1-1,0-1 17,17 1-17,1 0 16,0-1-15,-1-17 0,1 0 31,0 0-32,-18 18-15,17-18 31,1 18-15,0-18 0,-1 0 15,1 0-15,-1 0 15,1 0-16,-18-18 1,18 18 0,-18-18-1,0 1 1,17 17 0,-17-18-1,0 0 1,18 18-1,-18-35 1,0 18 0,0-19-1,18 36 17,-18-17-17,0-1 1,0 0-1,0 1 17,0-1-17,0 0 17,0 1-17,0-1 1,0 1 15,17-1-31,-17 0 16,18-17-1,-18 17 1,0 1 0,0-19-1,0 19 16,0 34 157,0 1-188,0 0 16,0-1-1,0 1 16,0 0-15,0-1 0,0 1-1,0 0 1,0-1 15,0 1 0,0-1 1,0 1-17,0 0 1,0-1 31,0 1-16,0 0 47,0-1-47,18-17-31,-18 18 16,0 0 0,17-1-1,-17 1 32,18-1-47,-18 1 31,18-18-15,-18 18 0,17-1-1,1-17 32,-18 18-31,17-18-1,1 0 32,0 18-31,-1-18 15,1 0-15,0 0-1,-1 0 17,1 0-17,0 0 17</inkml:trace>
-  <inkml:trace contextRef="#ctx0" brushRef="#br0" timeOffset="74789.5">3881 9207 0,'17'18'219,"1"35"-219,-1 0 16,54 88-1,-53-70 1,-1-1 0,1-17-1,0-35 1,-1 52 0,1-70-1,0 36 16,-18-19-31,0 18 16,17 1 0,1 17-1,-18-36 1,35 19 0,-35-19-1,18 1 1,-18 0-1</inkml:trace>
-  <inkml:trace contextRef="#ctx0" brushRef="#br0" timeOffset="77130.09">4233 10019 0,'53'0'203,"-35"18"-203,17-18 16,53 17-1,-52-17 1,-1 0 0,-17 0-16,-1 0 15,1 0 1,17 0-1,-17 0 1,-1 0 0,1 0-1,0 18 17,-1-18 77</inkml:trace>
-  <inkml:trace contextRef="#ctx0" brushRef="#br0" timeOffset="79538.43">4621 9754 0,'0'18'250,"0"0"-235,18-1 1,-18 1 0,18 17-1,-1-17 1,19 17 0,-19-17-1,-17 35 1,18-53-16,-1 17 15,-17 19 1,18-36 0,-18 17-1,0 1 1,18-18 0,-1 17 15,-17 1-16,0 0 1,0-1 15,18 1-15,0-18 0,-18 18-1,0-1 1,0 1-1,-18-18 79,0 0-78,1 0-1,-1 18 1,-52 17 0,-19-18-1,54 1 1,-18 17 0,36-35-1,-19 18 1,19-18 15,-1 0-15</inkml:trace>
-  <inkml:trace contextRef="#ctx0" brushRef="#br0" timeOffset="82320.64">5080 9984 0,'0'17'234,"35"19"-218,1-19-16,34 89 16,-35-53-1,18 35 1,-35-70 0,0-1-1,-18 1 1,17 0-1,-17-1 1,18 19 0,0-36-1,-18 17 1,17 1 0,1-1-1,-18 1 1,0 0-1,17-18 110</inkml:trace>
-  <inkml:trace contextRef="#ctx0" brushRef="#br0" timeOffset="83846.88">4921 10460 0,'36'-35'203,"34"-1"-203,89-70 16,53-52-1,-107 87-15,54-70 16,-71 70-1,-17 36 1,-54 18 0,1-1-1,0 18 1,-18-18 15</inkml:trace>
-  <inkml:trace contextRef="#ctx0" brushRef="#br0" timeOffset="86288.9">5927 10019 0,'0'35'172,"0"18"-172,0 0 15,0 35 1,0 18 0,0-88-1,-18 17 1,18-17-16,0 17 31,0 0-15,0-17-1,0-1 17,0 1-17,0-36 141,0 1-124,0-1-17,0 0 1,18 18 0,-18-35-1,17 18 1,1-19-1,0 19 1,-1-19 0,1 36-1,-1-17 1,1-1 0,0 18-16,-1 0 15,1-18 1,17 18-1,-17 0 1,17 0 0,1 0-1,-1 18 17,0 0-17,-17-18 16,-1 35-15,1-17 0,-18-1-1,18 1 1,17 0 0,-35-1-1,0 1 1,0-1 31,0 1-32,-18-18 17,18 18-17,-17-1 1,-1-17-1,0 0 1,1 0 15,17 18-31,-36-18 16,19 0 0,-1 0-1,-17 18 1,0-18-1,17 0 1,0 0 0,1 0-16,-1 0 15,0 0 1,1 0 15,-1 0 0,0 0-31,1 0 32,-1 0 30,1 0-31,-1 0-15,0 0 15,1 0 16,-1 0-31</inkml:trace>
-</inkml:ink>
-</file>
-
-<file path=ppt/ink/ink2.xml><?xml version="1.0" encoding="utf-8"?>
-<inkml:ink xmlns:inkml="http://www.w3.org/2003/InkML">
-  <inkml:definitions>
-    <inkml:context xml:id="ctx0">
-      <inkml:inkSource xml:id="inkSrc0">
-        <inkml:traceFormat>
-          <inkml:channel name="X" type="integer" max="1920" units="cm"/>
-          <inkml:channel name="Y" type="integer" max="1080" units="cm"/>
-          <inkml:channel name="T" type="integer" max="2.14748E9" units="dev"/>
-        </inkml:traceFormat>
-        <inkml:channelProperties>
-          <inkml:channelProperty channel="X" name="resolution" value="62.13592" units="1/cm"/>
-          <inkml:channelProperty channel="Y" name="resolution" value="62.06897" units="1/cm"/>
-          <inkml:channelProperty channel="T" name="resolution" value="1" units="1/dev"/>
-        </inkml:channelProperties>
-      </inkml:inkSource>
-      <inkml:timestamp xml:id="ts0" timeString="2021-08-10T12:28:17.717"/>
-    </inkml:context>
-    <inkml:brush xml:id="br0">
-      <inkml:brushProperty name="width" value="0.05292" units="cm"/>
-      <inkml:brushProperty name="height" value="0.05292" units="cm"/>
-      <inkml:brushProperty name="color" value="#FF0000"/>
-    </inkml:brush>
-  </inkml:definitions>
-  <inkml:trace contextRef="#ctx0" brushRef="#br0">3351 10336 0,'0'18'235,"0"0"-235,0 17 15,0-17 1,0 34 0,0-16-1,0-19 17,0 1-32,0 0 15,0-1 1,0 1-1,0 17 1,0-17 0,0 0 15,-17-1-15,17 1-16,0-1 15,0 1 16,0 0-15,-18-1 0,18-34 171,18 17-171,-18-18-16,0 0 31,0 1-31,17-1 16,-17 1-1,0-19 1,18 19 0,-18-1-1,0 0 16,35 18-15,-17-17 0,-18-1-1,0 0 1,18 18 0,-18-17-1,17-1 1,1 18 62,-1 0-62,1 0 15,0 0-16,-1 18 1,1-1 31,0 1-31,-18 0-1,0-1 16,17-17-31,-17 18 16,18-18 0,-18 18-1,0-1 1,0 1 0,0 0 15,0-1-16,0 1 17,0-1-17,0 1 17,0 0-17,0-1 1,-18-17 15,18 18-31,0 0 16,-17-18-1,-1 17 17,0-17 14,1 0-14,-1 0-1,0 0 0,1 0 0,-1 0 63,1 0-78,-1 0 78,18-17-48,-18 17-14,18-18-17,-17 0 79,17 1-16,-18 17-78,18-18 16,-18 18 15,1 0 0,-1 0 47,36 0 188</inkml:trace>
-  <inkml:trace contextRef="#ctx0" brushRef="#br0" timeOffset="3770.91">3334 10989 0,'0'18'250,"0"-1"-234,0 1-16,0 0 16,0-1-1,0 18 1,0 1 15,0-19-15,0 1-1,0 17 1,0-17 0,0 0-1,0 17 1,0-17 0,0-1-1,0 1 1,0-1 15,0 1 0,0 0-15,0-1 15,0 1-15,0-36 109,0 1-94,0-1-31,0 0 16,0 1-1,0-1 1,0-17 0,0 17 15,0 1-16,0-1 1,17 0 0,1 1-1,-18-1 1,18 18 0,-1-18-1,1 1 1,0 17 15,-1 0-15,1 0 15,-1 0-15,1 17 15,0-17 0,-1 18-15,-17 0-1,18-1 1,0 1 0,-18 0-1,0-1 16,0 1-31,0 0 16,0-1 15,0 1-15,0-1 15,0 1-15,0 0-1,0-1 32,0 1 0,-18-18 16,0 0-1,1 0-62,-1 0 31,0 0 1,1-18-17,-1 18 17,18-17-17,-17-1 1,17 0 15,-18 18-31,0 0 16,1 0 15,-1-17 16,0 17-32</inkml:trace>
-  <inkml:trace contextRef="#ctx0" brushRef="#br0" timeOffset="21630.7">4216 11518 0,'-18'0'281,"0"0"-265,-17 0-16,18 0 16,-1 0-1,0 0 1,1 35 0,-1-35-1,0 18 16,1 0-15,17-1 0,-18-17-1,0 36 1,1-19 0,-1 19-1,0-1 1,18-18-1,-17 19 1,17-19-16,-18 1 16,1 0-1,17 17 17,0-17-17,0 17 1,0 0-1,0 0 17,17-17-17,1 17 1,-18-17 0,17 0-1,1-1 1,0 1-1,-1-18 17,1 0-32,0 0 47,-1 0-32,1 0 1,0 0-1,-1-18-15,1 18 16,0-35 0,34 0-1,-52 17 1,36-17 0,-19 35-1,1-35 1,-18 17-16,18 18 15,-18-35 1,17-18 0,1 0-1,0 17 17,-18 1-17,0 18 1,0-19-1,0 19 1,0-1 0,0 0 77,-18 18 1,18 18-47,0 0-31,0-1-1,0 1 32,0 0-47,0-1 47,0 1-47,0-1 31,0 1 1,0 0-17,0-1 16,0 1-15,0 0 0,0-1-1,18 1 1,-18 17 0,17-17-1,1 17 1,-1-35-1,-17 18 1,18-1 0,0 1-1,-1-18 17,1 0-17,0 0 1,-1 0-1,1 0 1,0-18-16,-1 1 16,1 17-1,17-18 1,0 18 0,-17 0 15,0-17-16,-1 17 1</inkml:trace>
-  <inkml:trace contextRef="#ctx0" brushRef="#br0" timeOffset="23983.01">3634 11747 0,'0'18'297,"0"0"-281,0-1-16,17 19 15,1-36 1,-18 17 15,18 1-15,-18 0-1,0-1 17,17-17-1,-17 18 94,0 0-78,0-1-32,18-17-15,-18 18 16,17-18 0,1 0-1,-18 35 1</inkml:trace>
-  <inkml:trace contextRef="#ctx0" brushRef="#br0" timeOffset="25784.7">3528 12047 0,'17'-17'234,"-17"-19"-234,18 36 16,0-17-1,-1-18 1,1 35-1,0-18 1,-18 0 0,17 1-1,1 17 1,0-18 0,-18 0-1,17 18 1,1-17-1,-18-1-15,0 0 32,0 1-17,17-1 32,1 18-31,0-35-1,-18 17 1,17-17 0,1 17-1,-18 1 1,18 17 0,-1-18-1,-17 0 1,18 18-1,-18-17 17</inkml:trace>
-  <inkml:trace contextRef="#ctx0" brushRef="#br0" timeOffset="28660.43">3563 11712 0,'0'18'297,"18"-1"-297,-1 1 15,-17 0 1,0-1 0,18 1-1,0-18-15,-18 18 16,17-1-1,-17 1 1,18 0 0,0-1 15,-18 1-15,0 0 15,17-1-16,1 1 1,-18-1 0,0 1-1</inkml:trace>
-</inkml:ink>
-</file>
-
 <file path=ppt/notesMasters/notesMaster1.xml><?xml version="1.0" encoding="utf-8"?>
 <p:notesMaster xmlns:a="http://schemas.openxmlformats.org/drawingml/2006/main" xmlns:r="http://schemas.openxmlformats.org/officeDocument/2006/relationships" xmlns:p="http://schemas.openxmlformats.org/presentationml/2006/main">
   <p:cSld>
@@ -336,7 +259,7 @@
             <a:fld id="{44EB274F-CC75-4A15-B3A9-088060C8AE1E}" type="datetimeFigureOut">
               <a:rPr lang="en-US" smtClean="0"/>
               <a:pPr/>
-              <a:t>8/11/2021</a:t>
+              <a:t>8/26/2020</a:t>
             </a:fld>
             <a:endParaRPr lang="en-US"/>
           </a:p>
@@ -1127,7 +1050,7 @@
           <a:p>
             <a:fld id="{C1B633A4-1414-43D7-A70E-D6CBC98D6738}" type="datetime1">
               <a:rPr lang="en-US" smtClean="0"/>
-              <a:t>8/11/2021</a:t>
+              <a:t>8/26/2020</a:t>
             </a:fld>
             <a:endParaRPr lang="en-US"/>
           </a:p>
@@ -1149,9 +1072,10 @@
           <a:lstStyle/>
           <a:p>
             <a:r>
-              <a:rPr lang="en-US"/>
+              <a:rPr lang="en-US" smtClean="0"/>
               <a:t>2018 - 2022 </a:t>
             </a:r>
+            <a:endParaRPr lang="en-US"/>
           </a:p>
         </p:txBody>
       </p:sp>
@@ -1294,7 +1218,7 @@
           <a:p>
             <a:fld id="{588E60A0-12C0-4579-A5EB-02967E8369EA}" type="datetime1">
               <a:rPr lang="en-US" smtClean="0"/>
-              <a:t>8/11/2021</a:t>
+              <a:t>8/26/2020</a:t>
             </a:fld>
             <a:endParaRPr lang="en-US"/>
           </a:p>
@@ -1316,9 +1240,10 @@
           <a:lstStyle/>
           <a:p>
             <a:r>
-              <a:rPr lang="en-US"/>
+              <a:rPr lang="en-US" smtClean="0"/>
               <a:t>2018 - 2022 </a:t>
             </a:r>
+            <a:endParaRPr lang="en-US"/>
           </a:p>
         </p:txBody>
       </p:sp>
@@ -1471,7 +1396,7 @@
           <a:p>
             <a:fld id="{779AD6FE-7CBD-469B-9DF2-87ED43CAEF94}" type="datetime1">
               <a:rPr lang="en-US" smtClean="0"/>
-              <a:t>8/11/2021</a:t>
+              <a:t>8/26/2020</a:t>
             </a:fld>
             <a:endParaRPr lang="en-US"/>
           </a:p>
@@ -1493,9 +1418,10 @@
           <a:lstStyle/>
           <a:p>
             <a:r>
-              <a:rPr lang="en-US"/>
+              <a:rPr lang="en-US" smtClean="0"/>
               <a:t>2018 - 2022 </a:t>
             </a:r>
+            <a:endParaRPr lang="en-US"/>
           </a:p>
         </p:txBody>
       </p:sp>
@@ -1638,7 +1564,7 @@
           <a:p>
             <a:fld id="{FDB1ED11-27A7-4CE0-B311-853387DCEB44}" type="datetime1">
               <a:rPr lang="en-US" smtClean="0"/>
-              <a:t>8/11/2021</a:t>
+              <a:t>8/26/2020</a:t>
             </a:fld>
             <a:endParaRPr lang="en-US"/>
           </a:p>
@@ -1660,9 +1586,10 @@
           <a:lstStyle/>
           <a:p>
             <a:r>
-              <a:rPr lang="en-US"/>
+              <a:rPr lang="en-US" smtClean="0"/>
               <a:t>2018 - 2022 </a:t>
             </a:r>
+            <a:endParaRPr lang="en-US"/>
           </a:p>
         </p:txBody>
       </p:sp>
@@ -1882,7 +1809,7 @@
           <a:p>
             <a:fld id="{474A1C20-DC8C-4421-9D7A-710C2E5A2C07}" type="datetime1">
               <a:rPr lang="en-US" smtClean="0"/>
-              <a:t>8/11/2021</a:t>
+              <a:t>8/26/2020</a:t>
             </a:fld>
             <a:endParaRPr lang="en-US"/>
           </a:p>
@@ -1904,9 +1831,10 @@
           <a:lstStyle/>
           <a:p>
             <a:r>
-              <a:rPr lang="en-US"/>
+              <a:rPr lang="en-US" smtClean="0"/>
               <a:t>2018 - 2022 </a:t>
             </a:r>
+            <a:endParaRPr lang="en-US"/>
           </a:p>
         </p:txBody>
       </p:sp>
@@ -2166,7 +2094,7 @@
           <a:p>
             <a:fld id="{50B5E5FD-B1E0-4E67-B742-2FDDB05E10FE}" type="datetime1">
               <a:rPr lang="en-US" smtClean="0"/>
-              <a:t>8/11/2021</a:t>
+              <a:t>8/26/2020</a:t>
             </a:fld>
             <a:endParaRPr lang="en-US"/>
           </a:p>
@@ -2188,9 +2116,10 @@
           <a:lstStyle/>
           <a:p>
             <a:r>
-              <a:rPr lang="en-US"/>
+              <a:rPr lang="en-US" smtClean="0"/>
               <a:t>2018 - 2022 </a:t>
             </a:r>
+            <a:endParaRPr lang="en-US"/>
           </a:p>
         </p:txBody>
       </p:sp>
@@ -2584,7 +2513,7 @@
           <a:p>
             <a:fld id="{3EF6701E-D719-4258-A85F-2AB3CD610866}" type="datetime1">
               <a:rPr lang="en-US" smtClean="0"/>
-              <a:t>8/11/2021</a:t>
+              <a:t>8/26/2020</a:t>
             </a:fld>
             <a:endParaRPr lang="en-US"/>
           </a:p>
@@ -2606,9 +2535,10 @@
           <a:lstStyle/>
           <a:p>
             <a:r>
-              <a:rPr lang="en-US"/>
+              <a:rPr lang="en-US" smtClean="0"/>
               <a:t>2018 - 2022 </a:t>
             </a:r>
+            <a:endParaRPr lang="en-US"/>
           </a:p>
         </p:txBody>
       </p:sp>
@@ -2700,7 +2630,7 @@
           <a:p>
             <a:fld id="{F366C63D-3111-49E5-A393-E52301DAD59D}" type="datetime1">
               <a:rPr lang="en-US" smtClean="0"/>
-              <a:t>8/11/2021</a:t>
+              <a:t>8/26/2020</a:t>
             </a:fld>
             <a:endParaRPr lang="en-US"/>
           </a:p>
@@ -2722,9 +2652,10 @@
           <a:lstStyle/>
           <a:p>
             <a:r>
-              <a:rPr lang="en-US"/>
+              <a:rPr lang="en-US" smtClean="0"/>
               <a:t>2018 - 2022 </a:t>
             </a:r>
+            <a:endParaRPr lang="en-US"/>
           </a:p>
         </p:txBody>
       </p:sp>
@@ -2794,7 +2725,7 @@
           <a:p>
             <a:fld id="{AE15B08A-16AA-45C3-B64F-E1894F3949C2}" type="datetime1">
               <a:rPr lang="en-US" smtClean="0"/>
-              <a:t>8/11/2021</a:t>
+              <a:t>8/26/2020</a:t>
             </a:fld>
             <a:endParaRPr lang="en-US"/>
           </a:p>
@@ -2816,9 +2747,10 @@
           <a:lstStyle/>
           <a:p>
             <a:r>
-              <a:rPr lang="en-US"/>
+              <a:rPr lang="en-US" smtClean="0"/>
               <a:t>2018 - 2022 </a:t>
             </a:r>
+            <a:endParaRPr lang="en-US"/>
           </a:p>
         </p:txBody>
       </p:sp>
@@ -3068,7 +3000,7 @@
           <a:p>
             <a:fld id="{D11D33C2-3E5A-4493-A745-EC3765B74524}" type="datetime1">
               <a:rPr lang="en-US" smtClean="0"/>
-              <a:t>8/11/2021</a:t>
+              <a:t>8/26/2020</a:t>
             </a:fld>
             <a:endParaRPr lang="en-US"/>
           </a:p>
@@ -3090,9 +3022,10 @@
           <a:lstStyle/>
           <a:p>
             <a:r>
-              <a:rPr lang="en-US"/>
+              <a:rPr lang="en-US" smtClean="0"/>
               <a:t>2018 - 2022 </a:t>
             </a:r>
+            <a:endParaRPr lang="en-US"/>
           </a:p>
         </p:txBody>
       </p:sp>
@@ -3319,7 +3252,7 @@
           <a:p>
             <a:fld id="{6EDF9413-0329-4586-95D4-A8B865C5E587}" type="datetime1">
               <a:rPr lang="en-US" smtClean="0"/>
-              <a:t>8/11/2021</a:t>
+              <a:t>8/26/2020</a:t>
             </a:fld>
             <a:endParaRPr lang="en-US"/>
           </a:p>
@@ -3341,9 +3274,10 @@
           <a:lstStyle/>
           <a:p>
             <a:r>
-              <a:rPr lang="en-US"/>
+              <a:rPr lang="en-US" smtClean="0"/>
               <a:t>2018 - 2022 </a:t>
             </a:r>
+            <a:endParaRPr lang="en-US"/>
           </a:p>
         </p:txBody>
       </p:sp>
@@ -3538,7 +3472,7 @@
           <a:p>
             <a:fld id="{123DCC34-B6CA-418F-8F22-450BCF9E8982}" type="datetime1">
               <a:rPr lang="en-US" smtClean="0"/>
-              <a:t>8/11/2021</a:t>
+              <a:t>8/26/2020</a:t>
             </a:fld>
             <a:endParaRPr lang="en-US"/>
           </a:p>
@@ -3578,9 +3512,10 @@
           </a:lstStyle>
           <a:p>
             <a:r>
-              <a:rPr lang="en-US"/>
+              <a:rPr lang="en-US" smtClean="0"/>
               <a:t>2018 - 2022 </a:t>
             </a:r>
+            <a:endParaRPr lang="en-US"/>
           </a:p>
         </p:txBody>
       </p:sp>
@@ -3941,14 +3876,18 @@
           <a:lstStyle/>
           <a:p>
             <a:r>
-              <a:rPr lang="en-US" sz="4800" b="1" dirty="0"/>
+              <a:rPr lang="en-US" sz="4800" b="1" dirty="0" smtClean="0"/>
               <a:t>Computer Graphics and Multimedia Systems</a:t>
             </a:r>
+            <a:r>
+              <a:rPr lang="en-US" sz="4800" dirty="0" smtClean="0"/>
+              <a:t/>
+            </a:r>
             <a:br>
-              <a:rPr lang="en-US" sz="4800" dirty="0"/>
+              <a:rPr lang="en-US" sz="4800" dirty="0" smtClean="0"/>
             </a:br>
             <a:r>
-              <a:rPr lang="en-IN" sz="4800" b="1" dirty="0"/>
+              <a:rPr lang="en-IN" sz="4800" b="1" dirty="0" smtClean="0"/>
               <a:t> SCS1302</a:t>
             </a:r>
             <a:endParaRPr lang="en-US" sz="4800" dirty="0"/>
@@ -3999,6 +3938,13 @@
   <p:clrMapOvr>
     <a:masterClrMapping/>
   </p:clrMapOvr>
+  <p:timing>
+    <p:tnLst>
+      <p:par>
+        <p:cTn id="1" dur="indefinite" restart="never" nodeType="tmRoot"/>
+      </p:par>
+    </p:tnLst>
+  </p:timing>
 </p:sld>
 </file>
 
@@ -4040,13 +3986,13 @@
               <a:buNone/>
             </a:pPr>
             <a:r>
-              <a:rPr lang="en-US" b="1" u="sng" dirty="0">
+              <a:rPr lang="en-US" b="1" u="sng" dirty="0" smtClean="0">
                 <a:latin typeface="Times New Roman" pitchFamily="18" charset="0"/>
                 <a:cs typeface="Times New Roman" pitchFamily="18" charset="0"/>
               </a:rPr>
               <a:t>Step-02:</a:t>
             </a:r>
-            <a:endParaRPr lang="en-US" b="1" dirty="0">
+            <a:endParaRPr lang="en-US" b="1" dirty="0" smtClean="0">
               <a:latin typeface="Times New Roman" pitchFamily="18" charset="0"/>
               <a:cs typeface="Times New Roman" pitchFamily="18" charset="0"/>
             </a:endParaRPr>
@@ -4056,7 +4002,7 @@
               <a:buNone/>
             </a:pPr>
             <a:r>
-              <a:rPr lang="en-US" dirty="0">
+              <a:rPr lang="en-US" dirty="0" smtClean="0">
                 <a:latin typeface="Times New Roman" pitchFamily="18" charset="0"/>
                 <a:cs typeface="Times New Roman" pitchFamily="18" charset="0"/>
               </a:rPr>
@@ -4068,21 +4014,21 @@
               <a:buNone/>
             </a:pPr>
             <a:r>
-              <a:rPr lang="en-US" b="1" dirty="0">
+              <a:rPr lang="en-US" b="1" dirty="0" smtClean="0">
                 <a:latin typeface="Times New Roman" pitchFamily="18" charset="0"/>
                 <a:cs typeface="Times New Roman" pitchFamily="18" charset="0"/>
               </a:rPr>
               <a:t>if (ab (dx) &gt; abs (</a:t>
             </a:r>
             <a:r>
-              <a:rPr lang="en-US" b="1" dirty="0" err="1">
+              <a:rPr lang="en-US" b="1" dirty="0" err="1" smtClean="0">
                 <a:latin typeface="Times New Roman" pitchFamily="18" charset="0"/>
                 <a:cs typeface="Times New Roman" pitchFamily="18" charset="0"/>
               </a:rPr>
               <a:t>dy</a:t>
             </a:r>
             <a:r>
-              <a:rPr lang="en-US" b="1" dirty="0">
+              <a:rPr lang="en-US" b="1" dirty="0" smtClean="0">
                 <a:latin typeface="Times New Roman" pitchFamily="18" charset="0"/>
                 <a:cs typeface="Times New Roman" pitchFamily="18" charset="0"/>
               </a:rPr>
@@ -4094,7 +4040,7 @@
               <a:buNone/>
             </a:pPr>
             <a:r>
-              <a:rPr lang="en-US" b="1" dirty="0">
+              <a:rPr lang="en-US" b="1" dirty="0" smtClean="0">
                 <a:latin typeface="Times New Roman" pitchFamily="18" charset="0"/>
                 <a:cs typeface="Times New Roman" pitchFamily="18" charset="0"/>
               </a:rPr>
@@ -4106,7 +4052,7 @@
               <a:buNone/>
             </a:pPr>
             <a:r>
-              <a:rPr lang="en-US" b="1" dirty="0">
+              <a:rPr lang="en-US" b="1" dirty="0" smtClean="0">
                 <a:latin typeface="Times New Roman" pitchFamily="18" charset="0"/>
                 <a:cs typeface="Times New Roman" pitchFamily="18" charset="0"/>
               </a:rPr>
@@ -4118,21 +4064,21 @@
               <a:buNone/>
             </a:pPr>
             <a:r>
-              <a:rPr lang="en-US" b="1" dirty="0">
+              <a:rPr lang="en-US" b="1" dirty="0" smtClean="0">
                 <a:latin typeface="Times New Roman" pitchFamily="18" charset="0"/>
                 <a:cs typeface="Times New Roman" pitchFamily="18" charset="0"/>
               </a:rPr>
               <a:t>Steps = abs (</a:t>
             </a:r>
             <a:r>
-              <a:rPr lang="en-US" b="1" dirty="0" err="1">
+              <a:rPr lang="en-US" b="1" dirty="0" err="1" smtClean="0">
                 <a:latin typeface="Times New Roman" pitchFamily="18" charset="0"/>
                 <a:cs typeface="Times New Roman" pitchFamily="18" charset="0"/>
               </a:rPr>
               <a:t>dy</a:t>
             </a:r>
             <a:r>
-              <a:rPr lang="en-US" b="1" dirty="0">
+              <a:rPr lang="en-US" b="1" dirty="0" smtClean="0">
                 <a:latin typeface="Times New Roman" pitchFamily="18" charset="0"/>
                 <a:cs typeface="Times New Roman" pitchFamily="18" charset="0"/>
               </a:rPr>
@@ -4161,7 +4107,7 @@
           <a:p>
             <a:fld id="{429B1F25-2DAE-472D-9A57-E46777496918}" type="datetime1">
               <a:rPr lang="en-US" smtClean="0"/>
-              <a:t>8/11/2021</a:t>
+              <a:t>8/26/2020</a:t>
             </a:fld>
             <a:endParaRPr lang="en-US"/>
           </a:p>
@@ -4183,9 +4129,10 @@
           <a:lstStyle/>
           <a:p>
             <a:r>
-              <a:rPr lang="en-US"/>
+              <a:rPr lang="en-US" smtClean="0"/>
               <a:t>2018 - 2022 </a:t>
             </a:r>
+            <a:endParaRPr lang="en-US"/>
           </a:p>
         </p:txBody>
       </p:sp>
@@ -4223,6 +4170,13 @@
   <p:clrMapOvr>
     <a:masterClrMapping/>
   </p:clrMapOvr>
+  <p:timing>
+    <p:tnLst>
+      <p:par>
+        <p:cTn id="1" dur="indefinite" restart="never" nodeType="tmRoot"/>
+      </p:par>
+    </p:tnLst>
+  </p:timing>
 </p:sld>
 </file>
 
@@ -4264,11 +4218,100 @@
               <a:buNone/>
             </a:pPr>
             <a:r>
-              <a:rPr lang="en-US" b="1" u="sng" dirty="0">
+              <a:rPr lang="en-US" b="1" u="sng" dirty="0" smtClean="0">
                 <a:latin typeface="Times New Roman" pitchFamily="18" charset="0"/>
                 <a:cs typeface="Times New Roman" pitchFamily="18" charset="0"/>
               </a:rPr>
               <a:t>Step-03:</a:t>
+            </a:r>
+            <a:endParaRPr lang="en-US" b="1" dirty="0" smtClean="0">
+              <a:latin typeface="Times New Roman" pitchFamily="18" charset="0"/>
+              <a:cs typeface="Times New Roman" pitchFamily="18" charset="0"/>
+            </a:endParaRPr>
+          </a:p>
+          <a:p>
+            <a:pPr fontAlgn="base">
+              <a:buNone/>
+            </a:pPr>
+            <a:r>
+              <a:rPr lang="en-US" dirty="0" smtClean="0">
+                <a:latin typeface="Times New Roman" pitchFamily="18" charset="0"/>
+                <a:cs typeface="Times New Roman" pitchFamily="18" charset="0"/>
+              </a:rPr>
+              <a:t> Find x increment and y increment, </a:t>
+            </a:r>
+          </a:p>
+          <a:p>
+            <a:pPr algn="ctr" fontAlgn="base">
+              <a:buNone/>
+            </a:pPr>
+            <a:r>
+              <a:rPr lang="en-US" b="1" dirty="0" err="1" smtClean="0">
+                <a:latin typeface="Times New Roman" pitchFamily="18" charset="0"/>
+                <a:cs typeface="Times New Roman" pitchFamily="18" charset="0"/>
+              </a:rPr>
+              <a:t>X</a:t>
+            </a:r>
+            <a:r>
+              <a:rPr lang="en-US" sz="2000" b="1" dirty="0" err="1" smtClean="0">
+                <a:latin typeface="Times New Roman" pitchFamily="18" charset="0"/>
+                <a:cs typeface="Times New Roman" pitchFamily="18" charset="0"/>
+              </a:rPr>
+              <a:t>increment</a:t>
+            </a:r>
+            <a:r>
+              <a:rPr lang="en-US" b="1" dirty="0" smtClean="0">
+                <a:latin typeface="Times New Roman" pitchFamily="18" charset="0"/>
+                <a:cs typeface="Times New Roman" pitchFamily="18" charset="0"/>
+              </a:rPr>
+              <a:t> = dx/steps</a:t>
+            </a:r>
+          </a:p>
+          <a:p>
+            <a:pPr algn="ctr" fontAlgn="base">
+              <a:buNone/>
+            </a:pPr>
+            <a:r>
+              <a:rPr lang="en-US" b="1" dirty="0" err="1" smtClean="0">
+                <a:latin typeface="Times New Roman" pitchFamily="18" charset="0"/>
+                <a:cs typeface="Times New Roman" pitchFamily="18" charset="0"/>
+              </a:rPr>
+              <a:t>Y</a:t>
+            </a:r>
+            <a:r>
+              <a:rPr lang="en-US" sz="2000" b="1" dirty="0" err="1" smtClean="0">
+                <a:latin typeface="Times New Roman" pitchFamily="18" charset="0"/>
+                <a:cs typeface="Times New Roman" pitchFamily="18" charset="0"/>
+              </a:rPr>
+              <a:t>increment</a:t>
+            </a:r>
+            <a:r>
+              <a:rPr lang="en-US" sz="2000" b="1" dirty="0" smtClean="0">
+                <a:latin typeface="Times New Roman" pitchFamily="18" charset="0"/>
+                <a:cs typeface="Times New Roman" pitchFamily="18" charset="0"/>
+              </a:rPr>
+              <a:t> </a:t>
+            </a:r>
+            <a:r>
+              <a:rPr lang="en-US" b="1" dirty="0">
+                <a:latin typeface="Times New Roman" pitchFamily="18" charset="0"/>
+                <a:cs typeface="Times New Roman" pitchFamily="18" charset="0"/>
+              </a:rPr>
+              <a:t>= </a:t>
+            </a:r>
+            <a:r>
+              <a:rPr lang="en-US" b="1" dirty="0" err="1" smtClean="0">
+                <a:latin typeface="Times New Roman" pitchFamily="18" charset="0"/>
+                <a:cs typeface="Times New Roman" pitchFamily="18" charset="0"/>
+              </a:rPr>
+              <a:t>dy</a:t>
+            </a:r>
+            <a:r>
+              <a:rPr lang="en-US" b="1" dirty="0" smtClean="0">
+                <a:latin typeface="Times New Roman" pitchFamily="18" charset="0"/>
+                <a:cs typeface="Times New Roman" pitchFamily="18" charset="0"/>
+              </a:rPr>
+              <a:t>/steps</a:t>
             </a:r>
             <a:endParaRPr lang="en-US" b="1" dirty="0">
               <a:latin typeface="Times New Roman" pitchFamily="18" charset="0"/>
@@ -4279,92 +4322,7 @@
             <a:pPr fontAlgn="base">
               <a:buNone/>
             </a:pPr>
-            <a:r>
-              <a:rPr lang="en-US" dirty="0">
-                <a:latin typeface="Times New Roman" pitchFamily="18" charset="0"/>
-                <a:cs typeface="Times New Roman" pitchFamily="18" charset="0"/>
-              </a:rPr>
-              <a:t> Find x increment and y increment, </a:t>
-            </a:r>
-          </a:p>
-          <a:p>
-            <a:pPr algn="ctr" fontAlgn="base">
-              <a:buNone/>
-            </a:pPr>
-            <a:r>
-              <a:rPr lang="en-US" b="1" dirty="0" err="1">
-                <a:latin typeface="Times New Roman" pitchFamily="18" charset="0"/>
-                <a:cs typeface="Times New Roman" pitchFamily="18" charset="0"/>
-              </a:rPr>
-              <a:t>X</a:t>
-            </a:r>
-            <a:r>
-              <a:rPr lang="en-US" sz="2000" b="1" dirty="0" err="1">
-                <a:latin typeface="Times New Roman" pitchFamily="18" charset="0"/>
-                <a:cs typeface="Times New Roman" pitchFamily="18" charset="0"/>
-              </a:rPr>
-              <a:t>increment</a:t>
-            </a:r>
-            <a:r>
-              <a:rPr lang="en-US" b="1" dirty="0">
-                <a:latin typeface="Times New Roman" pitchFamily="18" charset="0"/>
-                <a:cs typeface="Times New Roman" pitchFamily="18" charset="0"/>
-              </a:rPr>
-              <a:t> = dx/steps</a:t>
-            </a:r>
-          </a:p>
-          <a:p>
-            <a:pPr algn="ctr" fontAlgn="base">
-              <a:buNone/>
-            </a:pPr>
-            <a:r>
-              <a:rPr lang="en-US" b="1" dirty="0" err="1">
-                <a:latin typeface="Times New Roman" pitchFamily="18" charset="0"/>
-                <a:cs typeface="Times New Roman" pitchFamily="18" charset="0"/>
-              </a:rPr>
-              <a:t>Y</a:t>
-            </a:r>
-            <a:r>
-              <a:rPr lang="en-US" sz="2000" b="1" dirty="0" err="1">
-                <a:latin typeface="Times New Roman" pitchFamily="18" charset="0"/>
-                <a:cs typeface="Times New Roman" pitchFamily="18" charset="0"/>
-              </a:rPr>
-              <a:t>increment</a:t>
-            </a:r>
-            <a:r>
-              <a:rPr lang="en-US" sz="2000" b="1" dirty="0">
-                <a:latin typeface="Times New Roman" pitchFamily="18" charset="0"/>
-                <a:cs typeface="Times New Roman" pitchFamily="18" charset="0"/>
-              </a:rPr>
-              <a:t> </a:t>
-            </a:r>
-            <a:r>
-              <a:rPr lang="en-US" b="1" dirty="0">
-                <a:latin typeface="Times New Roman" pitchFamily="18" charset="0"/>
-                <a:cs typeface="Times New Roman" pitchFamily="18" charset="0"/>
-              </a:rPr>
-              <a:t>= </a:t>
-            </a:r>
-            <a:r>
-              <a:rPr lang="en-US" b="1" dirty="0" err="1">
-                <a:latin typeface="Times New Roman" pitchFamily="18" charset="0"/>
-                <a:cs typeface="Times New Roman" pitchFamily="18" charset="0"/>
-              </a:rPr>
-              <a:t>dy</a:t>
-            </a:r>
-            <a:r>
-              <a:rPr lang="en-US" b="1" dirty="0">
-                <a:latin typeface="Times New Roman" pitchFamily="18" charset="0"/>
-                <a:cs typeface="Times New Roman" pitchFamily="18" charset="0"/>
-              </a:rPr>
-              <a:t>/steps</a:t>
-            </a:r>
-          </a:p>
-          <a:p>
-            <a:pPr fontAlgn="base">
-              <a:buNone/>
-            </a:pPr>
-            <a:endParaRPr lang="en-US" b="1" dirty="0">
+            <a:endParaRPr lang="en-US" b="1" dirty="0" smtClean="0">
               <a:latin typeface="Times New Roman" pitchFamily="18" charset="0"/>
               <a:cs typeface="Times New Roman" pitchFamily="18" charset="0"/>
             </a:endParaRPr>
@@ -4388,7 +4346,7 @@
           <a:p>
             <a:fld id="{97430BEC-3EE7-487C-8682-6F7A9FAAAA2F}" type="datetime1">
               <a:rPr lang="en-US" smtClean="0"/>
-              <a:t>8/11/2021</a:t>
+              <a:t>8/26/2020</a:t>
             </a:fld>
             <a:endParaRPr lang="en-US"/>
           </a:p>
@@ -4410,9 +4368,10 @@
           <a:lstStyle/>
           <a:p>
             <a:r>
-              <a:rPr lang="en-US"/>
+              <a:rPr lang="en-US" smtClean="0"/>
               <a:t>2018 - 2022 </a:t>
             </a:r>
+            <a:endParaRPr lang="en-US"/>
           </a:p>
         </p:txBody>
       </p:sp>
@@ -4450,6 +4409,13 @@
   <p:clrMapOvr>
     <a:masterClrMapping/>
   </p:clrMapOvr>
+  <p:timing>
+    <p:tnLst>
+      <p:par>
+        <p:cTn id="1" dur="indefinite" restart="never" nodeType="tmRoot"/>
+      </p:par>
+    </p:tnLst>
+  </p:timing>
 </p:sld>
 </file>
 
@@ -4487,13 +4453,13 @@
           <a:p>
             <a:pPr fontAlgn="base"/>
             <a:r>
-              <a:rPr lang="en-US" b="1" u="sng" dirty="0">
+              <a:rPr lang="en-US" b="1" u="sng" dirty="0" smtClean="0">
                 <a:latin typeface="Times New Roman" pitchFamily="18" charset="0"/>
                 <a:cs typeface="Times New Roman" pitchFamily="18" charset="0"/>
               </a:rPr>
               <a:t>Step-04:</a:t>
             </a:r>
-            <a:endParaRPr lang="en-US" dirty="0">
+            <a:endParaRPr lang="en-US" dirty="0" smtClean="0">
               <a:latin typeface="Times New Roman" pitchFamily="18" charset="0"/>
               <a:cs typeface="Times New Roman" pitchFamily="18" charset="0"/>
             </a:endParaRPr>
@@ -4501,49 +4467,49 @@
           <a:p>
             <a:pPr fontAlgn="base"/>
             <a:r>
-              <a:rPr lang="en-US" dirty="0">
+              <a:rPr lang="en-US" dirty="0" smtClean="0">
                 <a:latin typeface="Times New Roman" pitchFamily="18" charset="0"/>
                 <a:cs typeface="Times New Roman" pitchFamily="18" charset="0"/>
               </a:rPr>
               <a:t>Suppose the current point is (</a:t>
             </a:r>
             <a:r>
-              <a:rPr lang="en-US" dirty="0" err="1">
+              <a:rPr lang="en-US" dirty="0" err="1" smtClean="0">
                 <a:latin typeface="Times New Roman" pitchFamily="18" charset="0"/>
                 <a:cs typeface="Times New Roman" pitchFamily="18" charset="0"/>
               </a:rPr>
               <a:t>X</a:t>
             </a:r>
             <a:r>
-              <a:rPr lang="en-US" baseline="-25000" dirty="0" err="1">
+              <a:rPr lang="en-US" baseline="-25000" dirty="0" err="1" smtClean="0">
                 <a:latin typeface="Times New Roman" pitchFamily="18" charset="0"/>
                 <a:cs typeface="Times New Roman" pitchFamily="18" charset="0"/>
               </a:rPr>
               <a:t>k</a:t>
             </a:r>
             <a:r>
-              <a:rPr lang="en-US" dirty="0">
+              <a:rPr lang="en-US" dirty="0" smtClean="0">
                 <a:latin typeface="Times New Roman" pitchFamily="18" charset="0"/>
                 <a:cs typeface="Times New Roman" pitchFamily="18" charset="0"/>
               </a:rPr>
               <a:t>, </a:t>
             </a:r>
             <a:r>
-              <a:rPr lang="en-US" dirty="0" err="1">
+              <a:rPr lang="en-US" dirty="0" err="1" smtClean="0">
                 <a:latin typeface="Times New Roman" pitchFamily="18" charset="0"/>
                 <a:cs typeface="Times New Roman" pitchFamily="18" charset="0"/>
               </a:rPr>
               <a:t>Y</a:t>
             </a:r>
             <a:r>
-              <a:rPr lang="en-US" baseline="-25000" dirty="0" err="1">
+              <a:rPr lang="en-US" baseline="-25000" dirty="0" err="1" smtClean="0">
                 <a:latin typeface="Times New Roman" pitchFamily="18" charset="0"/>
                 <a:cs typeface="Times New Roman" pitchFamily="18" charset="0"/>
               </a:rPr>
               <a:t>k</a:t>
             </a:r>
             <a:r>
-              <a:rPr lang="en-US" dirty="0">
+              <a:rPr lang="en-US" dirty="0" smtClean="0">
                 <a:latin typeface="Times New Roman" pitchFamily="18" charset="0"/>
                 <a:cs typeface="Times New Roman" pitchFamily="18" charset="0"/>
               </a:rPr>
@@ -4554,24 +4520,31 @@
                 <a:latin typeface="Times New Roman" pitchFamily="18" charset="0"/>
                 <a:cs typeface="Times New Roman" pitchFamily="18" charset="0"/>
               </a:rPr>
+              <a:t>k</a:t>
+            </a:r>
+            <a:r>
+              <a:rPr lang="en-US" baseline="-25000" dirty="0" smtClean="0">
+                <a:latin typeface="Times New Roman" pitchFamily="18" charset="0"/>
+                <a:cs typeface="Times New Roman" pitchFamily="18" charset="0"/>
+              </a:rPr>
+              <a:t>+1</a:t>
+            </a:r>
+            <a:r>
+              <a:rPr lang="en-US" dirty="0" smtClean="0">
+                <a:latin typeface="Times New Roman" pitchFamily="18" charset="0"/>
+                <a:cs typeface="Times New Roman" pitchFamily="18" charset="0"/>
+              </a:rPr>
+              <a:t>, Y</a:t>
+            </a:r>
+            <a:r>
+              <a:rPr lang="en-US" baseline="-25000" dirty="0" smtClean="0">
+                <a:latin typeface="Times New Roman" pitchFamily="18" charset="0"/>
+                <a:cs typeface="Times New Roman" pitchFamily="18" charset="0"/>
+              </a:rPr>
               <a:t>k+1</a:t>
             </a:r>
             <a:r>
-              <a:rPr lang="en-US" dirty="0">
-                <a:latin typeface="Times New Roman" pitchFamily="18" charset="0"/>
-                <a:cs typeface="Times New Roman" pitchFamily="18" charset="0"/>
-              </a:rPr>
-              <a:t>, Y</a:t>
-            </a:r>
-            <a:r>
-              <a:rPr lang="en-US" baseline="-25000" dirty="0">
-                <a:latin typeface="Times New Roman" pitchFamily="18" charset="0"/>
-                <a:cs typeface="Times New Roman" pitchFamily="18" charset="0"/>
-              </a:rPr>
-              <a:t>k+1</a:t>
-            </a:r>
-            <a:r>
-              <a:rPr lang="en-US" dirty="0">
+              <a:rPr lang="en-US" dirty="0" smtClean="0">
                 <a:latin typeface="Times New Roman" pitchFamily="18" charset="0"/>
                 <a:cs typeface="Times New Roman" pitchFamily="18" charset="0"/>
               </a:rPr>
@@ -4581,7 +4554,7 @@
           <a:p>
             <a:pPr fontAlgn="base"/>
             <a:r>
-              <a:rPr lang="en-US" dirty="0">
+              <a:rPr lang="en-US" dirty="0" smtClean="0">
                 <a:latin typeface="Times New Roman" pitchFamily="18" charset="0"/>
                 <a:cs typeface="Times New Roman" pitchFamily="18" charset="0"/>
               </a:rPr>
@@ -4591,7 +4564,7 @@
           <a:p>
             <a:pPr fontAlgn="base"/>
             <a:r>
-              <a:rPr lang="en-US" b="1" dirty="0">
+              <a:rPr lang="en-US" b="1" dirty="0" smtClean="0">
                 <a:latin typeface="Times New Roman" pitchFamily="18" charset="0"/>
                 <a:cs typeface="Times New Roman" pitchFamily="18" charset="0"/>
               </a:rPr>
@@ -4601,7 +4574,7 @@
           <a:p>
             <a:pPr fontAlgn="base"/>
             <a:r>
-              <a:rPr lang="en-US" b="1" dirty="0">
+              <a:rPr lang="en-US" b="1" dirty="0" smtClean="0">
                 <a:latin typeface="Times New Roman" pitchFamily="18" charset="0"/>
                 <a:cs typeface="Times New Roman" pitchFamily="18" charset="0"/>
               </a:rPr>
@@ -4611,7 +4584,7 @@
           <a:p>
             <a:pPr fontAlgn="base"/>
             <a:r>
-              <a:rPr lang="en-US" b="1" dirty="0">
+              <a:rPr lang="en-US" b="1" dirty="0" smtClean="0">
                 <a:latin typeface="Times New Roman" pitchFamily="18" charset="0"/>
                 <a:cs typeface="Times New Roman" pitchFamily="18" charset="0"/>
               </a:rPr>
@@ -4620,7 +4593,7 @@
           </a:p>
           <a:p>
             <a:pPr fontAlgn="base"/>
-            <a:endParaRPr lang="en-US" dirty="0">
+            <a:endParaRPr lang="en-US" dirty="0" smtClean="0">
               <a:latin typeface="Times New Roman" pitchFamily="18" charset="0"/>
               <a:cs typeface="Times New Roman" pitchFamily="18" charset="0"/>
             </a:endParaRPr>
@@ -4647,7 +4620,7 @@
           <a:p>
             <a:fld id="{21E82DEC-1007-4203-9FBF-78A0418FAA1E}" type="datetime1">
               <a:rPr lang="en-US" smtClean="0"/>
-              <a:t>8/11/2021</a:t>
+              <a:t>8/26/2020</a:t>
             </a:fld>
             <a:endParaRPr lang="en-US"/>
           </a:p>
@@ -4669,9 +4642,10 @@
           <a:lstStyle/>
           <a:p>
             <a:r>
-              <a:rPr lang="en-US"/>
+              <a:rPr lang="en-US" smtClean="0"/>
               <a:t>2018 - 2022 </a:t>
             </a:r>
+            <a:endParaRPr lang="en-US"/>
           </a:p>
         </p:txBody>
       </p:sp>
@@ -4709,6 +4683,13 @@
   <p:clrMapOvr>
     <a:masterClrMapping/>
   </p:clrMapOvr>
+  <p:timing>
+    <p:tnLst>
+      <p:par>
+        <p:cTn id="1" dur="indefinite" restart="never" nodeType="tmRoot"/>
+      </p:par>
+    </p:tnLst>
+  </p:timing>
 </p:sld>
 </file>
 
@@ -4810,7 +4791,7 @@
           <a:p>
             <a:fld id="{181386C4-47BC-44A6-8042-5F519655969F}" type="datetime1">
               <a:rPr lang="en-US" smtClean="0"/>
-              <a:t>8/11/2021</a:t>
+              <a:t>8/26/2020</a:t>
             </a:fld>
             <a:endParaRPr lang="en-US"/>
           </a:p>
@@ -4832,9 +4813,10 @@
           <a:lstStyle/>
           <a:p>
             <a:r>
-              <a:rPr lang="en-US"/>
+              <a:rPr lang="en-US" smtClean="0"/>
               <a:t>2018 - 2022 </a:t>
             </a:r>
+            <a:endParaRPr lang="en-US"/>
           </a:p>
         </p:txBody>
       </p:sp>
@@ -4872,6 +4854,13 @@
   <p:clrMapOvr>
     <a:masterClrMapping/>
   </p:clrMapOvr>
+  <p:timing>
+    <p:tnLst>
+      <p:par>
+        <p:cTn id="1" dur="indefinite" restart="never" nodeType="tmRoot"/>
+      </p:par>
+    </p:tnLst>
+  </p:timing>
 </p:sld>
 </file>
 
@@ -4911,13 +4900,13 @@
               <a:buNone/>
             </a:pPr>
             <a:r>
-              <a:rPr lang="en-US" b="1" u="sng" dirty="0">
+              <a:rPr lang="en-US" b="1" u="sng" dirty="0" smtClean="0">
                 <a:latin typeface="Times New Roman" pitchFamily="18" charset="0"/>
                 <a:cs typeface="Times New Roman" pitchFamily="18" charset="0"/>
               </a:rPr>
               <a:t>Step-05:</a:t>
             </a:r>
-            <a:endParaRPr lang="en-US" dirty="0">
+            <a:endParaRPr lang="en-US" dirty="0" smtClean="0">
               <a:latin typeface="Times New Roman" pitchFamily="18" charset="0"/>
               <a:cs typeface="Times New Roman" pitchFamily="18" charset="0"/>
             </a:endParaRPr>
@@ -4925,7 +4914,7 @@
           <a:p>
             <a:pPr algn="just" fontAlgn="base"/>
             <a:r>
-              <a:rPr lang="en-US" dirty="0">
+              <a:rPr lang="en-US" dirty="0" smtClean="0">
                 <a:latin typeface="Times New Roman" pitchFamily="18" charset="0"/>
                 <a:cs typeface="Times New Roman" pitchFamily="18" charset="0"/>
               </a:rPr>
@@ -4934,7 +4923,7 @@
           </a:p>
           <a:p>
             <a:pPr algn="just" fontAlgn="base"/>
-            <a:endParaRPr lang="en-US" dirty="0">
+            <a:endParaRPr lang="en-US" dirty="0" smtClean="0">
               <a:latin typeface="Times New Roman" pitchFamily="18" charset="0"/>
               <a:cs typeface="Times New Roman" pitchFamily="18" charset="0"/>
             </a:endParaRPr>
@@ -4967,7 +4956,7 @@
           <a:p>
             <a:fld id="{7E56ECB5-E307-41B8-AE2F-FF49B46898C7}" type="datetime1">
               <a:rPr lang="en-US" smtClean="0"/>
-              <a:t>8/11/2021</a:t>
+              <a:t>8/26/2020</a:t>
             </a:fld>
             <a:endParaRPr lang="en-US"/>
           </a:p>
@@ -4989,9 +4978,10 @@
           <a:lstStyle/>
           <a:p>
             <a:r>
-              <a:rPr lang="en-US"/>
+              <a:rPr lang="en-US" smtClean="0"/>
               <a:t>2018 - 2022 </a:t>
             </a:r>
+            <a:endParaRPr lang="en-US"/>
           </a:p>
         </p:txBody>
       </p:sp>
@@ -5029,6 +5019,13 @@
   <p:clrMapOvr>
     <a:masterClrMapping/>
   </p:clrMapOvr>
+  <p:timing>
+    <p:tnLst>
+      <p:par>
+        <p:cTn id="1" dur="indefinite" restart="never" nodeType="tmRoot"/>
+      </p:par>
+    </p:tnLst>
+  </p:timing>
 </p:sld>
 </file>
 
@@ -5065,9 +5062,10 @@
           <a:lstStyle/>
           <a:p>
             <a:r>
-              <a:rPr lang="en-US" dirty="0"/>
+              <a:rPr lang="en-US" dirty="0" smtClean="0"/>
               <a:t>DDA algorithm </a:t>
             </a:r>
+            <a:endParaRPr lang="en-US" dirty="0"/>
           </a:p>
         </p:txBody>
       </p:sp>
@@ -5088,7 +5086,7 @@
           <a:p>
             <a:fld id="{932E59B6-88A8-4DBA-8068-17E9DAF8EA4A}" type="datetime1">
               <a:rPr lang="en-US" smtClean="0"/>
-              <a:t>8/11/2021</a:t>
+              <a:t>8/26/2020</a:t>
             </a:fld>
             <a:endParaRPr lang="en-US"/>
           </a:p>
@@ -5110,9 +5108,10 @@
           <a:lstStyle/>
           <a:p>
             <a:r>
-              <a:rPr lang="en-US"/>
+              <a:rPr lang="en-US" smtClean="0"/>
               <a:t>2018 - 2022 </a:t>
             </a:r>
+            <a:endParaRPr lang="en-US"/>
           </a:p>
         </p:txBody>
       </p:sp>
@@ -5193,6 +5192,13 @@
   <p:clrMapOvr>
     <a:masterClrMapping/>
   </p:clrMapOvr>
+  <p:timing>
+    <p:tnLst>
+      <p:par>
+        <p:cTn id="1" dur="indefinite" restart="never" nodeType="tmRoot"/>
+      </p:par>
+    </p:tnLst>
+  </p:timing>
 </p:sld>
 </file>
 
@@ -5332,7 +5338,7 @@
           <a:p>
             <a:fld id="{ED265DFC-4AEE-457F-8C00-DF06BA60D391}" type="datetime1">
               <a:rPr lang="en-US" smtClean="0"/>
-              <a:t>8/11/2021</a:t>
+              <a:t>8/26/2020</a:t>
             </a:fld>
             <a:endParaRPr lang="en-US"/>
           </a:p>
@@ -5354,9 +5360,10 @@
           <a:lstStyle/>
           <a:p>
             <a:r>
-              <a:rPr lang="en-US"/>
+              <a:rPr lang="en-US" smtClean="0"/>
               <a:t>2018 - 2022 </a:t>
             </a:r>
+            <a:endParaRPr lang="en-US"/>
           </a:p>
         </p:txBody>
       </p:sp>
@@ -5394,6 +5401,13 @@
   <p:clrMapOvr>
     <a:masterClrMapping/>
   </p:clrMapOvr>
+  <p:timing>
+    <p:tnLst>
+      <p:par>
+        <p:cTn id="1" dur="indefinite" restart="never" nodeType="tmRoot"/>
+      </p:par>
+    </p:tnLst>
+  </p:timing>
 </p:sld>
 </file>
 
@@ -5533,7 +5547,7 @@
           <a:p>
             <a:fld id="{E8B56A7C-5E17-4966-9AAE-45DBDD289DF7}" type="datetime1">
               <a:rPr lang="en-US" smtClean="0"/>
-              <a:t>8/11/2021</a:t>
+              <a:t>8/26/2020</a:t>
             </a:fld>
             <a:endParaRPr lang="en-US"/>
           </a:p>
@@ -5555,9 +5569,10 @@
           <a:lstStyle/>
           <a:p>
             <a:r>
-              <a:rPr lang="en-US"/>
+              <a:rPr lang="en-US" smtClean="0"/>
               <a:t>2018 - 2022 </a:t>
             </a:r>
+            <a:endParaRPr lang="en-US"/>
           </a:p>
         </p:txBody>
       </p:sp>
@@ -5659,6 +5674,13 @@
   <p:clrMapOvr>
     <a:masterClrMapping/>
   </p:clrMapOvr>
+  <p:timing>
+    <p:tnLst>
+      <p:par>
+        <p:cTn id="1" dur="indefinite" restart="never" nodeType="tmRoot"/>
+      </p:par>
+    </p:tnLst>
+  </p:timing>
 </p:sld>
 </file>
 
@@ -5695,9 +5717,10 @@
           <a:lstStyle/>
           <a:p>
             <a:r>
-              <a:rPr lang="en-US" dirty="0"/>
+              <a:rPr lang="en-US" dirty="0" smtClean="0"/>
               <a:t>Example 2</a:t>
             </a:r>
+            <a:endParaRPr lang="en-US" dirty="0"/>
           </a:p>
         </p:txBody>
       </p:sp>
@@ -5722,7 +5745,7 @@
               <a:buNone/>
             </a:pPr>
             <a:r>
-              <a:rPr lang="en-US" dirty="0">
+              <a:rPr lang="en-US" dirty="0" smtClean="0">
                 <a:solidFill>
                   <a:srgbClr val="FF0000"/>
                 </a:solidFill>
@@ -5737,7 +5760,7 @@
               <a:buNone/>
             </a:pPr>
             <a:r>
-              <a:rPr lang="en-US" dirty="0">
+              <a:rPr lang="en-US" dirty="0" smtClean="0">
                 <a:latin typeface="Times New Roman" pitchFamily="18" charset="0"/>
                 <a:cs typeface="Times New Roman" pitchFamily="18" charset="0"/>
               </a:rPr>
@@ -5747,35 +5770,35 @@
           <a:p>
             <a:pPr algn="just" fontAlgn="base"/>
             <a:r>
-              <a:rPr lang="en-US" dirty="0">
+              <a:rPr lang="en-US" dirty="0" smtClean="0">
                 <a:latin typeface="Times New Roman" pitchFamily="18" charset="0"/>
                 <a:cs typeface="Times New Roman" pitchFamily="18" charset="0"/>
               </a:rPr>
               <a:t>Starting coordinates = (X</a:t>
             </a:r>
             <a:r>
-              <a:rPr lang="en-US" baseline="-25000" dirty="0">
+              <a:rPr lang="en-US" baseline="-25000" dirty="0" smtClean="0">
                 <a:latin typeface="Times New Roman" pitchFamily="18" charset="0"/>
                 <a:cs typeface="Times New Roman" pitchFamily="18" charset="0"/>
               </a:rPr>
               <a:t>0</a:t>
             </a:r>
             <a:r>
-              <a:rPr lang="en-US" dirty="0">
+              <a:rPr lang="en-US" dirty="0" smtClean="0">
                 <a:latin typeface="Times New Roman" pitchFamily="18" charset="0"/>
                 <a:cs typeface="Times New Roman" pitchFamily="18" charset="0"/>
               </a:rPr>
               <a:t>, Y</a:t>
             </a:r>
             <a:r>
-              <a:rPr lang="en-US" baseline="-25000" dirty="0">
+              <a:rPr lang="en-US" baseline="-25000" dirty="0" smtClean="0">
                 <a:latin typeface="Times New Roman" pitchFamily="18" charset="0"/>
                 <a:cs typeface="Times New Roman" pitchFamily="18" charset="0"/>
               </a:rPr>
               <a:t>0</a:t>
             </a:r>
             <a:r>
-              <a:rPr lang="en-US" dirty="0">
+              <a:rPr lang="en-US" dirty="0" smtClean="0">
                 <a:latin typeface="Times New Roman" pitchFamily="18" charset="0"/>
                 <a:cs typeface="Times New Roman" pitchFamily="18" charset="0"/>
               </a:rPr>
@@ -5785,49 +5808,49 @@
           <a:p>
             <a:pPr algn="just" fontAlgn="base"/>
             <a:r>
-              <a:rPr lang="en-US" dirty="0">
+              <a:rPr lang="en-US" dirty="0" smtClean="0">
                 <a:latin typeface="Times New Roman" pitchFamily="18" charset="0"/>
                 <a:cs typeface="Times New Roman" pitchFamily="18" charset="0"/>
               </a:rPr>
               <a:t>Ending coordinates = (</a:t>
             </a:r>
             <a:r>
-              <a:rPr lang="en-US" dirty="0" err="1">
+              <a:rPr lang="en-US" dirty="0" err="1" smtClean="0">
                 <a:latin typeface="Times New Roman" pitchFamily="18" charset="0"/>
                 <a:cs typeface="Times New Roman" pitchFamily="18" charset="0"/>
               </a:rPr>
               <a:t>X</a:t>
             </a:r>
             <a:r>
-              <a:rPr lang="en-US" baseline="-25000" dirty="0" err="1">
+              <a:rPr lang="en-US" baseline="-25000" dirty="0" err="1" smtClean="0">
                 <a:latin typeface="Times New Roman" pitchFamily="18" charset="0"/>
                 <a:cs typeface="Times New Roman" pitchFamily="18" charset="0"/>
               </a:rPr>
               <a:t>n</a:t>
             </a:r>
             <a:r>
-              <a:rPr lang="en-US" dirty="0">
+              <a:rPr lang="en-US" dirty="0" smtClean="0">
                 <a:latin typeface="Times New Roman" pitchFamily="18" charset="0"/>
                 <a:cs typeface="Times New Roman" pitchFamily="18" charset="0"/>
               </a:rPr>
               <a:t>, </a:t>
             </a:r>
             <a:r>
-              <a:rPr lang="en-US" dirty="0" err="1">
+              <a:rPr lang="en-US" dirty="0" err="1" smtClean="0">
                 <a:latin typeface="Times New Roman" pitchFamily="18" charset="0"/>
                 <a:cs typeface="Times New Roman" pitchFamily="18" charset="0"/>
               </a:rPr>
               <a:t>Y</a:t>
             </a:r>
             <a:r>
-              <a:rPr lang="en-US" baseline="-25000" dirty="0" err="1">
+              <a:rPr lang="en-US" baseline="-25000" dirty="0" err="1" smtClean="0">
                 <a:latin typeface="Times New Roman" pitchFamily="18" charset="0"/>
                 <a:cs typeface="Times New Roman" pitchFamily="18" charset="0"/>
               </a:rPr>
               <a:t>n</a:t>
             </a:r>
             <a:r>
-              <a:rPr lang="en-US" dirty="0">
+              <a:rPr lang="en-US" dirty="0" smtClean="0">
                 <a:latin typeface="Times New Roman" pitchFamily="18" charset="0"/>
                 <a:cs typeface="Times New Roman" pitchFamily="18" charset="0"/>
               </a:rPr>
@@ -5839,13 +5862,13 @@
               <a:buNone/>
             </a:pPr>
             <a:r>
-              <a:rPr lang="en-US" b="1" u="sng" dirty="0">
+              <a:rPr lang="en-US" b="1" u="sng" dirty="0" smtClean="0">
                 <a:latin typeface="Times New Roman" pitchFamily="18" charset="0"/>
                 <a:cs typeface="Times New Roman" pitchFamily="18" charset="0"/>
               </a:rPr>
               <a:t>Step-01:</a:t>
             </a:r>
-            <a:endParaRPr lang="en-US" b="1" dirty="0">
+            <a:endParaRPr lang="en-US" b="1" dirty="0" smtClean="0">
               <a:latin typeface="Times New Roman" pitchFamily="18" charset="0"/>
               <a:cs typeface="Times New Roman" pitchFamily="18" charset="0"/>
             </a:endParaRPr>
@@ -5855,7 +5878,7 @@
               <a:buNone/>
             </a:pPr>
             <a:r>
-              <a:rPr lang="en-US" dirty="0">
+              <a:rPr lang="en-US" dirty="0" smtClean="0">
                 <a:latin typeface="Times New Roman" pitchFamily="18" charset="0"/>
                 <a:cs typeface="Times New Roman" pitchFamily="18" charset="0"/>
               </a:rPr>
@@ -5865,7 +5888,7 @@
           <a:p>
             <a:pPr algn="just" fontAlgn="base"/>
             <a:r>
-              <a:rPr lang="en-US" dirty="0">
+              <a:rPr lang="en-US" dirty="0" smtClean="0">
                 <a:latin typeface="Times New Roman" pitchFamily="18" charset="0"/>
                 <a:cs typeface="Times New Roman" pitchFamily="18" charset="0"/>
               </a:rPr>
@@ -5875,42 +5898,42 @@
           <a:p>
             <a:pPr algn="just" fontAlgn="base"/>
             <a:r>
-              <a:rPr lang="en-US" dirty="0">
+              <a:rPr lang="en-US" dirty="0" smtClean="0">
                 <a:latin typeface="Times New Roman" pitchFamily="18" charset="0"/>
                 <a:cs typeface="Times New Roman" pitchFamily="18" charset="0"/>
               </a:rPr>
               <a:t>ΔX = </a:t>
             </a:r>
             <a:r>
-              <a:rPr lang="en-US" dirty="0" err="1">
+              <a:rPr lang="en-US" dirty="0" err="1" smtClean="0">
                 <a:latin typeface="Times New Roman" pitchFamily="18" charset="0"/>
                 <a:cs typeface="Times New Roman" pitchFamily="18" charset="0"/>
               </a:rPr>
               <a:t>X</a:t>
             </a:r>
             <a:r>
-              <a:rPr lang="en-US" baseline="-25000" dirty="0" err="1">
+              <a:rPr lang="en-US" baseline="-25000" dirty="0" err="1" smtClean="0">
                 <a:latin typeface="Times New Roman" pitchFamily="18" charset="0"/>
                 <a:cs typeface="Times New Roman" pitchFamily="18" charset="0"/>
               </a:rPr>
               <a:t>n</a:t>
             </a:r>
             <a:r>
-              <a:rPr lang="en-US" dirty="0">
+              <a:rPr lang="en-US" dirty="0" smtClean="0">
                 <a:latin typeface="Times New Roman" pitchFamily="18" charset="0"/>
                 <a:cs typeface="Times New Roman" pitchFamily="18" charset="0"/>
               </a:rPr>
               <a:t> – X</a:t>
             </a:r>
             <a:r>
-              <a:rPr lang="en-US" baseline="-25000" dirty="0">
+              <a:rPr lang="en-US" baseline="-25000" dirty="0" smtClean="0">
                 <a:latin typeface="Times New Roman" pitchFamily="18" charset="0"/>
                 <a:cs typeface="Times New Roman" pitchFamily="18" charset="0"/>
               </a:rPr>
               <a:t>0</a:t>
             </a:r>
             <a:r>
-              <a:rPr lang="en-US" dirty="0">
+              <a:rPr lang="en-US" dirty="0" smtClean="0">
                 <a:latin typeface="Times New Roman" pitchFamily="18" charset="0"/>
                 <a:cs typeface="Times New Roman" pitchFamily="18" charset="0"/>
               </a:rPr>
@@ -5920,42 +5943,42 @@
           <a:p>
             <a:pPr algn="just" fontAlgn="base"/>
             <a:r>
-              <a:rPr lang="en-US" dirty="0">
+              <a:rPr lang="en-US" dirty="0" smtClean="0">
                 <a:latin typeface="Times New Roman" pitchFamily="18" charset="0"/>
                 <a:cs typeface="Times New Roman" pitchFamily="18" charset="0"/>
               </a:rPr>
               <a:t>ΔY =</a:t>
             </a:r>
             <a:r>
-              <a:rPr lang="en-US" dirty="0" err="1">
+              <a:rPr lang="en-US" dirty="0" err="1" smtClean="0">
                 <a:latin typeface="Times New Roman" pitchFamily="18" charset="0"/>
                 <a:cs typeface="Times New Roman" pitchFamily="18" charset="0"/>
               </a:rPr>
               <a:t>Y</a:t>
             </a:r>
             <a:r>
-              <a:rPr lang="en-US" baseline="-25000" dirty="0" err="1">
+              <a:rPr lang="en-US" baseline="-25000" dirty="0" err="1" smtClean="0">
                 <a:latin typeface="Times New Roman" pitchFamily="18" charset="0"/>
                 <a:cs typeface="Times New Roman" pitchFamily="18" charset="0"/>
               </a:rPr>
               <a:t>n</a:t>
             </a:r>
             <a:r>
-              <a:rPr lang="en-US" dirty="0">
+              <a:rPr lang="en-US" dirty="0" smtClean="0">
                 <a:latin typeface="Times New Roman" pitchFamily="18" charset="0"/>
                 <a:cs typeface="Times New Roman" pitchFamily="18" charset="0"/>
               </a:rPr>
               <a:t> – Y</a:t>
             </a:r>
             <a:r>
-              <a:rPr lang="en-US" baseline="-25000" dirty="0">
+              <a:rPr lang="en-US" baseline="-25000" dirty="0" smtClean="0">
                 <a:latin typeface="Times New Roman" pitchFamily="18" charset="0"/>
                 <a:cs typeface="Times New Roman" pitchFamily="18" charset="0"/>
               </a:rPr>
               <a:t>0</a:t>
             </a:r>
             <a:r>
-              <a:rPr lang="en-US" dirty="0">
+              <a:rPr lang="en-US" dirty="0" smtClean="0">
                 <a:latin typeface="Times New Roman" pitchFamily="18" charset="0"/>
                 <a:cs typeface="Times New Roman" pitchFamily="18" charset="0"/>
               </a:rPr>
@@ -5965,7 +5988,7 @@
           <a:p>
             <a:pPr algn="just" fontAlgn="base"/>
             <a:r>
-              <a:rPr lang="en-US" dirty="0">
+              <a:rPr lang="en-US" dirty="0" smtClean="0">
                 <a:latin typeface="Times New Roman" pitchFamily="18" charset="0"/>
                 <a:cs typeface="Times New Roman" pitchFamily="18" charset="0"/>
               </a:rPr>
@@ -5974,7 +5997,7 @@
           </a:p>
           <a:p>
             <a:pPr fontAlgn="base"/>
-            <a:endParaRPr lang="en-US" dirty="0"/>
+            <a:endParaRPr lang="en-US" dirty="0" smtClean="0"/>
           </a:p>
           <a:p>
             <a:pPr>
@@ -6001,7 +6024,7 @@
           <a:p>
             <a:fld id="{87955F6B-64F0-4D74-8BE3-3472AF982B0C}" type="datetime1">
               <a:rPr lang="en-US" smtClean="0"/>
-              <a:t>8/11/2021</a:t>
+              <a:t>8/26/2020</a:t>
             </a:fld>
             <a:endParaRPr lang="en-US"/>
           </a:p>
@@ -6023,9 +6046,10 @@
           <a:lstStyle/>
           <a:p>
             <a:r>
-              <a:rPr lang="en-US"/>
+              <a:rPr lang="en-US" smtClean="0"/>
               <a:t>2018 - 2022 </a:t>
             </a:r>
+            <a:endParaRPr lang="en-US"/>
           </a:p>
         </p:txBody>
       </p:sp>
@@ -6063,6 +6087,13 @@
   <p:clrMapOvr>
     <a:masterClrMapping/>
   </p:clrMapOvr>
+  <p:timing>
+    <p:tnLst>
+      <p:par>
+        <p:cTn id="1" dur="indefinite" restart="never" nodeType="tmRoot"/>
+      </p:par>
+    </p:tnLst>
+  </p:timing>
 </p:sld>
 </file>
 
@@ -6104,13 +6135,13 @@
               <a:buNone/>
             </a:pPr>
             <a:r>
-              <a:rPr lang="en-US" b="1" u="sng" dirty="0">
+              <a:rPr lang="en-US" b="1" u="sng" dirty="0" smtClean="0">
                 <a:latin typeface="Times New Roman" pitchFamily="18" charset="0"/>
                 <a:cs typeface="Times New Roman" pitchFamily="18" charset="0"/>
               </a:rPr>
               <a:t>Step-02:</a:t>
             </a:r>
-            <a:endParaRPr lang="en-US" dirty="0">
+            <a:endParaRPr lang="en-US" dirty="0" smtClean="0">
               <a:latin typeface="Times New Roman" pitchFamily="18" charset="0"/>
               <a:cs typeface="Times New Roman" pitchFamily="18" charset="0"/>
             </a:endParaRPr>
@@ -6118,7 +6149,7 @@
           <a:p>
             <a:pPr algn="just" fontAlgn="base"/>
             <a:r>
-              <a:rPr lang="en-US" dirty="0">
+              <a:rPr lang="en-US" dirty="0" smtClean="0">
                 <a:latin typeface="Times New Roman" pitchFamily="18" charset="0"/>
                 <a:cs typeface="Times New Roman" pitchFamily="18" charset="0"/>
               </a:rPr>
@@ -6128,7 +6159,7 @@
           <a:p>
             <a:pPr algn="just" fontAlgn="base"/>
             <a:r>
-              <a:rPr lang="en-US" dirty="0">
+              <a:rPr lang="en-US" dirty="0" smtClean="0">
                 <a:latin typeface="Times New Roman" pitchFamily="18" charset="0"/>
                 <a:cs typeface="Times New Roman" pitchFamily="18" charset="0"/>
               </a:rPr>
@@ -6138,7 +6169,7 @@
           <a:p>
             <a:pPr algn="just" fontAlgn="base"/>
             <a:r>
-              <a:rPr lang="en-US" dirty="0">
+              <a:rPr lang="en-US" dirty="0" smtClean="0">
                 <a:latin typeface="Times New Roman" pitchFamily="18" charset="0"/>
                 <a:cs typeface="Times New Roman" pitchFamily="18" charset="0"/>
               </a:rPr>
@@ -6148,13 +6179,13 @@
           <a:p>
             <a:pPr algn="just" fontAlgn="base"/>
             <a:r>
-              <a:rPr lang="en-US" b="1" u="sng" dirty="0">
+              <a:rPr lang="en-US" b="1" u="sng" dirty="0" smtClean="0">
                 <a:latin typeface="Times New Roman" pitchFamily="18" charset="0"/>
                 <a:cs typeface="Times New Roman" pitchFamily="18" charset="0"/>
               </a:rPr>
               <a:t>Step-03:</a:t>
             </a:r>
-            <a:endParaRPr lang="en-US" dirty="0">
+            <a:endParaRPr lang="en-US" dirty="0" smtClean="0">
               <a:latin typeface="Times New Roman" pitchFamily="18" charset="0"/>
               <a:cs typeface="Times New Roman" pitchFamily="18" charset="0"/>
             </a:endParaRPr>
@@ -6162,7 +6193,7 @@
           <a:p>
             <a:pPr algn="just" fontAlgn="base"/>
             <a:r>
-              <a:rPr lang="en-US" dirty="0">
+              <a:rPr lang="en-US" dirty="0" smtClean="0">
                 <a:latin typeface="Times New Roman" pitchFamily="18" charset="0"/>
                 <a:cs typeface="Times New Roman" pitchFamily="18" charset="0"/>
               </a:rPr>
@@ -6174,7 +6205,7 @@
               <a:buNone/>
             </a:pPr>
             <a:r>
-              <a:rPr lang="en-US" dirty="0">
+              <a:rPr lang="en-US" dirty="0" smtClean="0">
                 <a:latin typeface="Times New Roman" pitchFamily="18" charset="0"/>
                 <a:cs typeface="Times New Roman" pitchFamily="18" charset="0"/>
               </a:rPr>
@@ -6185,7 +6216,7 @@
             <a:pPr algn="just" fontAlgn="base">
               <a:buNone/>
             </a:pPr>
-            <a:endParaRPr lang="en-US" dirty="0">
+            <a:endParaRPr lang="en-US" dirty="0" smtClean="0">
               <a:latin typeface="Times New Roman" pitchFamily="18" charset="0"/>
               <a:cs typeface="Times New Roman" pitchFamily="18" charset="0"/>
             </a:endParaRPr>
@@ -6195,7 +6226,7 @@
               <a:buNone/>
             </a:pPr>
             <a:r>
-              <a:rPr lang="en-US" dirty="0">
+              <a:rPr lang="en-US" dirty="0" smtClean="0">
                 <a:latin typeface="Times New Roman" pitchFamily="18" charset="0"/>
                 <a:cs typeface="Times New Roman" pitchFamily="18" charset="0"/>
               </a:rPr>
@@ -6224,7 +6255,7 @@
           <a:p>
             <a:fld id="{8F4E1662-E440-47BD-A678-BE23A1876343}" type="datetime1">
               <a:rPr lang="en-US" smtClean="0"/>
-              <a:t>8/11/2021</a:t>
+              <a:t>8/26/2020</a:t>
             </a:fld>
             <a:endParaRPr lang="en-US"/>
           </a:p>
@@ -6246,9 +6277,10 @@
           <a:lstStyle/>
           <a:p>
             <a:r>
-              <a:rPr lang="en-US"/>
+              <a:rPr lang="en-US" smtClean="0"/>
               <a:t>2018 - 2022 </a:t>
             </a:r>
+            <a:endParaRPr lang="en-US"/>
           </a:p>
         </p:txBody>
       </p:sp>
@@ -6286,6 +6318,13 @@
   <p:clrMapOvr>
     <a:masterClrMapping/>
   </p:clrMapOvr>
+  <p:timing>
+    <p:tnLst>
+      <p:par>
+        <p:cTn id="1" dur="indefinite" restart="never" nodeType="tmRoot"/>
+      </p:par>
+    </p:tnLst>
+  </p:timing>
 </p:sld>
 </file>
 
@@ -6323,9 +6362,10 @@
           <a:p>
             <a:pPr algn="l"/>
             <a:r>
-              <a:rPr lang="en-US" dirty="0"/>
+              <a:rPr lang="en-US" dirty="0" smtClean="0"/>
               <a:t>Syllabus</a:t>
             </a:r>
+            <a:endParaRPr lang="en-US" dirty="0"/>
           </a:p>
         </p:txBody>
       </p:sp>
@@ -6377,7 +6417,7 @@
           <a:p>
             <a:fld id="{F1ADE01E-515C-472E-8839-25F50E3CC6A5}" type="datetime1">
               <a:rPr lang="en-US" smtClean="0"/>
-              <a:t>8/11/2021</a:t>
+              <a:t>8/26/2020</a:t>
             </a:fld>
             <a:endParaRPr lang="en-US"/>
           </a:p>
@@ -6399,9 +6439,10 @@
           <a:lstStyle/>
           <a:p>
             <a:r>
-              <a:rPr lang="en-US"/>
+              <a:rPr lang="en-US" smtClean="0"/>
               <a:t>2018 - 2022 </a:t>
             </a:r>
+            <a:endParaRPr lang="en-US"/>
           </a:p>
         </p:txBody>
       </p:sp>
@@ -6439,6 +6480,13 @@
   <p:clrMapOvr>
     <a:masterClrMapping/>
   </p:clrMapOvr>
+  <p:timing>
+    <p:tnLst>
+      <p:par>
+        <p:cTn id="1" dur="indefinite" restart="never" nodeType="tmRoot"/>
+      </p:par>
+    </p:tnLst>
+  </p:timing>
 </p:sld>
 </file>
 
@@ -6529,7 +6577,7 @@
           <a:p>
             <a:fld id="{64803EE3-41B1-4587-82F7-00073391B12C}" type="datetime1">
               <a:rPr lang="en-US" smtClean="0"/>
-              <a:t>8/11/2021</a:t>
+              <a:t>8/26/2020</a:t>
             </a:fld>
             <a:endParaRPr lang="en-US"/>
           </a:p>
@@ -6551,9 +6599,10 @@
           <a:lstStyle/>
           <a:p>
             <a:r>
-              <a:rPr lang="en-US"/>
+              <a:rPr lang="en-US" smtClean="0"/>
               <a:t>2018 - 2022 </a:t>
             </a:r>
+            <a:endParaRPr lang="en-US"/>
           </a:p>
         </p:txBody>
       </p:sp>
@@ -6591,6 +6640,13 @@
   <p:clrMapOvr>
     <a:masterClrMapping/>
   </p:clrMapOvr>
+  <p:timing>
+    <p:tnLst>
+      <p:par>
+        <p:cTn id="1" dur="indefinite" restart="never" nodeType="tmRoot"/>
+      </p:par>
+    </p:tnLst>
+  </p:timing>
 </p:sld>
 </file>
 
@@ -6647,7 +6703,7 @@
           <a:p>
             <a:fld id="{FDB1ED11-27A7-4CE0-B311-853387DCEB44}" type="datetime1">
               <a:rPr lang="en-US" smtClean="0"/>
-              <a:t>8/11/2021</a:t>
+              <a:t>8/26/2020</a:t>
             </a:fld>
             <a:endParaRPr lang="en-US"/>
           </a:p>
@@ -6669,9 +6725,10 @@
           <a:lstStyle/>
           <a:p>
             <a:r>
-              <a:rPr lang="en-US"/>
+              <a:rPr lang="en-US" smtClean="0"/>
               <a:t>2018 - 2022 </a:t>
             </a:r>
+            <a:endParaRPr lang="en-US"/>
           </a:p>
         </p:txBody>
       </p:sp>
@@ -6743,6 +6800,13 @@
   <p:clrMapOvr>
     <a:masterClrMapping/>
   </p:clrMapOvr>
+  <p:timing>
+    <p:tnLst>
+      <p:par>
+        <p:cTn id="1" dur="indefinite" restart="never" nodeType="tmRoot"/>
+      </p:par>
+    </p:tnLst>
+  </p:timing>
 </p:sld>
 </file>
 
@@ -6779,9 +6843,10 @@
           <a:lstStyle/>
           <a:p>
             <a:r>
-              <a:rPr lang="en-US" dirty="0"/>
+              <a:rPr lang="en-US" dirty="0" smtClean="0"/>
               <a:t>Example 3</a:t>
             </a:r>
+            <a:endParaRPr lang="en-US" dirty="0"/>
           </a:p>
         </p:txBody>
       </p:sp>
@@ -6806,7 +6871,7 @@
               <a:buNone/>
             </a:pPr>
             <a:r>
-              <a:rPr lang="en-US" dirty="0">
+              <a:rPr lang="en-US" dirty="0" smtClean="0">
                 <a:solidFill>
                   <a:srgbClr val="FF0000"/>
                 </a:solidFill>
@@ -6821,7 +6886,7 @@
               <a:buNone/>
             </a:pPr>
             <a:r>
-              <a:rPr lang="en-US" dirty="0">
+              <a:rPr lang="en-US" dirty="0" smtClean="0">
                 <a:latin typeface="Times New Roman" pitchFamily="18" charset="0"/>
                 <a:cs typeface="Times New Roman" pitchFamily="18" charset="0"/>
               </a:rPr>
@@ -6831,35 +6896,35 @@
           <a:p>
             <a:pPr fontAlgn="base"/>
             <a:r>
-              <a:rPr lang="en-US" dirty="0">
+              <a:rPr lang="en-US" dirty="0" smtClean="0">
                 <a:latin typeface="Times New Roman" pitchFamily="18" charset="0"/>
                 <a:cs typeface="Times New Roman" pitchFamily="18" charset="0"/>
               </a:rPr>
               <a:t>Starting coordinates = (X</a:t>
             </a:r>
             <a:r>
-              <a:rPr lang="en-US" baseline="-25000" dirty="0">
+              <a:rPr lang="en-US" baseline="-25000" dirty="0" smtClean="0">
                 <a:latin typeface="Times New Roman" pitchFamily="18" charset="0"/>
                 <a:cs typeface="Times New Roman" pitchFamily="18" charset="0"/>
               </a:rPr>
               <a:t>0</a:t>
             </a:r>
             <a:r>
-              <a:rPr lang="en-US" dirty="0">
+              <a:rPr lang="en-US" dirty="0" smtClean="0">
                 <a:latin typeface="Times New Roman" pitchFamily="18" charset="0"/>
                 <a:cs typeface="Times New Roman" pitchFamily="18" charset="0"/>
               </a:rPr>
               <a:t>, Y</a:t>
             </a:r>
             <a:r>
-              <a:rPr lang="en-US" baseline="-25000" dirty="0">
+              <a:rPr lang="en-US" baseline="-25000" dirty="0" smtClean="0">
                 <a:latin typeface="Times New Roman" pitchFamily="18" charset="0"/>
                 <a:cs typeface="Times New Roman" pitchFamily="18" charset="0"/>
               </a:rPr>
               <a:t>0</a:t>
             </a:r>
             <a:r>
-              <a:rPr lang="en-US" dirty="0">
+              <a:rPr lang="en-US" dirty="0" smtClean="0">
                 <a:latin typeface="Times New Roman" pitchFamily="18" charset="0"/>
                 <a:cs typeface="Times New Roman" pitchFamily="18" charset="0"/>
               </a:rPr>
@@ -6869,49 +6934,49 @@
           <a:p>
             <a:pPr fontAlgn="base"/>
             <a:r>
-              <a:rPr lang="en-US" dirty="0">
+              <a:rPr lang="en-US" dirty="0" smtClean="0">
                 <a:latin typeface="Times New Roman" pitchFamily="18" charset="0"/>
                 <a:cs typeface="Times New Roman" pitchFamily="18" charset="0"/>
               </a:rPr>
               <a:t>Ending coordinates = (</a:t>
             </a:r>
             <a:r>
-              <a:rPr lang="en-US" dirty="0" err="1">
+              <a:rPr lang="en-US" dirty="0" err="1" smtClean="0">
                 <a:latin typeface="Times New Roman" pitchFamily="18" charset="0"/>
                 <a:cs typeface="Times New Roman" pitchFamily="18" charset="0"/>
               </a:rPr>
               <a:t>X</a:t>
             </a:r>
             <a:r>
-              <a:rPr lang="en-US" baseline="-25000" dirty="0" err="1">
+              <a:rPr lang="en-US" baseline="-25000" dirty="0" err="1" smtClean="0">
                 <a:latin typeface="Times New Roman" pitchFamily="18" charset="0"/>
                 <a:cs typeface="Times New Roman" pitchFamily="18" charset="0"/>
               </a:rPr>
               <a:t>n</a:t>
             </a:r>
             <a:r>
-              <a:rPr lang="en-US" dirty="0">
+              <a:rPr lang="en-US" dirty="0" smtClean="0">
                 <a:latin typeface="Times New Roman" pitchFamily="18" charset="0"/>
                 <a:cs typeface="Times New Roman" pitchFamily="18" charset="0"/>
               </a:rPr>
               <a:t>, </a:t>
             </a:r>
             <a:r>
-              <a:rPr lang="en-US" dirty="0" err="1">
+              <a:rPr lang="en-US" dirty="0" err="1" smtClean="0">
                 <a:latin typeface="Times New Roman" pitchFamily="18" charset="0"/>
                 <a:cs typeface="Times New Roman" pitchFamily="18" charset="0"/>
               </a:rPr>
               <a:t>Y</a:t>
             </a:r>
             <a:r>
-              <a:rPr lang="en-US" baseline="-25000" dirty="0" err="1">
+              <a:rPr lang="en-US" baseline="-25000" dirty="0" err="1" smtClean="0">
                 <a:latin typeface="Times New Roman" pitchFamily="18" charset="0"/>
                 <a:cs typeface="Times New Roman" pitchFamily="18" charset="0"/>
               </a:rPr>
               <a:t>n</a:t>
             </a:r>
             <a:r>
-              <a:rPr lang="en-US" dirty="0">
+              <a:rPr lang="en-US" dirty="0" smtClean="0">
                 <a:latin typeface="Times New Roman" pitchFamily="18" charset="0"/>
                 <a:cs typeface="Times New Roman" pitchFamily="18" charset="0"/>
               </a:rPr>
@@ -6923,14 +6988,14 @@
               <a:buNone/>
             </a:pPr>
             <a:r>
-              <a:rPr lang="en-US" b="1" u="sng" dirty="0">
+              <a:rPr lang="en-US" b="1" u="sng" dirty="0" smtClean="0">
                 <a:latin typeface="Times New Roman" pitchFamily="18" charset="0"/>
                 <a:cs typeface="Times New Roman" pitchFamily="18" charset="0"/>
               </a:rPr>
               <a:t>Step-01:</a:t>
             </a:r>
             <a:r>
-              <a:rPr lang="en-US" dirty="0">
+              <a:rPr lang="en-US" dirty="0" smtClean="0">
                 <a:latin typeface="Times New Roman" pitchFamily="18" charset="0"/>
                 <a:cs typeface="Times New Roman" pitchFamily="18" charset="0"/>
               </a:rPr>
@@ -6940,7 +7005,7 @@
           <a:p>
             <a:pPr fontAlgn="base"/>
             <a:r>
-              <a:rPr lang="en-US" dirty="0">
+              <a:rPr lang="en-US" dirty="0" smtClean="0">
                 <a:latin typeface="Times New Roman" pitchFamily="18" charset="0"/>
                 <a:cs typeface="Times New Roman" pitchFamily="18" charset="0"/>
               </a:rPr>
@@ -6950,42 +7015,42 @@
           <a:p>
             <a:pPr fontAlgn="base"/>
             <a:r>
-              <a:rPr lang="en-US" dirty="0">
+              <a:rPr lang="en-US" dirty="0" smtClean="0">
                 <a:latin typeface="Times New Roman" pitchFamily="18" charset="0"/>
                 <a:cs typeface="Times New Roman" pitchFamily="18" charset="0"/>
               </a:rPr>
               <a:t>ΔX = </a:t>
             </a:r>
             <a:r>
-              <a:rPr lang="en-US" dirty="0" err="1">
+              <a:rPr lang="en-US" dirty="0" err="1" smtClean="0">
                 <a:latin typeface="Times New Roman" pitchFamily="18" charset="0"/>
                 <a:cs typeface="Times New Roman" pitchFamily="18" charset="0"/>
               </a:rPr>
               <a:t>X</a:t>
             </a:r>
             <a:r>
-              <a:rPr lang="en-US" baseline="-25000" dirty="0" err="1">
+              <a:rPr lang="en-US" baseline="-25000" dirty="0" err="1" smtClean="0">
                 <a:latin typeface="Times New Roman" pitchFamily="18" charset="0"/>
                 <a:cs typeface="Times New Roman" pitchFamily="18" charset="0"/>
               </a:rPr>
               <a:t>n</a:t>
             </a:r>
             <a:r>
-              <a:rPr lang="en-US" dirty="0">
+              <a:rPr lang="en-US" dirty="0" smtClean="0">
                 <a:latin typeface="Times New Roman" pitchFamily="18" charset="0"/>
                 <a:cs typeface="Times New Roman" pitchFamily="18" charset="0"/>
               </a:rPr>
               <a:t> – X</a:t>
             </a:r>
             <a:r>
-              <a:rPr lang="en-US" baseline="-25000" dirty="0">
+              <a:rPr lang="en-US" baseline="-25000" dirty="0" smtClean="0">
                 <a:latin typeface="Times New Roman" pitchFamily="18" charset="0"/>
                 <a:cs typeface="Times New Roman" pitchFamily="18" charset="0"/>
               </a:rPr>
               <a:t>0</a:t>
             </a:r>
             <a:r>
-              <a:rPr lang="en-US" dirty="0">
+              <a:rPr lang="en-US" dirty="0" smtClean="0">
                 <a:latin typeface="Times New Roman" pitchFamily="18" charset="0"/>
                 <a:cs typeface="Times New Roman" pitchFamily="18" charset="0"/>
               </a:rPr>
@@ -6995,42 +7060,42 @@
           <a:p>
             <a:pPr fontAlgn="base"/>
             <a:r>
-              <a:rPr lang="en-US" dirty="0">
+              <a:rPr lang="en-US" dirty="0" smtClean="0">
                 <a:latin typeface="Times New Roman" pitchFamily="18" charset="0"/>
                 <a:cs typeface="Times New Roman" pitchFamily="18" charset="0"/>
               </a:rPr>
               <a:t>ΔY =</a:t>
             </a:r>
             <a:r>
-              <a:rPr lang="en-US" dirty="0" err="1">
+              <a:rPr lang="en-US" dirty="0" err="1" smtClean="0">
                 <a:latin typeface="Times New Roman" pitchFamily="18" charset="0"/>
                 <a:cs typeface="Times New Roman" pitchFamily="18" charset="0"/>
               </a:rPr>
               <a:t>Y</a:t>
             </a:r>
             <a:r>
-              <a:rPr lang="en-US" baseline="-25000" dirty="0" err="1">
+              <a:rPr lang="en-US" baseline="-25000" dirty="0" err="1" smtClean="0">
                 <a:latin typeface="Times New Roman" pitchFamily="18" charset="0"/>
                 <a:cs typeface="Times New Roman" pitchFamily="18" charset="0"/>
               </a:rPr>
               <a:t>n</a:t>
             </a:r>
             <a:r>
-              <a:rPr lang="en-US" dirty="0">
+              <a:rPr lang="en-US" dirty="0" smtClean="0">
                 <a:latin typeface="Times New Roman" pitchFamily="18" charset="0"/>
                 <a:cs typeface="Times New Roman" pitchFamily="18" charset="0"/>
               </a:rPr>
               <a:t> – Y</a:t>
             </a:r>
             <a:r>
-              <a:rPr lang="en-US" baseline="-25000" dirty="0">
+              <a:rPr lang="en-US" baseline="-25000" dirty="0" smtClean="0">
                 <a:latin typeface="Times New Roman" pitchFamily="18" charset="0"/>
                 <a:cs typeface="Times New Roman" pitchFamily="18" charset="0"/>
               </a:rPr>
               <a:t>0</a:t>
             </a:r>
             <a:r>
-              <a:rPr lang="en-US" dirty="0">
+              <a:rPr lang="en-US" dirty="0" smtClean="0">
                 <a:latin typeface="Times New Roman" pitchFamily="18" charset="0"/>
                 <a:cs typeface="Times New Roman" pitchFamily="18" charset="0"/>
               </a:rPr>
@@ -7040,7 +7105,7 @@
           <a:p>
             <a:pPr fontAlgn="base"/>
             <a:r>
-              <a:rPr lang="en-US" dirty="0">
+              <a:rPr lang="en-US" dirty="0" smtClean="0">
                 <a:latin typeface="Times New Roman" pitchFamily="18" charset="0"/>
                 <a:cs typeface="Times New Roman" pitchFamily="18" charset="0"/>
               </a:rPr>
@@ -7051,7 +7116,7 @@
             <a:pPr fontAlgn="base">
               <a:buNone/>
             </a:pPr>
-            <a:endParaRPr lang="en-US" dirty="0"/>
+            <a:endParaRPr lang="en-US" dirty="0" smtClean="0"/>
           </a:p>
           <a:p>
             <a:pPr>
@@ -7078,7 +7143,7 @@
           <a:p>
             <a:fld id="{26475FEE-8321-4494-8EC2-C1972EA45753}" type="datetime1">
               <a:rPr lang="en-US" smtClean="0"/>
-              <a:t>8/11/2021</a:t>
+              <a:t>8/26/2020</a:t>
             </a:fld>
             <a:endParaRPr lang="en-US"/>
           </a:p>
@@ -7100,9 +7165,10 @@
           <a:lstStyle/>
           <a:p>
             <a:r>
-              <a:rPr lang="en-US"/>
+              <a:rPr lang="en-US" smtClean="0"/>
               <a:t>2018 - 2022 </a:t>
             </a:r>
+            <a:endParaRPr lang="en-US"/>
           </a:p>
         </p:txBody>
       </p:sp>
@@ -7140,6 +7206,13 @@
   <p:clrMapOvr>
     <a:masterClrMapping/>
   </p:clrMapOvr>
+  <p:timing>
+    <p:tnLst>
+      <p:par>
+        <p:cTn id="1" dur="indefinite" restart="never" nodeType="tmRoot"/>
+      </p:par>
+    </p:tnLst>
+  </p:timing>
 </p:sld>
 </file>
 
@@ -7200,14 +7273,14 @@
               <a:buNone/>
             </a:pPr>
             <a:r>
-              <a:rPr lang="en-US" b="1" u="sng" dirty="0">
+              <a:rPr lang="en-US" b="1" u="sng" dirty="0" smtClean="0">
                 <a:latin typeface="Times New Roman" pitchFamily="18" charset="0"/>
                 <a:cs typeface="Times New Roman" pitchFamily="18" charset="0"/>
               </a:rPr>
               <a:t>Step-02:</a:t>
             </a:r>
             <a:r>
-              <a:rPr lang="en-US" dirty="0">
+              <a:rPr lang="en-US" dirty="0" smtClean="0">
                 <a:latin typeface="Times New Roman" pitchFamily="18" charset="0"/>
                 <a:cs typeface="Times New Roman" pitchFamily="18" charset="0"/>
               </a:rPr>
@@ -7217,7 +7290,7 @@
           <a:p>
             <a:pPr fontAlgn="base"/>
             <a:r>
-              <a:rPr lang="en-US" dirty="0">
+              <a:rPr lang="en-US" dirty="0" smtClean="0">
                 <a:latin typeface="Times New Roman" pitchFamily="18" charset="0"/>
                 <a:cs typeface="Times New Roman" pitchFamily="18" charset="0"/>
               </a:rPr>
@@ -7227,7 +7300,7 @@
           <a:p>
             <a:pPr fontAlgn="base"/>
             <a:r>
-              <a:rPr lang="en-US" dirty="0">
+              <a:rPr lang="en-US" dirty="0" smtClean="0">
                 <a:latin typeface="Times New Roman" pitchFamily="18" charset="0"/>
                 <a:cs typeface="Times New Roman" pitchFamily="18" charset="0"/>
               </a:rPr>
@@ -7239,13 +7312,13 @@
               <a:buNone/>
             </a:pPr>
             <a:r>
-              <a:rPr lang="en-US" b="1" u="sng" dirty="0">
+              <a:rPr lang="en-US" b="1" u="sng" dirty="0" smtClean="0">
                 <a:latin typeface="Times New Roman" pitchFamily="18" charset="0"/>
                 <a:cs typeface="Times New Roman" pitchFamily="18" charset="0"/>
               </a:rPr>
               <a:t>Step-03:</a:t>
             </a:r>
-            <a:endParaRPr lang="en-US" dirty="0">
+            <a:endParaRPr lang="en-US" dirty="0" smtClean="0">
               <a:latin typeface="Times New Roman" pitchFamily="18" charset="0"/>
               <a:cs typeface="Times New Roman" pitchFamily="18" charset="0"/>
             </a:endParaRPr>
@@ -7253,7 +7326,7 @@
           <a:p>
             <a:pPr fontAlgn="base"/>
             <a:r>
-              <a:rPr lang="en-US" dirty="0">
+              <a:rPr lang="en-US" dirty="0" smtClean="0">
                 <a:latin typeface="Times New Roman" pitchFamily="18" charset="0"/>
                 <a:cs typeface="Times New Roman" pitchFamily="18" charset="0"/>
               </a:rPr>
@@ -7263,7 +7336,7 @@
           <a:p>
             <a:pPr fontAlgn="base"/>
             <a:r>
-              <a:rPr lang="en-US" dirty="0">
+              <a:rPr lang="en-US" dirty="0" smtClean="0">
                 <a:latin typeface="Times New Roman" pitchFamily="18" charset="0"/>
                 <a:cs typeface="Times New Roman" pitchFamily="18" charset="0"/>
               </a:rPr>
@@ -7295,7 +7368,7 @@
           <a:p>
             <a:fld id="{0A78921F-0A96-434E-808F-ADAEB067CEBC}" type="datetime1">
               <a:rPr lang="en-US" smtClean="0"/>
-              <a:t>8/11/2021</a:t>
+              <a:t>8/26/2020</a:t>
             </a:fld>
             <a:endParaRPr lang="en-US"/>
           </a:p>
@@ -7317,9 +7390,10 @@
           <a:lstStyle/>
           <a:p>
             <a:r>
-              <a:rPr lang="en-US"/>
+              <a:rPr lang="en-US" smtClean="0"/>
               <a:t>2018 - 2022 </a:t>
             </a:r>
+            <a:endParaRPr lang="en-US"/>
           </a:p>
         </p:txBody>
       </p:sp>
@@ -7357,6 +7431,13 @@
   <p:clrMapOvr>
     <a:masterClrMapping/>
   </p:clrMapOvr>
+  <p:timing>
+    <p:tnLst>
+      <p:par>
+        <p:cTn id="1" dur="indefinite" restart="never" nodeType="tmRoot"/>
+      </p:par>
+    </p:tnLst>
+  </p:timing>
 </p:sld>
 </file>
 
@@ -7428,7 +7509,7 @@
           <a:p>
             <a:fld id="{055A270E-154F-43B2-BA81-515BA93BDC92}" type="datetime1">
               <a:rPr lang="en-US" smtClean="0"/>
-              <a:t>8/11/2021</a:t>
+              <a:t>8/26/2020</a:t>
             </a:fld>
             <a:endParaRPr lang="en-US"/>
           </a:p>
@@ -7450,9 +7531,10 @@
           <a:lstStyle/>
           <a:p>
             <a:r>
-              <a:rPr lang="en-US"/>
+              <a:rPr lang="en-US" smtClean="0"/>
               <a:t>2018 - 2022 </a:t>
             </a:r>
+            <a:endParaRPr lang="en-US"/>
           </a:p>
         </p:txBody>
       </p:sp>
@@ -7490,6 +7572,13 @@
   <p:clrMapOvr>
     <a:masterClrMapping/>
   </p:clrMapOvr>
+  <p:timing>
+    <p:tnLst>
+      <p:par>
+        <p:cTn id="1" dur="indefinite" restart="never" nodeType="tmRoot"/>
+      </p:par>
+    </p:tnLst>
+  </p:timing>
 </p:sld>
 </file>
 
@@ -7561,7 +7650,7 @@
           <a:p>
             <a:fld id="{63871BBC-9B9F-4DA4-8659-C421C93D17A9}" type="datetime1">
               <a:rPr lang="en-US" smtClean="0"/>
-              <a:t>8/11/2021</a:t>
+              <a:t>8/26/2020</a:t>
             </a:fld>
             <a:endParaRPr lang="en-US"/>
           </a:p>
@@ -7583,9 +7672,10 @@
           <a:lstStyle/>
           <a:p>
             <a:r>
-              <a:rPr lang="en-US"/>
+              <a:rPr lang="en-US" smtClean="0"/>
               <a:t>2018 - 2022 </a:t>
             </a:r>
+            <a:endParaRPr lang="en-US"/>
           </a:p>
         </p:txBody>
       </p:sp>
@@ -7623,6 +7713,13 @@
   <p:clrMapOvr>
     <a:masterClrMapping/>
   </p:clrMapOvr>
+  <p:timing>
+    <p:tnLst>
+      <p:par>
+        <p:cTn id="1" dur="indefinite" restart="never" nodeType="tmRoot"/>
+      </p:par>
+    </p:tnLst>
+  </p:timing>
 </p:sld>
 </file>
 
@@ -7659,9 +7756,10 @@
           <a:lstStyle/>
           <a:p>
             <a:r>
-              <a:rPr lang="en-US" dirty="0"/>
+              <a:rPr lang="en-US" dirty="0" smtClean="0"/>
               <a:t>Example 4</a:t>
             </a:r>
+            <a:endParaRPr lang="en-US" dirty="0"/>
           </a:p>
         </p:txBody>
       </p:sp>
@@ -7686,7 +7784,7 @@
               <a:buNone/>
             </a:pPr>
             <a:r>
-              <a:rPr lang="en-US" dirty="0">
+              <a:rPr lang="en-US" dirty="0" smtClean="0">
                 <a:solidFill>
                   <a:srgbClr val="FF0000"/>
                 </a:solidFill>
@@ -7701,13 +7799,13 @@
               <a:buNone/>
             </a:pPr>
             <a:r>
-              <a:rPr lang="en-US" b="1" u="sng" dirty="0">
+              <a:rPr lang="en-US" b="1" u="sng" dirty="0" smtClean="0">
                 <a:latin typeface="Times New Roman" pitchFamily="18" charset="0"/>
                 <a:cs typeface="Times New Roman" pitchFamily="18" charset="0"/>
               </a:rPr>
               <a:t>Solution-</a:t>
             </a:r>
-            <a:endParaRPr lang="en-US" b="1" dirty="0">
+            <a:endParaRPr lang="en-US" b="1" dirty="0" smtClean="0">
               <a:latin typeface="Times New Roman" pitchFamily="18" charset="0"/>
               <a:cs typeface="Times New Roman" pitchFamily="18" charset="0"/>
             </a:endParaRPr>
@@ -7717,7 +7815,7 @@
               <a:buNone/>
             </a:pPr>
             <a:r>
-              <a:rPr lang="en-US" dirty="0">
+              <a:rPr lang="en-US" dirty="0" smtClean="0">
                 <a:latin typeface="Times New Roman" pitchFamily="18" charset="0"/>
                 <a:cs typeface="Times New Roman" pitchFamily="18" charset="0"/>
               </a:rPr>
@@ -7727,35 +7825,35 @@
           <a:p>
             <a:pPr fontAlgn="base"/>
             <a:r>
-              <a:rPr lang="en-US" dirty="0">
+              <a:rPr lang="en-US" dirty="0" smtClean="0">
                 <a:latin typeface="Times New Roman" pitchFamily="18" charset="0"/>
                 <a:cs typeface="Times New Roman" pitchFamily="18" charset="0"/>
               </a:rPr>
               <a:t>Starting coordinates = (X</a:t>
             </a:r>
             <a:r>
-              <a:rPr lang="en-US" baseline="-25000" dirty="0">
+              <a:rPr lang="en-US" baseline="-25000" dirty="0" smtClean="0">
                 <a:latin typeface="Times New Roman" pitchFamily="18" charset="0"/>
                 <a:cs typeface="Times New Roman" pitchFamily="18" charset="0"/>
               </a:rPr>
               <a:t>0</a:t>
             </a:r>
             <a:r>
-              <a:rPr lang="en-US" dirty="0">
+              <a:rPr lang="en-US" dirty="0" smtClean="0">
                 <a:latin typeface="Times New Roman" pitchFamily="18" charset="0"/>
                 <a:cs typeface="Times New Roman" pitchFamily="18" charset="0"/>
               </a:rPr>
               <a:t>, Y</a:t>
             </a:r>
             <a:r>
-              <a:rPr lang="en-US" baseline="-25000" dirty="0">
+              <a:rPr lang="en-US" baseline="-25000" dirty="0" smtClean="0">
                 <a:latin typeface="Times New Roman" pitchFamily="18" charset="0"/>
                 <a:cs typeface="Times New Roman" pitchFamily="18" charset="0"/>
               </a:rPr>
               <a:t>0</a:t>
             </a:r>
             <a:r>
-              <a:rPr lang="en-US" dirty="0">
+              <a:rPr lang="en-US" dirty="0" smtClean="0">
                 <a:latin typeface="Times New Roman" pitchFamily="18" charset="0"/>
                 <a:cs typeface="Times New Roman" pitchFamily="18" charset="0"/>
               </a:rPr>
@@ -7765,49 +7863,49 @@
           <a:p>
             <a:pPr fontAlgn="base"/>
             <a:r>
-              <a:rPr lang="en-US" dirty="0">
+              <a:rPr lang="en-US" dirty="0" smtClean="0">
                 <a:latin typeface="Times New Roman" pitchFamily="18" charset="0"/>
                 <a:cs typeface="Times New Roman" pitchFamily="18" charset="0"/>
               </a:rPr>
               <a:t>Ending coordinates = (</a:t>
             </a:r>
             <a:r>
-              <a:rPr lang="en-US" dirty="0" err="1">
+              <a:rPr lang="en-US" dirty="0" err="1" smtClean="0">
                 <a:latin typeface="Times New Roman" pitchFamily="18" charset="0"/>
                 <a:cs typeface="Times New Roman" pitchFamily="18" charset="0"/>
               </a:rPr>
               <a:t>X</a:t>
             </a:r>
             <a:r>
-              <a:rPr lang="en-US" baseline="-25000" dirty="0" err="1">
+              <a:rPr lang="en-US" baseline="-25000" dirty="0" err="1" smtClean="0">
                 <a:latin typeface="Times New Roman" pitchFamily="18" charset="0"/>
                 <a:cs typeface="Times New Roman" pitchFamily="18" charset="0"/>
               </a:rPr>
               <a:t>n</a:t>
             </a:r>
             <a:r>
-              <a:rPr lang="en-US" dirty="0">
+              <a:rPr lang="en-US" dirty="0" smtClean="0">
                 <a:latin typeface="Times New Roman" pitchFamily="18" charset="0"/>
                 <a:cs typeface="Times New Roman" pitchFamily="18" charset="0"/>
               </a:rPr>
               <a:t>, </a:t>
             </a:r>
             <a:r>
-              <a:rPr lang="en-US" dirty="0" err="1">
+              <a:rPr lang="en-US" dirty="0" err="1" smtClean="0">
                 <a:latin typeface="Times New Roman" pitchFamily="18" charset="0"/>
                 <a:cs typeface="Times New Roman" pitchFamily="18" charset="0"/>
               </a:rPr>
               <a:t>Y</a:t>
             </a:r>
             <a:r>
-              <a:rPr lang="en-US" baseline="-25000" dirty="0" err="1">
+              <a:rPr lang="en-US" baseline="-25000" dirty="0" err="1" smtClean="0">
                 <a:latin typeface="Times New Roman" pitchFamily="18" charset="0"/>
                 <a:cs typeface="Times New Roman" pitchFamily="18" charset="0"/>
               </a:rPr>
               <a:t>n</a:t>
             </a:r>
             <a:r>
-              <a:rPr lang="en-US" dirty="0">
+              <a:rPr lang="en-US" dirty="0" smtClean="0">
                 <a:latin typeface="Times New Roman" pitchFamily="18" charset="0"/>
                 <a:cs typeface="Times New Roman" pitchFamily="18" charset="0"/>
               </a:rPr>
@@ -7819,14 +7917,14 @@
               <a:buNone/>
             </a:pPr>
             <a:r>
-              <a:rPr lang="en-US" b="1" u="sng" dirty="0">
+              <a:rPr lang="en-US" b="1" u="sng" dirty="0" smtClean="0">
                 <a:latin typeface="Times New Roman" pitchFamily="18" charset="0"/>
                 <a:cs typeface="Times New Roman" pitchFamily="18" charset="0"/>
               </a:rPr>
               <a:t>Step-01:</a:t>
             </a:r>
             <a:r>
-              <a:rPr lang="en-US" dirty="0">
+              <a:rPr lang="en-US" dirty="0" smtClean="0">
                 <a:latin typeface="Times New Roman" pitchFamily="18" charset="0"/>
                 <a:cs typeface="Times New Roman" pitchFamily="18" charset="0"/>
               </a:rPr>
@@ -7836,7 +7934,7 @@
           <a:p>
             <a:pPr fontAlgn="base"/>
             <a:r>
-              <a:rPr lang="en-US" dirty="0">
+              <a:rPr lang="en-US" dirty="0" smtClean="0">
                 <a:latin typeface="Times New Roman" pitchFamily="18" charset="0"/>
                 <a:cs typeface="Times New Roman" pitchFamily="18" charset="0"/>
               </a:rPr>
@@ -7846,42 +7944,42 @@
           <a:p>
             <a:pPr fontAlgn="base"/>
             <a:r>
-              <a:rPr lang="en-US" dirty="0">
+              <a:rPr lang="en-US" dirty="0" smtClean="0">
                 <a:latin typeface="Times New Roman" pitchFamily="18" charset="0"/>
                 <a:cs typeface="Times New Roman" pitchFamily="18" charset="0"/>
               </a:rPr>
               <a:t>ΔX = </a:t>
             </a:r>
             <a:r>
-              <a:rPr lang="en-US" dirty="0" err="1">
+              <a:rPr lang="en-US" dirty="0" err="1" smtClean="0">
                 <a:latin typeface="Times New Roman" pitchFamily="18" charset="0"/>
                 <a:cs typeface="Times New Roman" pitchFamily="18" charset="0"/>
               </a:rPr>
               <a:t>X</a:t>
             </a:r>
             <a:r>
-              <a:rPr lang="en-US" baseline="-25000" dirty="0" err="1">
+              <a:rPr lang="en-US" baseline="-25000" dirty="0" err="1" smtClean="0">
                 <a:latin typeface="Times New Roman" pitchFamily="18" charset="0"/>
                 <a:cs typeface="Times New Roman" pitchFamily="18" charset="0"/>
               </a:rPr>
               <a:t>n</a:t>
             </a:r>
             <a:r>
-              <a:rPr lang="en-US" dirty="0">
+              <a:rPr lang="en-US" dirty="0" smtClean="0">
                 <a:latin typeface="Times New Roman" pitchFamily="18" charset="0"/>
                 <a:cs typeface="Times New Roman" pitchFamily="18" charset="0"/>
               </a:rPr>
               <a:t> – X</a:t>
             </a:r>
             <a:r>
-              <a:rPr lang="en-US" baseline="-25000" dirty="0">
+              <a:rPr lang="en-US" baseline="-25000" dirty="0" smtClean="0">
                 <a:latin typeface="Times New Roman" pitchFamily="18" charset="0"/>
                 <a:cs typeface="Times New Roman" pitchFamily="18" charset="0"/>
               </a:rPr>
               <a:t>0</a:t>
             </a:r>
             <a:r>
-              <a:rPr lang="en-US" dirty="0">
+              <a:rPr lang="en-US" dirty="0" smtClean="0">
                 <a:latin typeface="Times New Roman" pitchFamily="18" charset="0"/>
                 <a:cs typeface="Times New Roman" pitchFamily="18" charset="0"/>
               </a:rPr>
@@ -7891,42 +7989,42 @@
           <a:p>
             <a:pPr fontAlgn="base"/>
             <a:r>
-              <a:rPr lang="en-US" dirty="0">
+              <a:rPr lang="en-US" dirty="0" smtClean="0">
                 <a:latin typeface="Times New Roman" pitchFamily="18" charset="0"/>
                 <a:cs typeface="Times New Roman" pitchFamily="18" charset="0"/>
               </a:rPr>
               <a:t>ΔY =</a:t>
             </a:r>
             <a:r>
-              <a:rPr lang="en-US" dirty="0" err="1">
+              <a:rPr lang="en-US" dirty="0" err="1" smtClean="0">
                 <a:latin typeface="Times New Roman" pitchFamily="18" charset="0"/>
                 <a:cs typeface="Times New Roman" pitchFamily="18" charset="0"/>
               </a:rPr>
               <a:t>Y</a:t>
             </a:r>
             <a:r>
-              <a:rPr lang="en-US" baseline="-25000" dirty="0" err="1">
+              <a:rPr lang="en-US" baseline="-25000" dirty="0" err="1" smtClean="0">
                 <a:latin typeface="Times New Roman" pitchFamily="18" charset="0"/>
                 <a:cs typeface="Times New Roman" pitchFamily="18" charset="0"/>
               </a:rPr>
               <a:t>n</a:t>
             </a:r>
             <a:r>
-              <a:rPr lang="en-US" dirty="0">
+              <a:rPr lang="en-US" dirty="0" smtClean="0">
                 <a:latin typeface="Times New Roman" pitchFamily="18" charset="0"/>
                 <a:cs typeface="Times New Roman" pitchFamily="18" charset="0"/>
               </a:rPr>
               <a:t> – Y</a:t>
             </a:r>
             <a:r>
-              <a:rPr lang="en-US" baseline="-25000" dirty="0">
+              <a:rPr lang="en-US" baseline="-25000" dirty="0" smtClean="0">
                 <a:latin typeface="Times New Roman" pitchFamily="18" charset="0"/>
                 <a:cs typeface="Times New Roman" pitchFamily="18" charset="0"/>
               </a:rPr>
               <a:t>0</a:t>
             </a:r>
             <a:r>
-              <a:rPr lang="en-US" dirty="0">
+              <a:rPr lang="en-US" dirty="0" smtClean="0">
                 <a:latin typeface="Times New Roman" pitchFamily="18" charset="0"/>
                 <a:cs typeface="Times New Roman" pitchFamily="18" charset="0"/>
               </a:rPr>
@@ -7936,7 +8034,7 @@
           <a:p>
             <a:pPr fontAlgn="base"/>
             <a:r>
-              <a:rPr lang="en-US" dirty="0">
+              <a:rPr lang="en-US" dirty="0" smtClean="0">
                 <a:latin typeface="Times New Roman" pitchFamily="18" charset="0"/>
                 <a:cs typeface="Times New Roman" pitchFamily="18" charset="0"/>
               </a:rPr>
@@ -7945,13 +8043,13 @@
           </a:p>
           <a:p>
             <a:pPr fontAlgn="base"/>
-            <a:endParaRPr lang="en-US" dirty="0"/>
+            <a:endParaRPr lang="en-US" dirty="0" smtClean="0"/>
           </a:p>
           <a:p>
             <a:pPr fontAlgn="base">
               <a:buNone/>
             </a:pPr>
-            <a:endParaRPr lang="en-US" dirty="0"/>
+            <a:endParaRPr lang="en-US" dirty="0" smtClean="0"/>
           </a:p>
           <a:p>
             <a:pPr>
@@ -7982,7 +8080,7 @@
           <a:p>
             <a:fld id="{B573EB50-F573-4131-A53C-94335C0C47AA}" type="datetime1">
               <a:rPr lang="en-US" smtClean="0"/>
-              <a:t>8/11/2021</a:t>
+              <a:t>8/26/2020</a:t>
             </a:fld>
             <a:endParaRPr lang="en-US"/>
           </a:p>
@@ -8004,9 +8102,10 @@
           <a:lstStyle/>
           <a:p>
             <a:r>
-              <a:rPr lang="en-US"/>
+              <a:rPr lang="en-US" smtClean="0"/>
               <a:t>2018 - 2022 </a:t>
             </a:r>
+            <a:endParaRPr lang="en-US"/>
           </a:p>
         </p:txBody>
       </p:sp>
@@ -8044,6 +8143,13 @@
   <p:clrMapOvr>
     <a:masterClrMapping/>
   </p:clrMapOvr>
+  <p:timing>
+    <p:tnLst>
+      <p:par>
+        <p:cTn id="1" dur="indefinite" restart="never" nodeType="tmRoot"/>
+      </p:par>
+    </p:tnLst>
+  </p:timing>
 </p:sld>
 </file>
 
@@ -8104,14 +8210,14 @@
               <a:buNone/>
             </a:pPr>
             <a:r>
-              <a:rPr lang="en-US" b="1" u="sng" dirty="0">
+              <a:rPr lang="en-US" b="1" u="sng" dirty="0" smtClean="0">
                 <a:latin typeface="Times New Roman" pitchFamily="18" charset="0"/>
                 <a:cs typeface="Times New Roman" pitchFamily="18" charset="0"/>
               </a:rPr>
               <a:t>Step-02:</a:t>
             </a:r>
             <a:r>
-              <a:rPr lang="en-US" dirty="0">
+              <a:rPr lang="en-US" dirty="0" smtClean="0">
                 <a:latin typeface="Times New Roman" pitchFamily="18" charset="0"/>
                 <a:cs typeface="Times New Roman" pitchFamily="18" charset="0"/>
               </a:rPr>
@@ -8121,7 +8227,7 @@
           <a:p>
             <a:pPr fontAlgn="base"/>
             <a:r>
-              <a:rPr lang="en-US" dirty="0">
+              <a:rPr lang="en-US" dirty="0" smtClean="0">
                 <a:latin typeface="Times New Roman" pitchFamily="18" charset="0"/>
                 <a:cs typeface="Times New Roman" pitchFamily="18" charset="0"/>
               </a:rPr>
@@ -8131,7 +8237,7 @@
           <a:p>
             <a:pPr fontAlgn="base"/>
             <a:r>
-              <a:rPr lang="en-US" dirty="0">
+              <a:rPr lang="en-US" dirty="0" smtClean="0">
                 <a:latin typeface="Times New Roman" pitchFamily="18" charset="0"/>
                 <a:cs typeface="Times New Roman" pitchFamily="18" charset="0"/>
               </a:rPr>
@@ -8143,14 +8249,14 @@
               <a:buNone/>
             </a:pPr>
             <a:r>
-              <a:rPr lang="en-US" b="1" u="sng" dirty="0">
+              <a:rPr lang="en-US" b="1" u="sng" dirty="0" smtClean="0">
                 <a:latin typeface="Times New Roman" pitchFamily="18" charset="0"/>
                 <a:cs typeface="Times New Roman" pitchFamily="18" charset="0"/>
               </a:rPr>
               <a:t>Step-03:</a:t>
             </a:r>
             <a:r>
-              <a:rPr lang="en-US" dirty="0">
+              <a:rPr lang="en-US" dirty="0" smtClean="0">
                 <a:latin typeface="Times New Roman" pitchFamily="18" charset="0"/>
                 <a:cs typeface="Times New Roman" pitchFamily="18" charset="0"/>
               </a:rPr>
@@ -8160,7 +8266,7 @@
           <a:p>
             <a:pPr fontAlgn="base"/>
             <a:r>
-              <a:rPr lang="en-US" dirty="0">
+              <a:rPr lang="en-US" dirty="0" smtClean="0">
                 <a:latin typeface="Times New Roman" pitchFamily="18" charset="0"/>
                 <a:cs typeface="Times New Roman" pitchFamily="18" charset="0"/>
               </a:rPr>
@@ -8170,7 +8276,7 @@
           <a:p>
             <a:pPr fontAlgn="base"/>
             <a:r>
-              <a:rPr lang="en-US" dirty="0">
+              <a:rPr lang="en-US" dirty="0" smtClean="0">
                 <a:latin typeface="Times New Roman" pitchFamily="18" charset="0"/>
                 <a:cs typeface="Times New Roman" pitchFamily="18" charset="0"/>
               </a:rPr>
@@ -8202,7 +8308,7 @@
           <a:p>
             <a:fld id="{4D7AA847-56C8-42F8-9CEB-F153D0006DA0}" type="datetime1">
               <a:rPr lang="en-US" smtClean="0"/>
-              <a:t>8/11/2021</a:t>
+              <a:t>8/26/2020</a:t>
             </a:fld>
             <a:endParaRPr lang="en-US"/>
           </a:p>
@@ -8224,9 +8330,10 @@
           <a:lstStyle/>
           <a:p>
             <a:r>
-              <a:rPr lang="en-US"/>
+              <a:rPr lang="en-US" smtClean="0"/>
               <a:t>2018 - 2022 </a:t>
             </a:r>
+            <a:endParaRPr lang="en-US"/>
           </a:p>
         </p:txBody>
       </p:sp>
@@ -8264,6 +8371,13 @@
   <p:clrMapOvr>
     <a:masterClrMapping/>
   </p:clrMapOvr>
+  <p:timing>
+    <p:tnLst>
+      <p:par>
+        <p:cTn id="1" dur="indefinite" restart="never" nodeType="tmRoot"/>
+      </p:par>
+    </p:tnLst>
+  </p:timing>
 </p:sld>
 </file>
 
@@ -8353,7 +8467,7 @@
           <a:p>
             <a:fld id="{DC7BEC2E-7484-408B-B70E-6FAB498075EC}" type="datetime1">
               <a:rPr lang="en-US" smtClean="0"/>
-              <a:t>8/11/2021</a:t>
+              <a:t>8/26/2020</a:t>
             </a:fld>
             <a:endParaRPr lang="en-US"/>
           </a:p>
@@ -8375,9 +8489,10 @@
           <a:lstStyle/>
           <a:p>
             <a:r>
-              <a:rPr lang="en-US"/>
+              <a:rPr lang="en-US" smtClean="0"/>
               <a:t>2018 - 2022 </a:t>
             </a:r>
+            <a:endParaRPr lang="en-US"/>
           </a:p>
         </p:txBody>
       </p:sp>
@@ -8415,6 +8530,13 @@
   <p:clrMapOvr>
     <a:masterClrMapping/>
   </p:clrMapOvr>
+  <p:timing>
+    <p:tnLst>
+      <p:par>
+        <p:cTn id="1" dur="indefinite" restart="never" nodeType="tmRoot"/>
+      </p:par>
+    </p:tnLst>
+  </p:timing>
 </p:sld>
 </file>
 
@@ -8505,7 +8627,7 @@
           <a:p>
             <a:fld id="{6E8E88B3-A766-4F53-82A4-BC3553104F6D}" type="datetime1">
               <a:rPr lang="en-US" smtClean="0"/>
-              <a:t>8/11/2021</a:t>
+              <a:t>8/26/2020</a:t>
             </a:fld>
             <a:endParaRPr lang="en-US"/>
           </a:p>
@@ -8527,9 +8649,10 @@
           <a:lstStyle/>
           <a:p>
             <a:r>
-              <a:rPr lang="en-US"/>
+              <a:rPr lang="en-US" smtClean="0"/>
               <a:t>2018 - 2022 </a:t>
             </a:r>
+            <a:endParaRPr lang="en-US"/>
           </a:p>
         </p:txBody>
       </p:sp>
@@ -8567,6 +8690,13 @@
   <p:clrMapOvr>
     <a:masterClrMapping/>
   </p:clrMapOvr>
+  <p:timing>
+    <p:tnLst>
+      <p:par>
+        <p:cTn id="1" dur="indefinite" restart="never" nodeType="tmRoot"/>
+      </p:par>
+    </p:tnLst>
+  </p:timing>
 </p:sld>
 </file>
 
@@ -8604,9 +8734,10 @@
           <a:p>
             <a:pPr algn="l"/>
             <a:r>
-              <a:rPr lang="en-US" dirty="0"/>
+              <a:rPr lang="en-US" dirty="0" smtClean="0"/>
               <a:t>Syllabus</a:t>
             </a:r>
+            <a:endParaRPr lang="en-US" dirty="0"/>
           </a:p>
         </p:txBody>
       </p:sp>
@@ -8658,7 +8789,7 @@
           <a:p>
             <a:fld id="{6AA4D3FD-FB0B-4FD5-A544-EB947A8B2DB9}" type="datetime1">
               <a:rPr lang="en-US" smtClean="0"/>
-              <a:t>8/11/2021</a:t>
+              <a:t>8/26/2020</a:t>
             </a:fld>
             <a:endParaRPr lang="en-US"/>
           </a:p>
@@ -8680,9 +8811,10 @@
           <a:lstStyle/>
           <a:p>
             <a:r>
-              <a:rPr lang="en-US"/>
+              <a:rPr lang="en-US" smtClean="0"/>
               <a:t>2018 - 2022 </a:t>
             </a:r>
+            <a:endParaRPr lang="en-US"/>
           </a:p>
         </p:txBody>
       </p:sp>
@@ -8720,6 +8852,13 @@
   <p:clrMapOvr>
     <a:masterClrMapping/>
   </p:clrMapOvr>
+  <p:timing>
+    <p:tnLst>
+      <p:par>
+        <p:cTn id="1" dur="indefinite" restart="never" nodeType="tmRoot"/>
+      </p:par>
+    </p:tnLst>
+  </p:timing>
 </p:sld>
 </file>
 
@@ -8766,12 +8905,16 @@
           <a:lstStyle/>
           <a:p>
             <a:r>
-              <a:rPr lang="en-US" b="1" dirty="0" err="1"/>
+              <a:rPr lang="en-US" b="1" dirty="0" err="1" smtClean="0"/>
               <a:t>Bresenham’s</a:t>
             </a:r>
             <a:r>
+              <a:rPr lang="en-US" b="1" dirty="0" smtClean="0"/>
+              <a:t> </a:t>
+            </a:r>
+            <a:r>
               <a:rPr lang="en-US" b="1" dirty="0"/>
-              <a:t> Line Drawing Algorithm</a:t>
+              <a:t>Line Drawing Algorithm</a:t>
             </a:r>
             <a:endParaRPr lang="en-IN" dirty="0"/>
           </a:p>
@@ -8787,6 +8930,13 @@
   <p:clrMapOvr>
     <a:masterClrMapping/>
   </p:clrMapOvr>
+  <p:timing>
+    <p:tnLst>
+      <p:par>
+        <p:cTn id="1" dur="indefinite" restart="never" nodeType="tmRoot"/>
+      </p:par>
+    </p:tnLst>
+  </p:timing>
 </p:sld>
 </file>
 
@@ -8830,12 +8980,20 @@
           <a:lstStyle/>
           <a:p>
             <a:r>
-              <a:rPr lang="en-US" sz="3600" b="1" dirty="0" err="1"/>
+              <a:rPr lang="en-US" sz="3600" b="1" dirty="0" err="1" smtClean="0"/>
               <a:t>Bresenhams</a:t>
             </a:r>
             <a:r>
+              <a:rPr lang="en-US" sz="3600" b="1" dirty="0" smtClean="0"/>
+              <a:t> Line </a:t>
+            </a:r>
+            <a:r>
               <a:rPr lang="en-US" sz="3600" b="1" dirty="0"/>
-              <a:t> Line Drawing Algorithm</a:t>
+              <a:t>D</a:t>
+            </a:r>
+            <a:r>
+              <a:rPr lang="en-US" sz="3600" b="1" dirty="0" smtClean="0"/>
+              <a:t>rawing Algorithm</a:t>
             </a:r>
             <a:endParaRPr lang="en-IN" sz="3600" b="1" dirty="0"/>
           </a:p>
@@ -8865,11 +9023,16 @@
               <a:rPr lang="en-IN" dirty="0"/>
               <a:t>This algorithm is used for scan converting a line. </a:t>
             </a:r>
-          </a:p>
-          <a:p>
+            <a:endParaRPr lang="en-IN" dirty="0" smtClean="0"/>
+          </a:p>
+          <a:p>
+            <a:r>
+              <a:rPr lang="en-IN" dirty="0" smtClean="0"/>
+              <a:t>It </a:t>
+            </a:r>
             <a:r>
               <a:rPr lang="en-IN" dirty="0"/>
-              <a:t>It was developed by </a:t>
+              <a:t>was developed by </a:t>
             </a:r>
             <a:r>
               <a:rPr lang="en-IN" dirty="0" err="1"/>
@@ -8879,17 +9042,27 @@
               <a:rPr lang="en-IN" dirty="0"/>
               <a:t>. </a:t>
             </a:r>
-          </a:p>
-          <a:p>
+            <a:endParaRPr lang="en-IN" dirty="0" smtClean="0"/>
+          </a:p>
+          <a:p>
+            <a:r>
+              <a:rPr lang="en-IN" dirty="0" smtClean="0"/>
+              <a:t>It </a:t>
+            </a:r>
             <a:r>
               <a:rPr lang="en-IN" dirty="0"/>
-              <a:t>It is an efficient method because it involves only integer addition, subtractions, and multiplication operations. </a:t>
-            </a:r>
-          </a:p>
-          <a:p>
+              <a:t>is an efficient method because it involves only integer addition, subtractions, and multiplication operations. </a:t>
+            </a:r>
+            <a:endParaRPr lang="en-IN" dirty="0" smtClean="0"/>
+          </a:p>
+          <a:p>
+            <a:r>
+              <a:rPr lang="en-IN" dirty="0" smtClean="0"/>
+              <a:t>These </a:t>
+            </a:r>
             <a:r>
               <a:rPr lang="en-IN" dirty="0"/>
-              <a:t>These operations can be performed very rapidly so lines can be generated quickly.</a:t>
+              <a:t>operations can be performed very rapidly so lines can be generated quickly.</a:t>
             </a:r>
           </a:p>
         </p:txBody>
@@ -8911,7 +9084,7 @@
           <a:p>
             <a:fld id="{3317E48E-BB0C-4691-92AF-E6497EFAADDD}" type="datetime1">
               <a:rPr lang="en-US" smtClean="0"/>
-              <a:t>8/11/2021</a:t>
+              <a:t>8/26/2020</a:t>
             </a:fld>
             <a:endParaRPr lang="en-US"/>
           </a:p>
@@ -8933,9 +9106,10 @@
           <a:lstStyle/>
           <a:p>
             <a:r>
-              <a:rPr lang="en-US"/>
+              <a:rPr lang="en-US" smtClean="0"/>
               <a:t>2018 - 2022 </a:t>
             </a:r>
+            <a:endParaRPr lang="en-US"/>
           </a:p>
         </p:txBody>
       </p:sp>
@@ -8973,6 +9147,13 @@
   <p:clrMapOvr>
     <a:masterClrMapping/>
   </p:clrMapOvr>
+  <p:timing>
+    <p:tnLst>
+      <p:par>
+        <p:cTn id="1" dur="indefinite" restart="never" nodeType="tmRoot"/>
+      </p:par>
+    </p:tnLst>
+  </p:timing>
 </p:sld>
 </file>
 
@@ -9080,7 +9261,7 @@
           <a:p>
             <a:fld id="{B1A761B5-2E88-4FB4-B4C5-507EC9928065}" type="datetime1">
               <a:rPr lang="en-US" smtClean="0"/>
-              <a:t>8/11/2021</a:t>
+              <a:t>8/26/2020</a:t>
             </a:fld>
             <a:endParaRPr lang="en-US"/>
           </a:p>
@@ -9102,9 +9283,10 @@
           <a:lstStyle/>
           <a:p>
             <a:r>
-              <a:rPr lang="en-US"/>
+              <a:rPr lang="en-US" smtClean="0"/>
               <a:t>2018 - 2022 </a:t>
             </a:r>
+            <a:endParaRPr lang="en-US"/>
           </a:p>
         </p:txBody>
       </p:sp>
@@ -9142,6 +9324,13 @@
   <p:clrMapOvr>
     <a:masterClrMapping/>
   </p:clrMapOvr>
+  <p:timing>
+    <p:tnLst>
+      <p:par>
+        <p:cTn id="1" dur="indefinite" restart="never" nodeType="tmRoot"/>
+      </p:par>
+    </p:tnLst>
+  </p:timing>
 </p:sld>
 </file>
 
@@ -9213,7 +9402,7 @@
           <a:p>
             <a:fld id="{3A77B84F-1E4E-49F3-B062-8B2E1BD0D3A5}" type="datetime1">
               <a:rPr lang="en-US" smtClean="0"/>
-              <a:t>8/11/2021</a:t>
+              <a:t>8/26/2020</a:t>
             </a:fld>
             <a:endParaRPr lang="en-US"/>
           </a:p>
@@ -9235,9 +9424,10 @@
           <a:lstStyle/>
           <a:p>
             <a:r>
-              <a:rPr lang="en-US"/>
+              <a:rPr lang="en-US" smtClean="0"/>
               <a:t>2018 - 2022 </a:t>
             </a:r>
+            <a:endParaRPr lang="en-US"/>
           </a:p>
         </p:txBody>
       </p:sp>
@@ -9318,6 +9508,13 @@
   <p:clrMapOvr>
     <a:masterClrMapping/>
   </p:clrMapOvr>
+  <p:timing>
+    <p:tnLst>
+      <p:par>
+        <p:cTn id="1" dur="indefinite" restart="never" nodeType="tmRoot"/>
+      </p:par>
+    </p:tnLst>
+  </p:timing>
 </p:sld>
 </file>
 
@@ -9389,7 +9586,7 @@
           <a:p>
             <a:fld id="{B99E0487-CD0A-4CE3-8F29-007B7EC7A92D}" type="datetime1">
               <a:rPr lang="en-US" smtClean="0"/>
-              <a:t>8/11/2021</a:t>
+              <a:t>8/26/2020</a:t>
             </a:fld>
             <a:endParaRPr lang="en-US"/>
           </a:p>
@@ -9411,9 +9608,10 @@
           <a:lstStyle/>
           <a:p>
             <a:r>
-              <a:rPr lang="en-US" dirty="0"/>
+              <a:rPr lang="en-US" dirty="0" smtClean="0"/>
               <a:t>2018 - 2022 </a:t>
             </a:r>
+            <a:endParaRPr lang="en-US" dirty="0"/>
           </a:p>
         </p:txBody>
       </p:sp>
@@ -9482,6 +9680,13 @@
   <p:clrMapOvr>
     <a:masterClrMapping/>
   </p:clrMapOvr>
+  <p:timing>
+    <p:tnLst>
+      <p:par>
+        <p:cTn id="1" dur="indefinite" restart="never" nodeType="tmRoot"/>
+      </p:par>
+    </p:tnLst>
+  </p:timing>
 </p:sld>
 </file>
 
@@ -9584,7 +9789,7 @@
           <a:p>
             <a:fld id="{23445D08-D8F9-425A-9538-0ECDCA571FDB}" type="datetime1">
               <a:rPr lang="en-US" smtClean="0"/>
-              <a:t>8/11/2021</a:t>
+              <a:t>8/26/2020</a:t>
             </a:fld>
             <a:endParaRPr lang="en-US"/>
           </a:p>
@@ -9606,9 +9811,10 @@
           <a:lstStyle/>
           <a:p>
             <a:r>
-              <a:rPr lang="en-US"/>
+              <a:rPr lang="en-US" smtClean="0"/>
               <a:t>2018 - 2022 </a:t>
             </a:r>
+            <a:endParaRPr lang="en-US"/>
           </a:p>
         </p:txBody>
       </p:sp>
@@ -9646,6 +9852,13 @@
   <p:clrMapOvr>
     <a:masterClrMapping/>
   </p:clrMapOvr>
+  <p:timing>
+    <p:tnLst>
+      <p:par>
+        <p:cTn id="1" dur="indefinite" restart="never" nodeType="tmRoot"/>
+      </p:par>
+    </p:tnLst>
+  </p:timing>
 </p:sld>
 </file>
 
@@ -9748,7 +9961,7 @@
           <a:p>
             <a:fld id="{50B5A9E8-56C8-451B-915C-C882F2B82801}" type="datetime1">
               <a:rPr lang="en-US" smtClean="0"/>
-              <a:t>8/11/2021</a:t>
+              <a:t>8/26/2020</a:t>
             </a:fld>
             <a:endParaRPr lang="en-US"/>
           </a:p>
@@ -9770,9 +9983,10 @@
           <a:lstStyle/>
           <a:p>
             <a:r>
-              <a:rPr lang="en-US"/>
+              <a:rPr lang="en-US" smtClean="0"/>
               <a:t>2018 - 2022 </a:t>
             </a:r>
+            <a:endParaRPr lang="en-US"/>
           </a:p>
         </p:txBody>
       </p:sp>
@@ -9810,6 +10024,13 @@
   <p:clrMapOvr>
     <a:masterClrMapping/>
   </p:clrMapOvr>
+  <p:timing>
+    <p:tnLst>
+      <p:par>
+        <p:cTn id="1" dur="indefinite" restart="never" nodeType="tmRoot"/>
+      </p:par>
+    </p:tnLst>
+  </p:timing>
 </p:sld>
 </file>
 
@@ -9912,7 +10133,7 @@
           <a:p>
             <a:fld id="{4F24F283-F5DE-477B-9F5E-57807B7F879D}" type="datetime1">
               <a:rPr lang="en-US" smtClean="0"/>
-              <a:t>8/11/2021</a:t>
+              <a:t>8/26/2020</a:t>
             </a:fld>
             <a:endParaRPr lang="en-US"/>
           </a:p>
@@ -9934,9 +10155,10 @@
           <a:lstStyle/>
           <a:p>
             <a:r>
-              <a:rPr lang="en-US"/>
+              <a:rPr lang="en-US" smtClean="0"/>
               <a:t>2018 - 2022 </a:t>
             </a:r>
+            <a:endParaRPr lang="en-US"/>
           </a:p>
         </p:txBody>
       </p:sp>
@@ -9974,6 +10196,13 @@
   <p:clrMapOvr>
     <a:masterClrMapping/>
   </p:clrMapOvr>
+  <p:timing>
+    <p:tnLst>
+      <p:par>
+        <p:cTn id="1" dur="indefinite" restart="never" nodeType="tmRoot"/>
+      </p:par>
+    </p:tnLst>
+  </p:timing>
 </p:sld>
 </file>
 
@@ -10076,7 +10305,7 @@
           <a:p>
             <a:fld id="{05D9E594-15B7-4199-8FAE-99C536A8A5B1}" type="datetime1">
               <a:rPr lang="en-US" smtClean="0"/>
-              <a:t>8/11/2021</a:t>
+              <a:t>8/26/2020</a:t>
             </a:fld>
             <a:endParaRPr lang="en-US"/>
           </a:p>
@@ -10098,9 +10327,10 @@
           <a:lstStyle/>
           <a:p>
             <a:r>
-              <a:rPr lang="en-US"/>
+              <a:rPr lang="en-US" smtClean="0"/>
               <a:t>2018 - 2022 </a:t>
             </a:r>
+            <a:endParaRPr lang="en-US"/>
           </a:p>
         </p:txBody>
       </p:sp>
@@ -10138,6 +10368,13 @@
   <p:clrMapOvr>
     <a:masterClrMapping/>
   </p:clrMapOvr>
+  <p:timing>
+    <p:tnLst>
+      <p:par>
+        <p:cTn id="1" dur="indefinite" restart="never" nodeType="tmRoot"/>
+      </p:par>
+    </p:tnLst>
+  </p:timing>
 </p:sld>
 </file>
 
@@ -10240,7 +10477,7 @@
           <a:p>
             <a:fld id="{3F1B657D-C08D-476A-B38A-75D544880502}" type="datetime1">
               <a:rPr lang="en-US" smtClean="0"/>
-              <a:t>8/11/2021</a:t>
+              <a:t>8/26/2020</a:t>
             </a:fld>
             <a:endParaRPr lang="en-US"/>
           </a:p>
@@ -10262,9 +10499,10 @@
           <a:lstStyle/>
           <a:p>
             <a:r>
-              <a:rPr lang="en-US"/>
+              <a:rPr lang="en-US" smtClean="0"/>
               <a:t>2018 - 2022 </a:t>
             </a:r>
+            <a:endParaRPr lang="en-US"/>
           </a:p>
         </p:txBody>
       </p:sp>
@@ -10302,6 +10540,13 @@
   <p:clrMapOvr>
     <a:masterClrMapping/>
   </p:clrMapOvr>
+  <p:timing>
+    <p:tnLst>
+      <p:par>
+        <p:cTn id="1" dur="indefinite" restart="never" nodeType="tmRoot"/>
+      </p:par>
+    </p:tnLst>
+  </p:timing>
 </p:sld>
 </file>
 
@@ -10338,9 +10583,10 @@
           <a:lstStyle/>
           <a:p>
             <a:r>
-              <a:rPr lang="en-US" dirty="0"/>
+              <a:rPr lang="en-US" dirty="0" smtClean="0"/>
               <a:t>Course Objective(CO)</a:t>
             </a:r>
+            <a:endParaRPr lang="en-US" dirty="0"/>
           </a:p>
         </p:txBody>
       </p:sp>
@@ -10371,14 +10617,14 @@
               <a:buNone/>
             </a:pPr>
             <a:r>
-              <a:rPr lang="en-IN" b="1" dirty="0">
+              <a:rPr lang="en-IN" b="1" dirty="0" smtClean="0">
                 <a:latin typeface="Times New Roman" pitchFamily="18" charset="0"/>
                 <a:cs typeface="Times New Roman" pitchFamily="18" charset="0"/>
               </a:rPr>
               <a:t>CO1:  </a:t>
             </a:r>
             <a:r>
-              <a:rPr lang="en-IN" dirty="0">
+              <a:rPr lang="en-IN" dirty="0" smtClean="0">
                 <a:latin typeface="Times New Roman" pitchFamily="18" charset="0"/>
                 <a:cs typeface="Times New Roman" pitchFamily="18" charset="0"/>
               </a:rPr>
@@ -10390,14 +10636,14 @@
               <a:buNone/>
             </a:pPr>
             <a:r>
-              <a:rPr lang="en-IN" b="1" dirty="0">
+              <a:rPr lang="en-IN" b="1" dirty="0" smtClean="0">
                 <a:latin typeface="Times New Roman" pitchFamily="18" charset="0"/>
                 <a:cs typeface="Times New Roman" pitchFamily="18" charset="0"/>
               </a:rPr>
               <a:t>CO2: </a:t>
             </a:r>
             <a:r>
-              <a:rPr lang="en-IN" dirty="0">
+              <a:rPr lang="en-IN" dirty="0" smtClean="0">
                 <a:latin typeface="Times New Roman" pitchFamily="18" charset="0"/>
                 <a:cs typeface="Times New Roman" pitchFamily="18" charset="0"/>
               </a:rPr>
@@ -10409,14 +10655,14 @@
               <a:buNone/>
             </a:pPr>
             <a:r>
-              <a:rPr lang="en-IN" b="1" dirty="0">
+              <a:rPr lang="en-IN" b="1" dirty="0" smtClean="0">
                 <a:latin typeface="Times New Roman" pitchFamily="18" charset="0"/>
                 <a:cs typeface="Times New Roman" pitchFamily="18" charset="0"/>
               </a:rPr>
               <a:t>CO3: </a:t>
             </a:r>
             <a:r>
-              <a:rPr lang="en-IN" dirty="0">
+              <a:rPr lang="en-IN" dirty="0" smtClean="0">
                 <a:latin typeface="Times New Roman" pitchFamily="18" charset="0"/>
                 <a:cs typeface="Times New Roman" pitchFamily="18" charset="0"/>
               </a:rPr>
@@ -10428,14 +10674,14 @@
               <a:buNone/>
             </a:pPr>
             <a:r>
-              <a:rPr lang="en-IN" b="1" dirty="0">
+              <a:rPr lang="en-IN" b="1" dirty="0" smtClean="0">
                 <a:latin typeface="Times New Roman" pitchFamily="18" charset="0"/>
                 <a:cs typeface="Times New Roman" pitchFamily="18" charset="0"/>
               </a:rPr>
               <a:t>CO4: </a:t>
             </a:r>
             <a:r>
-              <a:rPr lang="en-IN" dirty="0">
+              <a:rPr lang="en-IN" dirty="0" smtClean="0">
                 <a:latin typeface="Times New Roman" pitchFamily="18" charset="0"/>
                 <a:cs typeface="Times New Roman" pitchFamily="18" charset="0"/>
               </a:rPr>
@@ -10447,14 +10693,14 @@
               <a:buNone/>
             </a:pPr>
             <a:r>
-              <a:rPr lang="en-IN" b="1" dirty="0">
+              <a:rPr lang="en-IN" b="1" dirty="0" smtClean="0">
                 <a:latin typeface="Times New Roman" pitchFamily="18" charset="0"/>
                 <a:cs typeface="Times New Roman" pitchFamily="18" charset="0"/>
               </a:rPr>
               <a:t>CO5: </a:t>
             </a:r>
             <a:r>
-              <a:rPr lang="en-IN" dirty="0">
+              <a:rPr lang="en-IN" dirty="0" smtClean="0">
                 <a:latin typeface="Times New Roman" pitchFamily="18" charset="0"/>
                 <a:cs typeface="Times New Roman" pitchFamily="18" charset="0"/>
               </a:rPr>
@@ -10466,21 +10712,21 @@
               <a:buNone/>
             </a:pPr>
             <a:r>
-              <a:rPr lang="en-IN" b="1" dirty="0">
+              <a:rPr lang="en-IN" b="1" dirty="0" smtClean="0">
                 <a:latin typeface="Times New Roman" pitchFamily="18" charset="0"/>
                 <a:cs typeface="Times New Roman" pitchFamily="18" charset="0"/>
               </a:rPr>
               <a:t>CO6: </a:t>
             </a:r>
             <a:r>
-              <a:rPr lang="en-IN" dirty="0">
+              <a:rPr lang="en-IN" dirty="0" smtClean="0">
                 <a:latin typeface="Times New Roman" pitchFamily="18" charset="0"/>
                 <a:cs typeface="Times New Roman" pitchFamily="18" charset="0"/>
               </a:rPr>
               <a:t>Develop photo shop applications</a:t>
             </a:r>
             <a:r>
-              <a:rPr lang="en-US" u="sng" dirty="0">
+              <a:rPr lang="en-US" u="sng" dirty="0" smtClean="0">
                 <a:latin typeface="Times New Roman" pitchFamily="18" charset="0"/>
                 <a:cs typeface="Times New Roman" pitchFamily="18" charset="0"/>
               </a:rPr>
@@ -10510,7 +10756,7 @@
           <a:p>
             <a:fld id="{BBA0F249-8890-444F-953B-9006595747CA}" type="datetime1">
               <a:rPr lang="en-US" smtClean="0"/>
-              <a:t>8/11/2021</a:t>
+              <a:t>8/26/2020</a:t>
             </a:fld>
             <a:endParaRPr lang="en-US"/>
           </a:p>
@@ -10532,9 +10778,10 @@
           <a:lstStyle/>
           <a:p>
             <a:r>
-              <a:rPr lang="en-US"/>
+              <a:rPr lang="en-US" smtClean="0"/>
               <a:t>2018 - 2022 </a:t>
             </a:r>
+            <a:endParaRPr lang="en-US"/>
           </a:p>
         </p:txBody>
       </p:sp>
@@ -10572,6 +10819,13 @@
   <p:clrMapOvr>
     <a:masterClrMapping/>
   </p:clrMapOvr>
+  <p:timing>
+    <p:tnLst>
+      <p:par>
+        <p:cTn id="1" dur="indefinite" restart="never" nodeType="tmRoot"/>
+      </p:par>
+    </p:tnLst>
+  </p:timing>
 </p:sld>
 </file>
 
@@ -10674,7 +10928,7 @@
           <a:p>
             <a:fld id="{6712D6F6-565E-48AE-A809-EC8CDADA30AB}" type="datetime1">
               <a:rPr lang="en-US" smtClean="0"/>
-              <a:t>8/11/2021</a:t>
+              <a:t>8/26/2020</a:t>
             </a:fld>
             <a:endParaRPr lang="en-US"/>
           </a:p>
@@ -10696,9 +10950,10 @@
           <a:lstStyle/>
           <a:p>
             <a:r>
-              <a:rPr lang="en-US"/>
+              <a:rPr lang="en-US" smtClean="0"/>
               <a:t>2018 - 2022 </a:t>
             </a:r>
+            <a:endParaRPr lang="en-US"/>
           </a:p>
         </p:txBody>
       </p:sp>
@@ -10736,6 +10991,13 @@
   <p:clrMapOvr>
     <a:masterClrMapping/>
   </p:clrMapOvr>
+  <p:timing>
+    <p:tnLst>
+      <p:par>
+        <p:cTn id="1" dur="indefinite" restart="never" nodeType="tmRoot"/>
+      </p:par>
+    </p:tnLst>
+  </p:timing>
 </p:sld>
 </file>
 
@@ -10838,7 +11100,7 @@
           <a:p>
             <a:fld id="{CAE6E736-5788-4CAA-9F63-488E294AB5E2}" type="datetime1">
               <a:rPr lang="en-US" smtClean="0"/>
-              <a:t>8/11/2021</a:t>
+              <a:t>8/26/2020</a:t>
             </a:fld>
             <a:endParaRPr lang="en-US"/>
           </a:p>
@@ -10860,9 +11122,10 @@
           <a:lstStyle/>
           <a:p>
             <a:r>
-              <a:rPr lang="en-US"/>
+              <a:rPr lang="en-US" smtClean="0"/>
               <a:t>2018 - 2022 </a:t>
             </a:r>
+            <a:endParaRPr lang="en-US"/>
           </a:p>
         </p:txBody>
       </p:sp>
@@ -10900,6 +11163,13 @@
   <p:clrMapOvr>
     <a:masterClrMapping/>
   </p:clrMapOvr>
+  <p:timing>
+    <p:tnLst>
+      <p:par>
+        <p:cTn id="1" dur="indefinite" restart="never" nodeType="tmRoot"/>
+      </p:par>
+    </p:tnLst>
+  </p:timing>
 </p:sld>
 </file>
 
@@ -11019,7 +11289,7 @@
           <a:p>
             <a:fld id="{BE23B5DF-73DA-422E-92FB-4969D3CD864E}" type="datetime1">
               <a:rPr lang="en-US" smtClean="0"/>
-              <a:t>8/11/2021</a:t>
+              <a:t>8/26/2020</a:t>
             </a:fld>
             <a:endParaRPr lang="en-US"/>
           </a:p>
@@ -11041,9 +11311,10 @@
           <a:lstStyle/>
           <a:p>
             <a:r>
-              <a:rPr lang="en-US"/>
+              <a:rPr lang="en-US" smtClean="0"/>
               <a:t>2018 - 2022 </a:t>
             </a:r>
+            <a:endParaRPr lang="en-US"/>
           </a:p>
         </p:txBody>
       </p:sp>
@@ -11081,6 +11352,13 @@
   <p:clrMapOvr>
     <a:masterClrMapping/>
   </p:clrMapOvr>
+  <p:timing>
+    <p:tnLst>
+      <p:par>
+        <p:cTn id="1" dur="indefinite" restart="never" nodeType="tmRoot"/>
+      </p:par>
+    </p:tnLst>
+  </p:timing>
 </p:sld>
 </file>
 
@@ -11124,15 +11402,15 @@
           <a:lstStyle/>
           <a:p>
             <a:r>
-              <a:rPr lang="en-US" b="1" dirty="0"/>
+              <a:rPr lang="en-US" b="1" dirty="0" smtClean="0"/>
               <a:t>Example- </a:t>
             </a:r>
             <a:r>
-              <a:rPr lang="en-US" b="1" dirty="0" err="1"/>
+              <a:rPr lang="en-US" b="1" dirty="0" err="1" smtClean="0"/>
               <a:t>Bresenhams</a:t>
             </a:r>
             <a:r>
-              <a:rPr lang="en-US" b="1" dirty="0"/>
+              <a:rPr lang="en-US" b="1" dirty="0" smtClean="0"/>
               <a:t> Line drawing</a:t>
             </a:r>
             <a:endParaRPr lang="en-IN" b="1" dirty="0"/>
@@ -11210,7 +11488,11 @@
             </a:r>
             <a:r>
               <a:rPr lang="en-US" dirty="0"/>
-              <a:t>)=(30,18)</a:t>
+              <a:t>)=(30,18</a:t>
+            </a:r>
+            <a:r>
+              <a:rPr lang="en-US" dirty="0" smtClean="0"/>
+              <a:t>)</a:t>
             </a:r>
           </a:p>
           <a:p>
@@ -11218,21 +11500,30 @@
               <a:buNone/>
             </a:pPr>
             <a:r>
-              <a:rPr lang="en-US" b="1" u="sng" dirty="0">
+              <a:rPr lang="en-US" b="1" u="sng" dirty="0" smtClean="0">
                 <a:solidFill>
                   <a:srgbClr val="FF0000"/>
                 </a:solidFill>
               </a:rPr>
               <a:t>Solution: </a:t>
             </a:r>
+            <a:endParaRPr lang="en-US" b="1" u="sng" dirty="0">
+              <a:solidFill>
+                <a:srgbClr val="FF0000"/>
+              </a:solidFill>
+            </a:endParaRPr>
           </a:p>
           <a:p>
             <a:pPr marL="0" indent="0">
               <a:buNone/>
             </a:pPr>
             <a:r>
+              <a:rPr lang="en-US" dirty="0" smtClean="0"/>
+              <a:t>      dx</a:t>
+            </a:r>
+            <a:r>
               <a:rPr lang="en-US" dirty="0"/>
-              <a:t>      dx= 30-20 =10</a:t>
+              <a:t>= 30-20 =10</a:t>
             </a:r>
           </a:p>
           <a:p>
@@ -11240,11 +11531,11 @@
               <a:buNone/>
             </a:pPr>
             <a:r>
-              <a:rPr lang="en-US" dirty="0"/>
+              <a:rPr lang="en-US" dirty="0" smtClean="0"/>
               <a:t>      </a:t>
             </a:r>
             <a:r>
-              <a:rPr lang="en-US" dirty="0" err="1"/>
+              <a:rPr lang="en-US" dirty="0" err="1" smtClean="0"/>
               <a:t>dy</a:t>
             </a:r>
             <a:r>
@@ -11257,8 +11548,12 @@
               <a:buNone/>
             </a:pPr>
             <a:r>
+              <a:rPr lang="en-US" dirty="0" smtClean="0"/>
+              <a:t>      P</a:t>
+            </a:r>
+            <a:r>
               <a:rPr lang="en-US" dirty="0"/>
-              <a:t>      P= 2*</a:t>
+              <a:t>= 2*</a:t>
             </a:r>
             <a:r>
               <a:rPr lang="en-US" dirty="0" err="1"/>
@@ -11275,7 +11570,19 @@
             </a:pPr>
             <a:r>
               <a:rPr lang="en-US" dirty="0"/>
-              <a:t>        = 2*8-10</a:t>
+              <a:t>  </a:t>
+            </a:r>
+            <a:r>
+              <a:rPr lang="en-US" dirty="0" smtClean="0"/>
+              <a:t>      </a:t>
+            </a:r>
+            <a:r>
+              <a:rPr lang="en-US" dirty="0"/>
+              <a:t>= </a:t>
+            </a:r>
+            <a:r>
+              <a:rPr lang="en-US" dirty="0" smtClean="0"/>
+              <a:t>2*8-10</a:t>
             </a:r>
           </a:p>
           <a:p>
@@ -11284,7 +11591,15 @@
             </a:pPr>
             <a:r>
               <a:rPr lang="en-US" dirty="0"/>
-              <a:t>        =6</a:t>
+              <a:t> </a:t>
+            </a:r>
+            <a:r>
+              <a:rPr lang="en-US" dirty="0" smtClean="0"/>
+              <a:t>       </a:t>
+            </a:r>
+            <a:r>
+              <a:rPr lang="en-US" dirty="0"/>
+              <a:t>=6</a:t>
             </a:r>
           </a:p>
           <a:p>
@@ -11292,24 +11607,36 @@
               <a:buNone/>
             </a:pPr>
             <a:r>
+              <a:rPr lang="en-US" dirty="0" smtClean="0"/>
+              <a:t>     </a:t>
+            </a:r>
+            <a:r>
+              <a:rPr lang="en-US" dirty="0" err="1" smtClean="0"/>
+              <a:t>twody</a:t>
+            </a:r>
+            <a:r>
               <a:rPr lang="en-US" dirty="0"/>
-              <a:t>     </a:t>
-            </a:r>
-            <a:r>
-              <a:rPr lang="en-US" dirty="0" err="1"/>
-              <a:t>twody</a:t>
+              <a:t>= </a:t>
+            </a:r>
+            <a:r>
+              <a:rPr lang="en-US" dirty="0" smtClean="0"/>
+              <a:t>2*</a:t>
+            </a:r>
+            <a:r>
+              <a:rPr lang="en-US" dirty="0" err="1" smtClean="0"/>
+              <a:t>dy</a:t>
+            </a:r>
+            <a:r>
+              <a:rPr lang="en-US" dirty="0" smtClean="0"/>
+              <a:t> = </a:t>
             </a:r>
             <a:r>
               <a:rPr lang="en-US" dirty="0"/>
-              <a:t>= 2*</a:t>
-            </a:r>
-            <a:r>
-              <a:rPr lang="en-US" dirty="0" err="1"/>
-              <a:t>dy</a:t>
-            </a:r>
-            <a:r>
-              <a:rPr lang="en-US" dirty="0"/>
-              <a:t> = 2*8 = 16</a:t>
+              <a:t>2*8 = </a:t>
+            </a:r>
+            <a:r>
+              <a:rPr lang="en-US" dirty="0" smtClean="0"/>
+              <a:t>16</a:t>
             </a:r>
           </a:p>
           <a:p>
@@ -11318,10 +11645,14 @@
             </a:pPr>
             <a:r>
               <a:rPr lang="en-US" dirty="0"/>
-              <a:t>     </a:t>
-            </a:r>
-            <a:r>
-              <a:rPr lang="en-US" dirty="0" err="1"/>
+              <a:t> </a:t>
+            </a:r>
+            <a:r>
+              <a:rPr lang="en-US" dirty="0" smtClean="0"/>
+              <a:t>    </a:t>
+            </a:r>
+            <a:r>
+              <a:rPr lang="en-US" dirty="0" err="1" smtClean="0"/>
               <a:t>twodydx</a:t>
             </a:r>
             <a:r>
@@ -11329,11 +11660,11 @@
               <a:t>= 2*(</a:t>
             </a:r>
             <a:r>
-              <a:rPr lang="en-US" dirty="0" err="1"/>
+              <a:rPr lang="en-US" dirty="0" err="1" smtClean="0"/>
               <a:t>dy</a:t>
             </a:r>
             <a:r>
-              <a:rPr lang="en-US" dirty="0"/>
+              <a:rPr lang="en-US" dirty="0" smtClean="0"/>
               <a:t>-dx)</a:t>
             </a:r>
           </a:p>
@@ -11342,7 +11673,7 @@
               <a:buNone/>
             </a:pPr>
             <a:r>
-              <a:rPr lang="en-US" dirty="0"/>
+              <a:rPr lang="en-US" dirty="0" smtClean="0"/>
               <a:t>                     = 2*(8-10) </a:t>
             </a:r>
           </a:p>
@@ -11352,7 +11683,11 @@
             </a:pPr>
             <a:r>
               <a:rPr lang="en-US" dirty="0"/>
-              <a:t>                    = -4</a:t>
+              <a:t> </a:t>
+            </a:r>
+            <a:r>
+              <a:rPr lang="en-US" dirty="0" smtClean="0"/>
+              <a:t>                   = -4</a:t>
             </a:r>
           </a:p>
           <a:p>
@@ -11377,7 +11712,7 @@
           <a:p>
             <a:fld id="{7CFC8E73-0C34-42F0-97F6-D07C9072E876}" type="datetime1">
               <a:rPr lang="en-US" smtClean="0"/>
-              <a:t>8/11/2021</a:t>
+              <a:t>8/26/2020</a:t>
             </a:fld>
             <a:endParaRPr lang="en-US"/>
           </a:p>
@@ -11399,9 +11734,10 @@
           <a:lstStyle/>
           <a:p>
             <a:r>
-              <a:rPr lang="en-US"/>
+              <a:rPr lang="en-US" smtClean="0"/>
               <a:t>2018 - 2022 </a:t>
             </a:r>
+            <a:endParaRPr lang="en-US"/>
           </a:p>
         </p:txBody>
       </p:sp>
@@ -11439,6 +11775,13 @@
   <p:clrMapOvr>
     <a:masterClrMapping/>
   </p:clrMapOvr>
+  <p:timing>
+    <p:tnLst>
+      <p:par>
+        <p:cTn id="1" dur="indefinite" restart="never" nodeType="tmRoot"/>
+      </p:par>
+    </p:tnLst>
+  </p:timing>
 </p:sld>
 </file>
 
@@ -11515,7 +11858,7 @@
         </p:blipFill>
         <p:spPr>
           <a:xfrm>
-            <a:off x="152400" y="558006"/>
+            <a:off x="152400" y="800099"/>
             <a:ext cx="4495800" cy="6126163"/>
           </a:xfrm>
           <a:prstGeom prst="rect">
@@ -11554,7 +11897,7 @@
               <a:buNone/>
             </a:pPr>
             <a:r>
-              <a:rPr lang="en-US" dirty="0"/>
+              <a:rPr lang="en-US" dirty="0" smtClean="0"/>
               <a:t>If(20&gt;30)</a:t>
             </a:r>
           </a:p>
@@ -11563,15 +11906,15 @@
               <a:buNone/>
             </a:pPr>
             <a:r>
-              <a:rPr lang="en-US" dirty="0"/>
+              <a:rPr lang="en-US" dirty="0" smtClean="0"/>
               <a:t>    { x=20; y=10; </a:t>
             </a:r>
             <a:r>
-              <a:rPr lang="en-US" dirty="0" err="1"/>
+              <a:rPr lang="en-US" dirty="0" err="1" smtClean="0"/>
               <a:t>xend</a:t>
             </a:r>
             <a:r>
-              <a:rPr lang="en-US" dirty="0"/>
+              <a:rPr lang="en-US" dirty="0" smtClean="0"/>
               <a:t>=30; }</a:t>
             </a:r>
           </a:p>
@@ -11580,11 +11923,11 @@
               <a:buNone/>
             </a:pPr>
             <a:r>
-              <a:rPr lang="en-US" dirty="0" err="1"/>
+              <a:rPr lang="en-US" dirty="0" err="1" smtClean="0"/>
               <a:t>setpixel</a:t>
             </a:r>
             <a:r>
-              <a:rPr lang="en-US" dirty="0"/>
+              <a:rPr lang="en-US" dirty="0" smtClean="0"/>
               <a:t>(</a:t>
             </a:r>
             <a:r>
@@ -11596,7 +11939,7 @@
               <a:t>20,10</a:t>
             </a:r>
             <a:r>
-              <a:rPr lang="en-US" dirty="0"/>
+              <a:rPr lang="en-US" dirty="0" smtClean="0"/>
               <a:t>);</a:t>
             </a:r>
           </a:p>
@@ -11605,7 +11948,7 @@
               <a:buNone/>
             </a:pPr>
             <a:r>
-              <a:rPr lang="en-US" dirty="0"/>
+              <a:rPr lang="en-US" dirty="0" smtClean="0"/>
               <a:t>while(20&lt;30)</a:t>
             </a:r>
           </a:p>
@@ -11614,11 +11957,11 @@
               <a:buNone/>
             </a:pPr>
             <a:r>
-              <a:rPr lang="en-US" dirty="0"/>
+              <a:rPr lang="en-US" dirty="0" smtClean="0"/>
               <a:t>    { x=</a:t>
             </a:r>
             <a:r>
-              <a:rPr lang="en-US" dirty="0">
+              <a:rPr lang="en-US" dirty="0" smtClean="0">
                 <a:solidFill>
                   <a:srgbClr val="FF0000"/>
                 </a:solidFill>
@@ -11626,7 +11969,7 @@
               <a:t>21</a:t>
             </a:r>
             <a:r>
-              <a:rPr lang="en-US" dirty="0"/>
+              <a:rPr lang="en-US" dirty="0" smtClean="0"/>
               <a:t>;</a:t>
             </a:r>
           </a:p>
@@ -11635,7 +11978,7 @@
               <a:buNone/>
             </a:pPr>
             <a:r>
-              <a:rPr lang="en-US" dirty="0"/>
+              <a:rPr lang="en-US" dirty="0" smtClean="0"/>
               <a:t>      If(6&lt;0)</a:t>
             </a:r>
           </a:p>
@@ -11645,10 +11988,14 @@
             </a:pPr>
             <a:r>
               <a:rPr lang="en-US" dirty="0"/>
-              <a:t>      y=</a:t>
-            </a:r>
-            <a:r>
-              <a:rPr lang="en-US" dirty="0">
+              <a:t> </a:t>
+            </a:r>
+            <a:r>
+              <a:rPr lang="en-US" dirty="0" smtClean="0"/>
+              <a:t>     y=</a:t>
+            </a:r>
+            <a:r>
+              <a:rPr lang="en-US" dirty="0" smtClean="0">
                 <a:solidFill>
                   <a:srgbClr val="FF0000"/>
                 </a:solidFill>
@@ -11656,7 +12003,7 @@
               <a:t>11</a:t>
             </a:r>
             <a:r>
-              <a:rPr lang="en-US" dirty="0"/>
+              <a:rPr lang="en-US" dirty="0" smtClean="0"/>
               <a:t>;</a:t>
             </a:r>
           </a:p>
@@ -11666,10 +12013,14 @@
             </a:pPr>
             <a:r>
               <a:rPr lang="en-US" dirty="0"/>
-              <a:t>      p=6-4 = </a:t>
-            </a:r>
-            <a:r>
-              <a:rPr lang="en-US" dirty="0">
+              <a:t> </a:t>
+            </a:r>
+            <a:r>
+              <a:rPr lang="en-US" dirty="0" smtClean="0"/>
+              <a:t>     p=6-4 = </a:t>
+            </a:r>
+            <a:r>
+              <a:rPr lang="en-US" dirty="0" smtClean="0">
                 <a:solidFill>
                   <a:srgbClr val="FF0000"/>
                 </a:solidFill>
@@ -11677,7 +12028,7 @@
               <a:t>2</a:t>
             </a:r>
             <a:r>
-              <a:rPr lang="en-US" dirty="0"/>
+              <a:rPr lang="en-US" dirty="0" smtClean="0"/>
               <a:t>;</a:t>
             </a:r>
           </a:p>
@@ -11686,7 +12037,7 @@
               <a:buNone/>
             </a:pPr>
             <a:r>
-              <a:rPr lang="en-US" dirty="0"/>
+              <a:rPr lang="en-US" dirty="0" smtClean="0"/>
               <a:t>    }</a:t>
             </a:r>
           </a:p>
@@ -11695,15 +12046,15 @@
               <a:buNone/>
             </a:pPr>
             <a:r>
-              <a:rPr lang="en-US" dirty="0" err="1"/>
+              <a:rPr lang="en-US" dirty="0" err="1" smtClean="0"/>
               <a:t>setpixel</a:t>
             </a:r>
             <a:r>
-              <a:rPr lang="en-US" dirty="0"/>
+              <a:rPr lang="en-US" dirty="0" smtClean="0"/>
               <a:t>(</a:t>
             </a:r>
             <a:r>
-              <a:rPr lang="en-US" dirty="0">
+              <a:rPr lang="en-US" dirty="0" smtClean="0">
                 <a:solidFill>
                   <a:srgbClr val="FF00FF"/>
                 </a:solidFill>
@@ -11711,7 +12062,7 @@
               <a:t>21,11</a:t>
             </a:r>
             <a:r>
-              <a:rPr lang="en-US" dirty="0"/>
+              <a:rPr lang="en-US" dirty="0" smtClean="0"/>
               <a:t>);</a:t>
             </a:r>
             <a:endParaRPr lang="en-IN" dirty="0"/>
@@ -11735,7 +12086,7 @@
           <a:p>
             <a:fld id="{658B9B2A-593F-4239-851B-7D0091870982}" type="datetime1">
               <a:rPr lang="en-US" smtClean="0"/>
-              <a:t>8/11/2021</a:t>
+              <a:t>8/26/2020</a:t>
             </a:fld>
             <a:endParaRPr lang="en-US"/>
           </a:p>
@@ -11757,9 +12108,10 @@
           <a:lstStyle/>
           <a:p>
             <a:r>
-              <a:rPr lang="en-US"/>
+              <a:rPr lang="en-US" smtClean="0"/>
               <a:t>2018 - 2022 </a:t>
             </a:r>
+            <a:endParaRPr lang="en-US"/>
           </a:p>
         </p:txBody>
       </p:sp>
@@ -11787,108 +12139,6 @@
           </a:p>
         </p:txBody>
       </p:sp>
-      <mc:AlternateContent xmlns:mc="http://schemas.openxmlformats.org/markup-compatibility/2006" xmlns:p14="http://schemas.microsoft.com/office/powerpoint/2010/main">
-        <mc:Choice Requires="p14">
-          <p:contentPart p14:bwMode="auto" r:id="rId3">
-            <p14:nvContentPartPr>
-              <p14:cNvPr id="8" name="Ink 7">
-                <a:extLst>
-                  <a:ext uri="{FF2B5EF4-FFF2-40B4-BE49-F238E27FC236}">
-                    <a16:creationId xmlns:a16="http://schemas.microsoft.com/office/drawing/2014/main" id="{D7CA2F86-25C2-41F2-B662-B79D3BD4B749}"/>
-                  </a:ext>
-                </a:extLst>
-              </p14:cNvPr>
-              <p14:cNvContentPartPr/>
-              <p14:nvPr/>
-            </p14:nvContentPartPr>
-            <p14:xfrm>
-              <a:off x="1320840" y="2781360"/>
-              <a:ext cx="1905480" cy="1022760"/>
-            </p14:xfrm>
-          </p:contentPart>
-        </mc:Choice>
-        <mc:Fallback xmlns="">
-          <p:pic>
-            <p:nvPicPr>
-              <p:cNvPr id="8" name="Ink 7">
-                <a:extLst>
-                  <a:ext uri="{FF2B5EF4-FFF2-40B4-BE49-F238E27FC236}">
-                    <a16:creationId xmlns:a16="http://schemas.microsoft.com/office/drawing/2014/main" id="{D7CA2F86-25C2-41F2-B662-B79D3BD4B749}"/>
-                  </a:ext>
-                </a:extLst>
-              </p:cNvPr>
-              <p:cNvPicPr/>
-              <p:nvPr/>
-            </p:nvPicPr>
-            <p:blipFill>
-              <a:blip r:embed="rId4"/>
-              <a:stretch>
-                <a:fillRect/>
-              </a:stretch>
-            </p:blipFill>
-            <p:spPr>
-              <a:xfrm>
-                <a:off x="1311480" y="2772000"/>
-                <a:ext cx="1924200" cy="1041480"/>
-              </a:xfrm>
-              <a:prstGeom prst="rect">
-                <a:avLst/>
-              </a:prstGeom>
-            </p:spPr>
-          </p:pic>
-        </mc:Fallback>
-      </mc:AlternateContent>
-      <mc:AlternateContent xmlns:mc="http://schemas.openxmlformats.org/markup-compatibility/2006" xmlns:p14="http://schemas.microsoft.com/office/powerpoint/2010/main">
-        <mc:Choice Requires="p14">
-          <p:contentPart p14:bwMode="auto" r:id="rId5">
-            <p14:nvContentPartPr>
-              <p14:cNvPr id="9" name="Ink 8">
-                <a:extLst>
-                  <a:ext uri="{FF2B5EF4-FFF2-40B4-BE49-F238E27FC236}">
-                    <a16:creationId xmlns:a16="http://schemas.microsoft.com/office/drawing/2014/main" id="{06B3DD6D-5F8A-4F4B-B079-7359F58167EC}"/>
-                  </a:ext>
-                </a:extLst>
-              </p14:cNvPr>
-              <p14:cNvContentPartPr/>
-              <p14:nvPr/>
-            </p14:nvContentPartPr>
-            <p14:xfrm>
-              <a:off x="1193760" y="3720960"/>
-              <a:ext cx="489240" cy="641880"/>
-            </p14:xfrm>
-          </p:contentPart>
-        </mc:Choice>
-        <mc:Fallback xmlns="">
-          <p:pic>
-            <p:nvPicPr>
-              <p:cNvPr id="9" name="Ink 8">
-                <a:extLst>
-                  <a:ext uri="{FF2B5EF4-FFF2-40B4-BE49-F238E27FC236}">
-                    <a16:creationId xmlns:a16="http://schemas.microsoft.com/office/drawing/2014/main" id="{06B3DD6D-5F8A-4F4B-B079-7359F58167EC}"/>
-                  </a:ext>
-                </a:extLst>
-              </p:cNvPr>
-              <p:cNvPicPr/>
-              <p:nvPr/>
-            </p:nvPicPr>
-            <p:blipFill>
-              <a:blip r:embed="rId6"/>
-              <a:stretch>
-                <a:fillRect/>
-              </a:stretch>
-            </p:blipFill>
-            <p:spPr>
-              <a:xfrm>
-                <a:off x="1184400" y="3711600"/>
-                <a:ext cx="507960" cy="660600"/>
-              </a:xfrm>
-              <a:prstGeom prst="rect">
-                <a:avLst/>
-              </a:prstGeom>
-            </p:spPr>
-          </p:pic>
-        </mc:Fallback>
-      </mc:AlternateContent>
     </p:spTree>
     <p:extLst>
       <p:ext uri="{BB962C8B-B14F-4D97-AF65-F5344CB8AC3E}">
@@ -11899,6 +12149,13 @@
   <p:clrMapOvr>
     <a:masterClrMapping/>
   </p:clrMapOvr>
+  <p:timing>
+    <p:tnLst>
+      <p:par>
+        <p:cTn id="1" dur="indefinite" restart="never" nodeType="tmRoot"/>
+      </p:par>
+    </p:tnLst>
+  </p:timing>
 </p:sld>
 </file>
 
@@ -11942,7 +12199,7 @@
           <a:lstStyle/>
           <a:p>
             <a:r>
-              <a:rPr lang="en-US" b="1" dirty="0"/>
+              <a:rPr lang="en-US" b="1" dirty="0" smtClean="0"/>
               <a:t>Example 1- </a:t>
             </a:r>
             <a:r>
@@ -11965,15 +12222,11 @@
           </p:cNvGraphicFramePr>
           <p:nvPr>
             <p:ph idx="1"/>
-            <p:extLst>
-              <p:ext uri="{D42A27DB-BD31-4B8C-83A1-F6EECF244321}">
-                <p14:modId xmlns:p14="http://schemas.microsoft.com/office/powerpoint/2010/main" val="1847061562"/>
-              </p:ext>
-            </p:extLst>
+            <p:extLst/>
           </p:nvPr>
         </p:nvGraphicFramePr>
         <p:xfrm>
-          <a:off x="76200" y="827085"/>
+          <a:off x="152401" y="827085"/>
           <a:ext cx="7619998" cy="5832565"/>
         </p:xfrm>
         <a:graphic>
@@ -11983,27 +12236,9 @@
                 <a:tableStyleId>{21E4AEA4-8DFA-4A89-87EB-49C32662AFE0}</a:tableStyleId>
               </a:tblPr>
               <a:tblGrid>
-                <a:gridCol w="2038455">
-                  <a:extLst>
-                    <a:ext uri="{9D8B030D-6E8A-4147-A177-3AD203B41FA5}">
-                      <a16:colId xmlns:a16="http://schemas.microsoft.com/office/drawing/2014/main" val="20000"/>
-                    </a:ext>
-                  </a:extLst>
-                </a:gridCol>
-                <a:gridCol w="2425675">
-                  <a:extLst>
-                    <a:ext uri="{9D8B030D-6E8A-4147-A177-3AD203B41FA5}">
-                      <a16:colId xmlns:a16="http://schemas.microsoft.com/office/drawing/2014/main" val="20001"/>
-                    </a:ext>
-                  </a:extLst>
-                </a:gridCol>
-                <a:gridCol w="3155868">
-                  <a:extLst>
-                    <a:ext uri="{9D8B030D-6E8A-4147-A177-3AD203B41FA5}">
-                      <a16:colId xmlns:a16="http://schemas.microsoft.com/office/drawing/2014/main" val="20002"/>
-                    </a:ext>
-                  </a:extLst>
-                </a:gridCol>
+                <a:gridCol w="2038455"/>
+                <a:gridCol w="2425675"/>
+                <a:gridCol w="3155868"/>
               </a:tblGrid>
               <a:tr h="650965">
                 <a:tc>
@@ -12054,11 +12289,6 @@
                     </a:solidFill>
                   </a:tcPr>
                 </a:tc>
-                <a:extLst>
-                  <a:ext uri="{0D108BD9-81ED-4DB2-BD59-A6C34878D82A}">
-                    <a16:rowId xmlns:a16="http://schemas.microsoft.com/office/drawing/2014/main" val="10000"/>
-                  </a:ext>
-                </a:extLst>
               </a:tr>
               <a:tr h="515135">
                 <a:tc>
@@ -12067,7 +12297,7 @@
                     <a:lstStyle/>
                     <a:p>
                       <a:r>
-                        <a:rPr lang="en-US" sz="2800" b="1" dirty="0"/>
+                        <a:rPr lang="en-US" sz="2800" b="1" dirty="0" smtClean="0"/>
                         <a:t>0</a:t>
                       </a:r>
                       <a:endParaRPr lang="en-IN" sz="2800" b="1" dirty="0"/>
@@ -12082,7 +12312,7 @@
                     <a:p>
                       <a:pPr rtl="0"/>
                       <a:r>
-                        <a:rPr lang="en-US" sz="2800" b="1" dirty="0"/>
+                        <a:rPr lang="en-US" sz="2800" b="1" dirty="0" smtClean="0"/>
                         <a:t>6</a:t>
                       </a:r>
                       <a:endParaRPr lang="en-IN" sz="2800" b="1" dirty="0"/>
@@ -12096,7 +12326,7 @@
                     <a:lstStyle/>
                     <a:p>
                       <a:r>
-                        <a:rPr lang="en-US" sz="2800" b="1" dirty="0"/>
+                        <a:rPr lang="en-US" sz="2800" b="1" dirty="0" smtClean="0"/>
                         <a:t>(21,11)</a:t>
                       </a:r>
                       <a:endParaRPr lang="en-IN" sz="2800" b="1" dirty="0"/>
@@ -12104,11 +12334,6 @@
                   </a:txBody>
                   <a:tcPr/>
                 </a:tc>
-                <a:extLst>
-                  <a:ext uri="{0D108BD9-81ED-4DB2-BD59-A6C34878D82A}">
-                    <a16:rowId xmlns:a16="http://schemas.microsoft.com/office/drawing/2014/main" val="10001"/>
-                  </a:ext>
-                </a:extLst>
               </a:tr>
               <a:tr h="515135">
                 <a:tc>
@@ -12117,7 +12342,7 @@
                     <a:lstStyle/>
                     <a:p>
                       <a:r>
-                        <a:rPr lang="en-US" sz="2800" b="1" dirty="0"/>
+                        <a:rPr lang="en-US" sz="2800" b="1" dirty="0" smtClean="0"/>
                         <a:t>1</a:t>
                       </a:r>
                       <a:endParaRPr lang="en-IN" sz="2800" b="1" dirty="0"/>
@@ -12132,7 +12357,7 @@
                     <a:p>
                       <a:pPr rtl="0"/>
                       <a:r>
-                        <a:rPr lang="en-US" sz="2800" b="1" dirty="0"/>
+                        <a:rPr lang="en-US" sz="2800" b="1" dirty="0" smtClean="0"/>
                         <a:t>2</a:t>
                       </a:r>
                       <a:endParaRPr lang="en-IN" sz="2800" b="1" dirty="0"/>
@@ -12146,7 +12371,7 @@
                     <a:lstStyle/>
                     <a:p>
                       <a:r>
-                        <a:rPr lang="en-US" sz="2800" b="1" dirty="0"/>
+                        <a:rPr lang="en-US" sz="2800" b="1" dirty="0" smtClean="0"/>
                         <a:t>(22,12)</a:t>
                       </a:r>
                       <a:endParaRPr lang="en-IN" sz="2800" b="1" dirty="0"/>
@@ -12154,11 +12379,6 @@
                   </a:txBody>
                   <a:tcPr/>
                 </a:tc>
-                <a:extLst>
-                  <a:ext uri="{0D108BD9-81ED-4DB2-BD59-A6C34878D82A}">
-                    <a16:rowId xmlns:a16="http://schemas.microsoft.com/office/drawing/2014/main" val="10002"/>
-                  </a:ext>
-                </a:extLst>
               </a:tr>
               <a:tr h="515135">
                 <a:tc>
@@ -12167,7 +12387,7 @@
                     <a:lstStyle/>
                     <a:p>
                       <a:r>
-                        <a:rPr lang="en-US" sz="2800" b="1" dirty="0"/>
+                        <a:rPr lang="en-US" sz="2800" b="1" dirty="0" smtClean="0"/>
                         <a:t>2</a:t>
                       </a:r>
                       <a:endParaRPr lang="en-IN" sz="2800" b="1" dirty="0"/>
@@ -12182,7 +12402,7 @@
                     <a:p>
                       <a:pPr rtl="0"/>
                       <a:r>
-                        <a:rPr lang="en-US" sz="2800" b="1" dirty="0"/>
+                        <a:rPr lang="en-US" sz="2800" b="1" dirty="0" smtClean="0"/>
                         <a:t>-2</a:t>
                       </a:r>
                       <a:endParaRPr lang="en-IN" sz="2800" b="1" dirty="0"/>
@@ -12196,7 +12416,7 @@
                     <a:lstStyle/>
                     <a:p>
                       <a:r>
-                        <a:rPr lang="en-US" sz="2800" b="1" dirty="0"/>
+                        <a:rPr lang="en-US" sz="2800" b="1" dirty="0" smtClean="0"/>
                         <a:t>(23,12)</a:t>
                       </a:r>
                       <a:endParaRPr lang="en-IN" sz="2800" b="1" dirty="0"/>
@@ -12204,11 +12424,6 @@
                   </a:txBody>
                   <a:tcPr/>
                 </a:tc>
-                <a:extLst>
-                  <a:ext uri="{0D108BD9-81ED-4DB2-BD59-A6C34878D82A}">
-                    <a16:rowId xmlns:a16="http://schemas.microsoft.com/office/drawing/2014/main" val="10003"/>
-                  </a:ext>
-                </a:extLst>
               </a:tr>
               <a:tr h="515135">
                 <a:tc>
@@ -12217,7 +12432,7 @@
                     <a:lstStyle/>
                     <a:p>
                       <a:r>
-                        <a:rPr lang="en-US" sz="2800" b="1" dirty="0"/>
+                        <a:rPr lang="en-US" sz="2800" b="1" dirty="0" smtClean="0"/>
                         <a:t>3</a:t>
                       </a:r>
                       <a:endParaRPr lang="en-IN" sz="2800" b="1" dirty="0"/>
@@ -12232,7 +12447,7 @@
                     <a:p>
                       <a:pPr rtl="0"/>
                       <a:r>
-                        <a:rPr lang="en-US" sz="2800" b="1" dirty="0"/>
+                        <a:rPr lang="en-US" sz="2800" b="1" dirty="0" smtClean="0"/>
                         <a:t>14</a:t>
                       </a:r>
                       <a:endParaRPr lang="en-IN" sz="2800" b="1" dirty="0"/>
@@ -12246,7 +12461,7 @@
                     <a:lstStyle/>
                     <a:p>
                       <a:r>
-                        <a:rPr lang="en-US" sz="2800" b="1" dirty="0"/>
+                        <a:rPr lang="en-US" sz="2800" b="1" dirty="0" smtClean="0"/>
                         <a:t>(24,13)</a:t>
                       </a:r>
                       <a:endParaRPr lang="en-IN" sz="2800" b="1" dirty="0"/>
@@ -12260,11 +12475,6 @@
                     </a:solidFill>
                   </a:tcPr>
                 </a:tc>
-                <a:extLst>
-                  <a:ext uri="{0D108BD9-81ED-4DB2-BD59-A6C34878D82A}">
-                    <a16:rowId xmlns:a16="http://schemas.microsoft.com/office/drawing/2014/main" val="10004"/>
-                  </a:ext>
-                </a:extLst>
               </a:tr>
               <a:tr h="515135">
                 <a:tc>
@@ -12273,7 +12483,7 @@
                     <a:lstStyle/>
                     <a:p>
                       <a:r>
-                        <a:rPr lang="en-US" sz="2800" b="1" dirty="0"/>
+                        <a:rPr lang="en-US" sz="2800" b="1" dirty="0" smtClean="0"/>
                         <a:t>4</a:t>
                       </a:r>
                       <a:endParaRPr lang="en-IN" sz="2800" b="1" dirty="0"/>
@@ -12288,7 +12498,7 @@
                     <a:p>
                       <a:pPr rtl="0"/>
                       <a:r>
-                        <a:rPr lang="en-US" sz="2800" b="1" dirty="0"/>
+                        <a:rPr lang="en-US" sz="2800" b="1" dirty="0" smtClean="0"/>
                         <a:t>10</a:t>
                       </a:r>
                       <a:endParaRPr lang="en-IN" sz="2800" b="1" dirty="0"/>
@@ -12302,7 +12512,7 @@
                     <a:lstStyle/>
                     <a:p>
                       <a:r>
-                        <a:rPr lang="en-US" sz="2800" b="1" dirty="0"/>
+                        <a:rPr lang="en-US" sz="2800" b="1" dirty="0" smtClean="0"/>
                         <a:t>(25,14)</a:t>
                       </a:r>
                       <a:endParaRPr lang="en-IN" sz="2800" b="1" dirty="0"/>
@@ -12310,11 +12520,6 @@
                   </a:txBody>
                   <a:tcPr/>
                 </a:tc>
-                <a:extLst>
-                  <a:ext uri="{0D108BD9-81ED-4DB2-BD59-A6C34878D82A}">
-                    <a16:rowId xmlns:a16="http://schemas.microsoft.com/office/drawing/2014/main" val="10005"/>
-                  </a:ext>
-                </a:extLst>
               </a:tr>
               <a:tr h="515135">
                 <a:tc>
@@ -12323,7 +12528,7 @@
                     <a:lstStyle/>
                     <a:p>
                       <a:r>
-                        <a:rPr lang="en-US" sz="2800" b="1" dirty="0"/>
+                        <a:rPr lang="en-US" sz="2800" b="1" dirty="0" smtClean="0"/>
                         <a:t>5</a:t>
                       </a:r>
                       <a:endParaRPr lang="en-IN" sz="2800" b="1" dirty="0"/>
@@ -12338,7 +12543,7 @@
                     <a:p>
                       <a:pPr rtl="0"/>
                       <a:r>
-                        <a:rPr lang="en-US" sz="2800" b="1" dirty="0"/>
+                        <a:rPr lang="en-US" sz="2800" b="1" dirty="0" smtClean="0"/>
                         <a:t>6</a:t>
                       </a:r>
                       <a:endParaRPr lang="en-IN" sz="2800" b="1" dirty="0"/>
@@ -12352,7 +12557,7 @@
                     <a:lstStyle/>
                     <a:p>
                       <a:r>
-                        <a:rPr lang="en-US" sz="2800" b="1" dirty="0"/>
+                        <a:rPr lang="en-US" sz="2800" b="1" dirty="0" smtClean="0"/>
                         <a:t>(26,15)</a:t>
                       </a:r>
                       <a:endParaRPr lang="en-IN" sz="2800" b="1" dirty="0"/>
@@ -12360,11 +12565,6 @@
                   </a:txBody>
                   <a:tcPr/>
                 </a:tc>
-                <a:extLst>
-                  <a:ext uri="{0D108BD9-81ED-4DB2-BD59-A6C34878D82A}">
-                    <a16:rowId xmlns:a16="http://schemas.microsoft.com/office/drawing/2014/main" val="10006"/>
-                  </a:ext>
-                </a:extLst>
               </a:tr>
               <a:tr h="515135">
                 <a:tc>
@@ -12373,7 +12573,7 @@
                     <a:lstStyle/>
                     <a:p>
                       <a:r>
-                        <a:rPr lang="en-US" sz="2800" b="1" dirty="0"/>
+                        <a:rPr lang="en-US" sz="2800" b="1" dirty="0" smtClean="0"/>
                         <a:t>6</a:t>
                       </a:r>
                       <a:endParaRPr lang="en-IN" sz="2800" b="1" dirty="0"/>
@@ -12388,7 +12588,7 @@
                     <a:p>
                       <a:pPr rtl="0"/>
                       <a:r>
-                        <a:rPr lang="en-US" sz="2800" b="1" dirty="0"/>
+                        <a:rPr lang="en-US" sz="2800" b="1" dirty="0" smtClean="0"/>
                         <a:t>2</a:t>
                       </a:r>
                       <a:endParaRPr lang="en-IN" sz="2800" b="1" dirty="0"/>
@@ -12402,7 +12602,7 @@
                     <a:lstStyle/>
                     <a:p>
                       <a:r>
-                        <a:rPr lang="en-US" sz="2800" b="1" dirty="0"/>
+                        <a:rPr lang="en-US" sz="2800" b="1" dirty="0" smtClean="0"/>
                         <a:t>(27,16)</a:t>
                       </a:r>
                       <a:endParaRPr lang="en-IN" sz="2800" b="1" dirty="0"/>
@@ -12410,11 +12610,6 @@
                   </a:txBody>
                   <a:tcPr/>
                 </a:tc>
-                <a:extLst>
-                  <a:ext uri="{0D108BD9-81ED-4DB2-BD59-A6C34878D82A}">
-                    <a16:rowId xmlns:a16="http://schemas.microsoft.com/office/drawing/2014/main" val="10007"/>
-                  </a:ext>
-                </a:extLst>
               </a:tr>
               <a:tr h="515135">
                 <a:tc>
@@ -12423,7 +12618,7 @@
                     <a:lstStyle/>
                     <a:p>
                       <a:r>
-                        <a:rPr lang="en-US" sz="2800" b="1" dirty="0"/>
+                        <a:rPr lang="en-US" sz="2800" b="1" dirty="0" smtClean="0"/>
                         <a:t>7</a:t>
                       </a:r>
                       <a:endParaRPr lang="en-IN" sz="2800" b="1" dirty="0"/>
@@ -12438,7 +12633,7 @@
                     <a:p>
                       <a:pPr rtl="0"/>
                       <a:r>
-                        <a:rPr lang="en-US" sz="2800" b="1" dirty="0"/>
+                        <a:rPr lang="en-US" sz="2800" b="1" dirty="0" smtClean="0"/>
                         <a:t>-2</a:t>
                       </a:r>
                       <a:endParaRPr lang="en-IN" sz="2800" b="1" dirty="0"/>
@@ -12452,7 +12647,7 @@
                     <a:lstStyle/>
                     <a:p>
                       <a:r>
-                        <a:rPr lang="en-US" sz="2800" b="1" dirty="0"/>
+                        <a:rPr lang="en-US" sz="2800" b="1" dirty="0" smtClean="0"/>
                         <a:t>(28,16)</a:t>
                       </a:r>
                       <a:endParaRPr lang="en-IN" sz="2800" b="1" dirty="0"/>
@@ -12460,11 +12655,6 @@
                   </a:txBody>
                   <a:tcPr/>
                 </a:tc>
-                <a:extLst>
-                  <a:ext uri="{0D108BD9-81ED-4DB2-BD59-A6C34878D82A}">
-                    <a16:rowId xmlns:a16="http://schemas.microsoft.com/office/drawing/2014/main" val="10008"/>
-                  </a:ext>
-                </a:extLst>
               </a:tr>
               <a:tr h="515135">
                 <a:tc>
@@ -12473,7 +12663,7 @@
                     <a:lstStyle/>
                     <a:p>
                       <a:r>
-                        <a:rPr lang="en-US" sz="2800" b="1" dirty="0"/>
+                        <a:rPr lang="en-US" sz="2800" b="1" dirty="0" smtClean="0"/>
                         <a:t>8</a:t>
                       </a:r>
                       <a:endParaRPr lang="en-IN" sz="2800" b="1" dirty="0"/>
@@ -12488,7 +12678,7 @@
                     <a:p>
                       <a:pPr rtl="0"/>
                       <a:r>
-                        <a:rPr lang="en-US" sz="2800" b="1" dirty="0"/>
+                        <a:rPr lang="en-US" sz="2800" b="1" dirty="0" smtClean="0"/>
                         <a:t>14</a:t>
                       </a:r>
                       <a:endParaRPr lang="en-IN" sz="2800" b="1" dirty="0"/>
@@ -12502,7 +12692,7 @@
                     <a:lstStyle/>
                     <a:p>
                       <a:r>
-                        <a:rPr lang="en-US" sz="2800" b="1" dirty="0"/>
+                        <a:rPr lang="en-US" sz="2800" b="1" dirty="0" smtClean="0"/>
                         <a:t>(29,17)</a:t>
                       </a:r>
                       <a:endParaRPr lang="en-IN" sz="2800" b="1" dirty="0"/>
@@ -12510,11 +12700,6 @@
                   </a:txBody>
                   <a:tcPr/>
                 </a:tc>
-                <a:extLst>
-                  <a:ext uri="{0D108BD9-81ED-4DB2-BD59-A6C34878D82A}">
-                    <a16:rowId xmlns:a16="http://schemas.microsoft.com/office/drawing/2014/main" val="10009"/>
-                  </a:ext>
-                </a:extLst>
               </a:tr>
               <a:tr h="515135">
                 <a:tc>
@@ -12523,7 +12708,7 @@
                     <a:lstStyle/>
                     <a:p>
                       <a:r>
-                        <a:rPr lang="en-US" sz="2800" b="1" dirty="0"/>
+                        <a:rPr lang="en-US" sz="2800" b="1" dirty="0" smtClean="0"/>
                         <a:t>9</a:t>
                       </a:r>
                       <a:endParaRPr lang="en-IN" sz="2800" b="1" dirty="0"/>
@@ -12538,7 +12723,7 @@
                     <a:p>
                       <a:pPr rtl="0"/>
                       <a:r>
-                        <a:rPr lang="en-US" sz="2800" b="1" dirty="0"/>
+                        <a:rPr lang="en-US" sz="2800" b="1" dirty="0" smtClean="0"/>
                         <a:t>10</a:t>
                       </a:r>
                       <a:endParaRPr lang="en-IN" sz="2800" b="1" dirty="0"/>
@@ -12552,7 +12737,7 @@
                     <a:lstStyle/>
                     <a:p>
                       <a:r>
-                        <a:rPr lang="en-US" sz="2800" b="1" dirty="0"/>
+                        <a:rPr lang="en-US" sz="2800" b="1" dirty="0" smtClean="0"/>
                         <a:t>(30,18)</a:t>
                       </a:r>
                       <a:endParaRPr lang="en-IN" sz="2800" b="1" dirty="0"/>
@@ -12560,11 +12745,6 @@
                   </a:txBody>
                   <a:tcPr/>
                 </a:tc>
-                <a:extLst>
-                  <a:ext uri="{0D108BD9-81ED-4DB2-BD59-A6C34878D82A}">
-                    <a16:rowId xmlns:a16="http://schemas.microsoft.com/office/drawing/2014/main" val="10010"/>
-                  </a:ext>
-                </a:extLst>
               </a:tr>
             </a:tbl>
           </a:graphicData>
@@ -12659,7 +12839,7 @@
           <a:p>
             <a:fld id="{05190342-4B9B-469C-95E6-69C4A5602AC9}" type="datetime1">
               <a:rPr lang="en-US" smtClean="0"/>
-              <a:t>8/11/2021</a:t>
+              <a:t>8/26/2020</a:t>
             </a:fld>
             <a:endParaRPr lang="en-US"/>
           </a:p>
@@ -12681,9 +12861,10 @@
           <a:lstStyle/>
           <a:p>
             <a:r>
-              <a:rPr lang="en-US"/>
+              <a:rPr lang="en-US" smtClean="0"/>
               <a:t>2018 - 2022 </a:t>
             </a:r>
+            <a:endParaRPr lang="en-US"/>
           </a:p>
         </p:txBody>
       </p:sp>
@@ -12721,6 +12902,13 @@
   <p:clrMapOvr>
     <a:masterClrMapping/>
   </p:clrMapOvr>
+  <p:timing>
+    <p:tnLst>
+      <p:par>
+        <p:cTn id="1" dur="indefinite" restart="never" nodeType="tmRoot"/>
+      </p:par>
+    </p:tnLst>
+  </p:timing>
 </p:sld>
 </file>
 
@@ -12830,7 +13018,7 @@
           <a:p>
             <a:fld id="{B3DC7679-3D56-4692-B548-99BEBFEC9049}" type="datetime1">
               <a:rPr lang="en-US" smtClean="0"/>
-              <a:t>8/11/2021</a:t>
+              <a:t>8/26/2020</a:t>
             </a:fld>
             <a:endParaRPr lang="en-US"/>
           </a:p>
@@ -12852,9 +13040,10 @@
           <a:lstStyle/>
           <a:p>
             <a:r>
-              <a:rPr lang="en-US"/>
+              <a:rPr lang="en-US" smtClean="0"/>
               <a:t>2018 - 2022 </a:t>
             </a:r>
+            <a:endParaRPr lang="en-US"/>
           </a:p>
         </p:txBody>
       </p:sp>
@@ -12892,6 +13081,13 @@
   <p:clrMapOvr>
     <a:masterClrMapping/>
   </p:clrMapOvr>
+  <p:timing>
+    <p:tnLst>
+      <p:par>
+        <p:cTn id="1" dur="indefinite" restart="never" nodeType="tmRoot"/>
+      </p:par>
+    </p:tnLst>
+  </p:timing>
 </p:sld>
 </file>
 
@@ -12935,7 +13131,7 @@
           <a:lstStyle/>
           <a:p>
             <a:r>
-              <a:rPr lang="en-US" sz="3600" b="1" dirty="0"/>
+              <a:rPr lang="en-US" sz="3600" b="1" dirty="0" smtClean="0"/>
               <a:t>Advantages of  </a:t>
             </a:r>
             <a:r>
@@ -12944,7 +13140,11 @@
             </a:r>
             <a:r>
               <a:rPr lang="en-US" sz="3600" b="1" dirty="0"/>
-              <a:t> Line drawing algorithm</a:t>
+              <a:t> Line </a:t>
+            </a:r>
+            <a:r>
+              <a:rPr lang="en-US" sz="3600" b="1" dirty="0" smtClean="0"/>
+              <a:t>drawing algorithm</a:t>
             </a:r>
             <a:endParaRPr lang="en-IN" sz="3600" b="1" dirty="0"/>
           </a:p>
@@ -12976,10 +13176,16 @@
               <a:buNone/>
             </a:pPr>
             <a:r>
+              <a:rPr lang="en-IN" b="1" u="sng" dirty="0" smtClean="0">
+                <a:hlinkClick r:id="rId2"/>
+              </a:rPr>
+              <a:t>Disadvantage </a:t>
+            </a:r>
+            <a:r>
               <a:rPr lang="en-IN" b="1" u="sng" dirty="0">
                 <a:hlinkClick r:id="rId2"/>
               </a:rPr>
-              <a:t>Disadvantage of DDA:</a:t>
+              <a:t>of DDA:</a:t>
             </a:r>
             <a:endParaRPr lang="en-IN" b="1" dirty="0"/>
           </a:p>
@@ -13019,14 +13225,34 @@
                   <a:srgbClr val="0070C0"/>
                 </a:solidFill>
               </a:rPr>
-              <a:t> line drawing algorithm.</a:t>
+              <a:t> line drawing algorithm</a:t>
+            </a:r>
+            <a:r>
+              <a:rPr lang="en-IN" sz="2900" b="1" u="sng" dirty="0" smtClean="0">
+                <a:solidFill>
+                  <a:srgbClr val="0070C0"/>
+                </a:solidFill>
+              </a:rPr>
+              <a:t>.</a:t>
+            </a:r>
+            <a:r>
+              <a:rPr lang="en-IN" dirty="0"/>
+              <a:t/>
             </a:r>
             <a:br>
               <a:rPr lang="en-IN" dirty="0"/>
             </a:br>
+            <a:r>
+              <a:rPr lang="en-IN" dirty="0"/>
+              <a:t/>
+            </a:r>
             <a:br>
               <a:rPr lang="en-IN" dirty="0"/>
             </a:br>
+            <a:r>
+              <a:rPr lang="en-IN" dirty="0"/>
+              <a:t/>
+            </a:r>
             <a:br>
               <a:rPr lang="en-IN" dirty="0"/>
             </a:br>
@@ -13059,9 +13285,17 @@
             <a:br>
               <a:rPr lang="en-IN" dirty="0"/>
             </a:br>
+            <a:r>
+              <a:rPr lang="en-IN" dirty="0"/>
+              <a:t/>
+            </a:r>
             <a:br>
               <a:rPr lang="en-IN" dirty="0"/>
             </a:br>
+            <a:r>
+              <a:rPr lang="en-IN" dirty="0"/>
+              <a:t/>
+            </a:r>
             <a:br>
               <a:rPr lang="en-IN" dirty="0"/>
             </a:br>
@@ -13102,6 +13336,10 @@
             <a:br>
               <a:rPr lang="en-IN" dirty="0"/>
             </a:br>
+            <a:r>
+              <a:rPr lang="en-IN" dirty="0"/>
+              <a:t/>
+            </a:r>
             <a:br>
               <a:rPr lang="en-IN" dirty="0"/>
             </a:br>
@@ -13115,7 +13353,11 @@
             </a:r>
             <a:r>
               <a:rPr lang="en-IN" dirty="0"/>
-              <a:t> algorithm, so to draw smooth lines, you'd want to look into a different algorithm.</a:t>
+              <a:t> algorithm, so to draw smooth lines, you'd want to look into a different algorithm</a:t>
+            </a:r>
+            <a:r>
+              <a:rPr lang="en-IN" dirty="0" smtClean="0"/>
+              <a:t>.</a:t>
             </a:r>
           </a:p>
           <a:p>
@@ -13146,7 +13388,7 @@
           <a:p>
             <a:fld id="{211135BB-A99B-4743-819B-40901D1FB47F}" type="datetime1">
               <a:rPr lang="en-US" smtClean="0"/>
-              <a:t>8/11/2021</a:t>
+              <a:t>8/26/2020</a:t>
             </a:fld>
             <a:endParaRPr lang="en-US"/>
           </a:p>
@@ -13168,9 +13410,10 @@
           <a:lstStyle/>
           <a:p>
             <a:r>
-              <a:rPr lang="en-US"/>
+              <a:rPr lang="en-US" smtClean="0"/>
               <a:t>2018 - 2022 </a:t>
             </a:r>
+            <a:endParaRPr lang="en-US"/>
           </a:p>
         </p:txBody>
       </p:sp>
@@ -13208,6 +13451,13 @@
   <p:clrMapOvr>
     <a:masterClrMapping/>
   </p:clrMapOvr>
+  <p:timing>
+    <p:tnLst>
+      <p:par>
+        <p:cTn id="1" dur="indefinite" restart="never" nodeType="tmRoot"/>
+      </p:par>
+    </p:tnLst>
+  </p:timing>
 </p:sld>
 </file>
 
@@ -13457,10 +13707,14 @@
               </a:rPr>
               <a:t> line drawing algorithm.</a:t>
             </a:r>
+            <a:r>
+              <a:rPr lang="en-IN" sz="2000" dirty="0"/>
+              <a:t/>
+            </a:r>
             <a:br>
               <a:rPr lang="en-IN" sz="2000" dirty="0"/>
             </a:br>
-            <a:endParaRPr kumimoji="0" lang="en-US" altLang="en-US" sz="2000" b="0" i="0" u="none" strike="noStrike" cap="none" normalizeH="0" baseline="0" dirty="0">
+            <a:endParaRPr kumimoji="0" lang="en-US" altLang="en-US" sz="2000" b="0" i="0" u="none" strike="noStrike" cap="none" normalizeH="0" baseline="0" dirty="0" smtClean="0">
               <a:ln>
                 <a:noFill/>
               </a:ln>
@@ -13489,7 +13743,7 @@
               <a:tabLst/>
             </a:pPr>
             <a:r>
-              <a:rPr kumimoji="0" lang="en-US" altLang="en-US" sz="2000" b="0" i="0" u="none" strike="noStrike" cap="none" normalizeH="0" baseline="0" dirty="0">
+              <a:rPr kumimoji="0" lang="en-US" altLang="en-US" sz="2000" b="0" i="0" u="none" strike="noStrike" cap="none" normalizeH="0" baseline="0" dirty="0" smtClean="0">
                 <a:ln>
                   <a:noFill/>
                 </a:ln>
@@ -13502,7 +13756,7 @@
               <a:t>The advantages of </a:t>
             </a:r>
             <a:r>
-              <a:rPr kumimoji="0" lang="en-US" altLang="en-US" sz="2000" b="0" i="0" u="none" strike="noStrike" cap="none" normalizeH="0" baseline="0" dirty="0" err="1">
+              <a:rPr kumimoji="0" lang="en-US" altLang="en-US" sz="2000" b="0" i="0" u="none" strike="noStrike" cap="none" normalizeH="0" baseline="0" dirty="0" err="1" smtClean="0">
                 <a:ln>
                   <a:noFill/>
                 </a:ln>
@@ -13515,7 +13769,7 @@
               <a:t>Bresenham</a:t>
             </a:r>
             <a:r>
-              <a:rPr kumimoji="0" lang="en-US" altLang="en-US" sz="2000" b="0" i="0" u="none" strike="noStrike" cap="none" normalizeH="0" baseline="0" dirty="0">
+              <a:rPr kumimoji="0" lang="en-US" altLang="en-US" sz="2000" b="0" i="0" u="none" strike="noStrike" cap="none" normalizeH="0" baseline="0" dirty="0" smtClean="0">
                 <a:ln>
                   <a:noFill/>
                 </a:ln>
@@ -13527,7 +13781,7 @@
               </a:rPr>
               <a:t> Line Drawing Algorithm are-</a:t>
             </a:r>
-            <a:endParaRPr kumimoji="0" lang="en-US" altLang="en-US" sz="1200" b="0" i="0" u="none" strike="noStrike" cap="none" normalizeH="0" baseline="0" dirty="0">
+            <a:endParaRPr kumimoji="0" lang="en-US" altLang="en-US" sz="1200" b="0" i="0" u="none" strike="noStrike" cap="none" normalizeH="0" baseline="0" dirty="0" smtClean="0">
               <a:ln>
                 <a:noFill/>
               </a:ln>
@@ -13556,7 +13810,7 @@
               <a:tabLst/>
             </a:pPr>
             <a:r>
-              <a:rPr kumimoji="0" lang="en-US" altLang="en-US" sz="2000" b="0" i="0" u="none" strike="noStrike" cap="none" normalizeH="0" baseline="0" dirty="0">
+              <a:rPr kumimoji="0" lang="en-US" altLang="en-US" sz="2000" b="0" i="0" u="none" strike="noStrike" cap="none" normalizeH="0" baseline="0" dirty="0" smtClean="0">
                 <a:ln>
                   <a:noFill/>
                 </a:ln>
@@ -13588,7 +13842,7 @@
               <a:tabLst/>
             </a:pPr>
             <a:r>
-              <a:rPr kumimoji="0" lang="en-US" altLang="en-US" sz="2000" b="0" i="0" u="none" strike="noStrike" cap="none" normalizeH="0" baseline="0" dirty="0">
+              <a:rPr kumimoji="0" lang="en-US" altLang="en-US" sz="2000" b="0" i="0" u="none" strike="noStrike" cap="none" normalizeH="0" baseline="0" dirty="0" smtClean="0">
                 <a:ln>
                   <a:noFill/>
                 </a:ln>
@@ -13620,7 +13874,7 @@
               <a:tabLst/>
             </a:pPr>
             <a:r>
-              <a:rPr kumimoji="0" lang="en-US" altLang="en-US" sz="2000" b="0" i="0" u="none" strike="noStrike" cap="none" normalizeH="0" baseline="0" dirty="0">
+              <a:rPr kumimoji="0" lang="en-US" altLang="en-US" sz="2000" b="0" i="0" u="none" strike="noStrike" cap="none" normalizeH="0" baseline="0" dirty="0" smtClean="0">
                 <a:ln>
                   <a:noFill/>
                 </a:ln>
@@ -13652,7 +13906,7 @@
               <a:tabLst/>
             </a:pPr>
             <a:r>
-              <a:rPr kumimoji="0" lang="en-US" altLang="en-US" sz="2000" b="0" i="0" u="none" strike="noStrike" cap="none" normalizeH="0" baseline="0" dirty="0">
+              <a:rPr kumimoji="0" lang="en-US" altLang="en-US" sz="2000" b="0" i="0" u="none" strike="noStrike" cap="none" normalizeH="0" baseline="0" dirty="0" smtClean="0">
                 <a:ln>
                   <a:noFill/>
                 </a:ln>
@@ -13684,7 +13938,7 @@
               <a:tabLst/>
             </a:pPr>
             <a:r>
-              <a:rPr kumimoji="0" lang="en-US" altLang="en-US" sz="2000" b="0" i="0" u="none" strike="noStrike" cap="none" normalizeH="0" baseline="0" dirty="0">
+              <a:rPr kumimoji="0" lang="en-US" altLang="en-US" sz="2000" b="0" i="0" u="none" strike="noStrike" cap="none" normalizeH="0" baseline="0" dirty="0" smtClean="0">
                 <a:ln>
                   <a:noFill/>
                 </a:ln>
@@ -13716,7 +13970,7 @@
               <a:tabLst/>
             </a:pPr>
             <a:r>
-              <a:rPr kumimoji="0" lang="en-US" altLang="en-US" sz="2000" b="0" i="0" u="none" strike="noStrike" cap="none" normalizeH="0" baseline="0" dirty="0">
+              <a:rPr kumimoji="0" lang="en-US" altLang="en-US" sz="2000" b="0" i="0" u="none" strike="noStrike" cap="none" normalizeH="0" baseline="0" dirty="0" smtClean="0">
                 <a:ln>
                   <a:noFill/>
                 </a:ln>
@@ -13729,7 +13983,7 @@
               </a:rPr>
               <a:t> </a:t>
             </a:r>
-            <a:endParaRPr kumimoji="0" lang="en-US" altLang="en-US" sz="2400" b="1" i="0" u="none" strike="noStrike" cap="none" normalizeH="0" baseline="0" dirty="0">
+            <a:endParaRPr kumimoji="0" lang="en-US" altLang="en-US" sz="2400" b="1" i="0" u="none" strike="noStrike" cap="none" normalizeH="0" baseline="0" dirty="0" smtClean="0">
               <a:ln>
                 <a:noFill/>
               </a:ln>
@@ -13759,7 +14013,7 @@
               <a:tabLst/>
             </a:pPr>
             <a:r>
-              <a:rPr kumimoji="0" lang="en-US" altLang="en-US" sz="2400" b="1" i="0" u="sng" strike="noStrike" cap="none" normalizeH="0" baseline="0" dirty="0">
+              <a:rPr kumimoji="0" lang="en-US" altLang="en-US" sz="2400" b="1" i="0" u="sng" strike="noStrike" cap="none" normalizeH="0" baseline="0" dirty="0" smtClean="0">
                 <a:ln>
                   <a:noFill/>
                 </a:ln>
@@ -13773,7 +14027,7 @@
               <a:t>Disadvantages of </a:t>
             </a:r>
             <a:r>
-              <a:rPr kumimoji="0" lang="en-US" altLang="en-US" sz="2400" b="1" i="0" u="sng" strike="noStrike" cap="none" normalizeH="0" baseline="0" dirty="0" err="1">
+              <a:rPr kumimoji="0" lang="en-US" altLang="en-US" sz="2400" b="1" i="0" u="sng" strike="noStrike" cap="none" normalizeH="0" baseline="0" dirty="0" err="1" smtClean="0">
                 <a:ln>
                   <a:noFill/>
                 </a:ln>
@@ -13787,7 +14041,7 @@
               <a:t>Bresenham</a:t>
             </a:r>
             <a:r>
-              <a:rPr kumimoji="0" lang="en-US" altLang="en-US" sz="2400" b="1" i="0" u="sng" strike="noStrike" cap="none" normalizeH="0" baseline="0" dirty="0">
+              <a:rPr kumimoji="0" lang="en-US" altLang="en-US" sz="2400" b="1" i="0" u="sng" strike="noStrike" cap="none" normalizeH="0" baseline="0" dirty="0" smtClean="0">
                 <a:ln>
                   <a:noFill/>
                 </a:ln>
@@ -13800,7 +14054,7 @@
               </a:rPr>
               <a:t> Line Drawing Algorithm-</a:t>
             </a:r>
-            <a:endParaRPr kumimoji="0" lang="en-US" altLang="en-US" sz="2400" b="1" i="0" u="none" strike="noStrike" cap="none" normalizeH="0" baseline="0" dirty="0">
+            <a:endParaRPr kumimoji="0" lang="en-US" altLang="en-US" sz="2400" b="1" i="0" u="none" strike="noStrike" cap="none" normalizeH="0" baseline="0" dirty="0" smtClean="0">
               <a:ln>
                 <a:noFill/>
               </a:ln>
@@ -13830,7 +14084,7 @@
               <a:tabLst/>
             </a:pPr>
             <a:r>
-              <a:rPr kumimoji="0" lang="en-US" altLang="en-US" sz="2000" b="0" i="0" u="none" strike="noStrike" cap="none" normalizeH="0" baseline="0" dirty="0">
+              <a:rPr kumimoji="0" lang="en-US" altLang="en-US" sz="2000" b="0" i="0" u="none" strike="noStrike" cap="none" normalizeH="0" baseline="0" dirty="0" smtClean="0">
                 <a:ln>
                   <a:noFill/>
                 </a:ln>
@@ -13843,7 +14097,7 @@
               </a:rPr>
               <a:t> </a:t>
             </a:r>
-            <a:endParaRPr kumimoji="0" lang="en-US" altLang="en-US" sz="1200" b="0" i="0" u="none" strike="noStrike" cap="none" normalizeH="0" baseline="0" dirty="0">
+            <a:endParaRPr kumimoji="0" lang="en-US" altLang="en-US" sz="1200" b="0" i="0" u="none" strike="noStrike" cap="none" normalizeH="0" baseline="0" dirty="0" smtClean="0">
               <a:ln>
                 <a:noFill/>
               </a:ln>
@@ -13872,7 +14126,7 @@
               <a:tabLst/>
             </a:pPr>
             <a:r>
-              <a:rPr kumimoji="0" lang="en-US" altLang="en-US" sz="2000" b="0" i="0" u="none" strike="noStrike" cap="none" normalizeH="0" baseline="0" dirty="0">
+              <a:rPr kumimoji="0" lang="en-US" altLang="en-US" sz="2000" b="0" i="0" u="none" strike="noStrike" cap="none" normalizeH="0" baseline="0" dirty="0" smtClean="0">
                 <a:ln>
                   <a:noFill/>
                 </a:ln>
@@ -13886,7 +14140,7 @@
               <a:t>The disadvantages of </a:t>
             </a:r>
             <a:r>
-              <a:rPr kumimoji="0" lang="en-US" altLang="en-US" sz="2000" b="0" i="0" u="none" strike="noStrike" cap="none" normalizeH="0" baseline="0" dirty="0" err="1">
+              <a:rPr kumimoji="0" lang="en-US" altLang="en-US" sz="2000" b="0" i="0" u="none" strike="noStrike" cap="none" normalizeH="0" baseline="0" dirty="0" err="1" smtClean="0">
                 <a:ln>
                   <a:noFill/>
                 </a:ln>
@@ -13900,7 +14154,7 @@
               <a:t>Bresenham</a:t>
             </a:r>
             <a:r>
-              <a:rPr kumimoji="0" lang="en-US" altLang="en-US" sz="2000" b="0" i="0" u="none" strike="noStrike" cap="none" normalizeH="0" baseline="0" dirty="0">
+              <a:rPr kumimoji="0" lang="en-US" altLang="en-US" sz="2000" b="0" i="0" u="none" strike="noStrike" cap="none" normalizeH="0" baseline="0" dirty="0" smtClean="0">
                 <a:ln>
                   <a:noFill/>
                 </a:ln>
@@ -13913,7 +14167,7 @@
               </a:rPr>
               <a:t> Line Drawing Algorithm are-</a:t>
             </a:r>
-            <a:endParaRPr kumimoji="0" lang="en-US" altLang="en-US" sz="1200" b="0" i="0" u="none" strike="noStrike" cap="none" normalizeH="0" baseline="0" dirty="0">
+            <a:endParaRPr kumimoji="0" lang="en-US" altLang="en-US" sz="1200" b="0" i="0" u="none" strike="noStrike" cap="none" normalizeH="0" baseline="0" dirty="0" smtClean="0">
               <a:ln>
                 <a:noFill/>
               </a:ln>
@@ -13942,7 +14196,7 @@
               <a:tabLst/>
             </a:pPr>
             <a:r>
-              <a:rPr kumimoji="0" lang="en-US" altLang="en-US" sz="2000" b="0" i="0" u="none" strike="noStrike" cap="none" normalizeH="0" baseline="0" dirty="0">
+              <a:rPr kumimoji="0" lang="en-US" altLang="en-US" sz="2000" b="0" i="0" u="none" strike="noStrike" cap="none" normalizeH="0" baseline="0" dirty="0" smtClean="0">
                 <a:ln>
                   <a:noFill/>
                 </a:ln>
@@ -13974,7 +14228,7 @@
               <a:tabLst/>
             </a:pPr>
             <a:r>
-              <a:rPr kumimoji="0" lang="en-US" altLang="en-US" sz="2000" b="0" i="0" u="none" strike="noStrike" cap="none" normalizeH="0" baseline="0" dirty="0">
+              <a:rPr kumimoji="0" lang="en-US" altLang="en-US" sz="2000" b="0" i="0" u="none" strike="noStrike" cap="none" normalizeH="0" baseline="0" dirty="0" smtClean="0">
                 <a:ln>
                   <a:noFill/>
                 </a:ln>
@@ -14006,7 +14260,7 @@
               <a:tabLst/>
             </a:pPr>
             <a:r>
-              <a:rPr kumimoji="0" lang="en-US" altLang="en-US" sz="2000" b="0" i="0" u="none" strike="noStrike" cap="none" normalizeH="0" baseline="0" dirty="0">
+              <a:rPr kumimoji="0" lang="en-US" altLang="en-US" sz="2000" b="0" i="0" u="none" strike="noStrike" cap="none" normalizeH="0" baseline="0" dirty="0" smtClean="0">
                 <a:ln>
                   <a:noFill/>
                 </a:ln>
@@ -14020,7 +14274,7 @@
               <a:t>It can not handle diminishing </a:t>
             </a:r>
             <a:r>
-              <a:rPr kumimoji="0" lang="en-US" altLang="en-US" sz="2000" b="0" i="0" u="none" strike="noStrike" cap="none" normalizeH="0" baseline="0" dirty="0" err="1">
+              <a:rPr kumimoji="0" lang="en-US" altLang="en-US" sz="2000" b="0" i="0" u="none" strike="noStrike" cap="none" normalizeH="0" baseline="0" dirty="0" err="1" smtClean="0">
                 <a:ln>
                   <a:noFill/>
                 </a:ln>
@@ -14034,7 +14288,7 @@
               <a:t>jaggies</a:t>
             </a:r>
             <a:r>
-              <a:rPr kumimoji="0" lang="en-US" altLang="en-US" sz="2000" b="0" i="0" u="none" strike="noStrike" cap="none" normalizeH="0" baseline="0" dirty="0">
+              <a:rPr kumimoji="0" lang="en-US" altLang="en-US" sz="2000" b="0" i="0" u="none" strike="noStrike" cap="none" normalizeH="0" baseline="0" dirty="0" smtClean="0">
                 <a:ln>
                   <a:noFill/>
                 </a:ln>
@@ -14065,7 +14319,7 @@
               <a:buNone/>
               <a:tabLst/>
             </a:pPr>
-            <a:endParaRPr kumimoji="0" lang="en-US" altLang="en-US" sz="1800" b="0" i="0" u="none" strike="noStrike" cap="none" normalizeH="0" baseline="0" dirty="0">
+            <a:endParaRPr kumimoji="0" lang="en-US" altLang="en-US" sz="1800" b="0" i="0" u="none" strike="noStrike" cap="none" normalizeH="0" baseline="0" dirty="0" smtClean="0">
               <a:ln>
                 <a:noFill/>
               </a:ln>
@@ -14095,7 +14349,7 @@
           <a:p>
             <a:fld id="{D1BAFFAD-EDAB-410E-A0C5-2EF3EBF72606}" type="datetime1">
               <a:rPr lang="en-US" smtClean="0"/>
-              <a:t>8/11/2021</a:t>
+              <a:t>8/26/2020</a:t>
             </a:fld>
             <a:endParaRPr lang="en-US"/>
           </a:p>
@@ -14117,9 +14371,10 @@
           <a:lstStyle/>
           <a:p>
             <a:r>
-              <a:rPr lang="en-US"/>
+              <a:rPr lang="en-US" smtClean="0"/>
               <a:t>2018 - 2022 </a:t>
             </a:r>
+            <a:endParaRPr lang="en-US"/>
           </a:p>
         </p:txBody>
       </p:sp>
@@ -14157,6 +14412,13 @@
   <p:clrMapOvr>
     <a:masterClrMapping/>
   </p:clrMapOvr>
+  <p:timing>
+    <p:tnLst>
+      <p:par>
+        <p:cTn id="1" dur="indefinite" restart="never" nodeType="tmRoot"/>
+      </p:par>
+    </p:tnLst>
+  </p:timing>
 </p:sld>
 </file>
 
@@ -14193,7 +14455,7 @@
           <a:lstStyle/>
           <a:p>
             <a:r>
-              <a:rPr lang="en-US" dirty="0"/>
+              <a:rPr lang="en-US" dirty="0" smtClean="0"/>
               <a:t>Example 2</a:t>
             </a:r>
             <a:endParaRPr lang="en-IN" dirty="0"/>
@@ -14246,7 +14508,7 @@
           <a:p>
             <a:fld id="{7855C229-A6E2-484A-9D67-4E56750C36E0}" type="datetime1">
               <a:rPr lang="en-US" smtClean="0"/>
-              <a:t>8/11/2021</a:t>
+              <a:t>8/26/2020</a:t>
             </a:fld>
             <a:endParaRPr lang="en-US"/>
           </a:p>
@@ -14268,9 +14530,10 @@
           <a:lstStyle/>
           <a:p>
             <a:r>
-              <a:rPr lang="en-US"/>
+              <a:rPr lang="en-US" smtClean="0"/>
               <a:t>2018 - 2022 </a:t>
             </a:r>
+            <a:endParaRPr lang="en-US"/>
           </a:p>
         </p:txBody>
       </p:sp>
@@ -14344,12 +14607,16 @@
           <a:lstStyle/>
           <a:p>
             <a:r>
-              <a:rPr lang="en-IN" dirty="0">
+              <a:rPr lang="en-IN" dirty="0" smtClean="0">
                 <a:latin typeface="Times New Roman" pitchFamily="18" charset="0"/>
                 <a:cs typeface="Times New Roman" pitchFamily="18" charset="0"/>
               </a:rPr>
               <a:t>Line Drawing Algorithms </a:t>
             </a:r>
+            <a:endParaRPr lang="en-IN" dirty="0">
+              <a:latin typeface="Times New Roman" pitchFamily="18" charset="0"/>
+              <a:cs typeface="Times New Roman" pitchFamily="18" charset="0"/>
+            </a:endParaRPr>
           </a:p>
         </p:txBody>
       </p:sp>
@@ -14377,7 +14644,7 @@
           <a:lstStyle/>
           <a:p>
             <a:r>
-              <a:rPr lang="en-US" dirty="0">
+              <a:rPr lang="en-US" dirty="0" smtClean="0">
                 <a:latin typeface="Times New Roman" pitchFamily="18" charset="0"/>
                 <a:cs typeface="Times New Roman" pitchFamily="18" charset="0"/>
               </a:rPr>
@@ -14386,12 +14653,16 @@
           </a:p>
           <a:p>
             <a:r>
-              <a:rPr lang="en-US" dirty="0">
+              <a:rPr lang="en-US" dirty="0" smtClean="0">
                 <a:latin typeface="Times New Roman" pitchFamily="18" charset="0"/>
                 <a:cs typeface="Times New Roman" pitchFamily="18" charset="0"/>
               </a:rPr>
               <a:t>Line drawing algorithms:</a:t>
             </a:r>
+            <a:endParaRPr lang="en-US" dirty="0">
+              <a:latin typeface="Times New Roman" pitchFamily="18" charset="0"/>
+              <a:cs typeface="Times New Roman" pitchFamily="18" charset="0"/>
+            </a:endParaRPr>
           </a:p>
           <a:p>
             <a:pPr lvl="1"/>
@@ -14406,14 +14677,14 @@
           <a:p>
             <a:pPr lvl="1"/>
             <a:r>
-              <a:rPr lang="en-US" b="1" dirty="0" err="1">
+              <a:rPr lang="en-US" b="1" dirty="0" err="1" smtClean="0">
                 <a:latin typeface="Times New Roman" pitchFamily="18" charset="0"/>
                 <a:cs typeface="Times New Roman" pitchFamily="18" charset="0"/>
               </a:rPr>
               <a:t>Bresenham’s</a:t>
             </a:r>
             <a:r>
-              <a:rPr lang="en-US" b="1" dirty="0">
+              <a:rPr lang="en-US" b="1" dirty="0" smtClean="0">
                 <a:latin typeface="Times New Roman" pitchFamily="18" charset="0"/>
                 <a:cs typeface="Times New Roman" pitchFamily="18" charset="0"/>
               </a:rPr>
@@ -14424,14 +14695,14 @@
             <a:pPr marL="0" indent="0">
               <a:buNone/>
             </a:pPr>
-            <a:endParaRPr lang="en-US" b="1" dirty="0">
+            <a:endParaRPr lang="en-US" b="1" dirty="0" smtClean="0">
               <a:latin typeface="Times New Roman" pitchFamily="18" charset="0"/>
               <a:cs typeface="Times New Roman" pitchFamily="18" charset="0"/>
             </a:endParaRPr>
           </a:p>
           <a:p>
             <a:r>
-              <a:rPr lang="en-US" dirty="0">
+              <a:rPr lang="en-US" dirty="0" smtClean="0">
                 <a:latin typeface="Times New Roman" pitchFamily="18" charset="0"/>
                 <a:cs typeface="Times New Roman" pitchFamily="18" charset="0"/>
               </a:rPr>
@@ -14443,20 +14714,20 @@
               <a:buNone/>
             </a:pPr>
             <a:r>
-              <a:rPr lang="en-US" b="1" dirty="0">
+              <a:rPr lang="en-US" b="1" dirty="0" smtClean="0">
                 <a:latin typeface="Times New Roman" pitchFamily="18" charset="0"/>
                 <a:cs typeface="Times New Roman" pitchFamily="18" charset="0"/>
               </a:rPr>
               <a:t>y=</a:t>
             </a:r>
             <a:r>
-              <a:rPr lang="en-US" b="1" dirty="0" err="1">
+              <a:rPr lang="en-US" b="1" dirty="0" err="1" smtClean="0">
                 <a:latin typeface="Times New Roman" pitchFamily="18" charset="0"/>
                 <a:cs typeface="Times New Roman" pitchFamily="18" charset="0"/>
               </a:rPr>
               <a:t>mx+c</a:t>
             </a:r>
-            <a:endParaRPr lang="en-US" b="1" dirty="0">
+            <a:endParaRPr lang="en-US" b="1" dirty="0" smtClean="0">
               <a:latin typeface="Times New Roman" pitchFamily="18" charset="0"/>
               <a:cs typeface="Times New Roman" pitchFamily="18" charset="0"/>
             </a:endParaRPr>
@@ -14466,35 +14737,35 @@
               <a:buNone/>
             </a:pPr>
             <a:r>
-              <a:rPr lang="en-US" dirty="0">
+              <a:rPr lang="en-US" dirty="0" smtClean="0">
                 <a:latin typeface="Times New Roman" pitchFamily="18" charset="0"/>
                 <a:cs typeface="Times New Roman" pitchFamily="18" charset="0"/>
               </a:rPr>
               <a:t>Where, </a:t>
             </a:r>
             <a:r>
-              <a:rPr lang="en-US" b="1" dirty="0">
+              <a:rPr lang="en-US" b="1" dirty="0" smtClean="0">
                 <a:latin typeface="Times New Roman" pitchFamily="18" charset="0"/>
                 <a:cs typeface="Times New Roman" pitchFamily="18" charset="0"/>
               </a:rPr>
               <a:t>m</a:t>
             </a:r>
             <a:r>
-              <a:rPr lang="en-US" dirty="0">
+              <a:rPr lang="en-US" dirty="0" smtClean="0">
                 <a:latin typeface="Times New Roman" pitchFamily="18" charset="0"/>
                 <a:cs typeface="Times New Roman" pitchFamily="18" charset="0"/>
               </a:rPr>
               <a:t> is the slope , </a:t>
             </a:r>
             <a:r>
-              <a:rPr lang="en-US" b="1" dirty="0">
+              <a:rPr lang="en-US" b="1" dirty="0" smtClean="0">
                 <a:latin typeface="Times New Roman" pitchFamily="18" charset="0"/>
                 <a:cs typeface="Times New Roman" pitchFamily="18" charset="0"/>
               </a:rPr>
               <a:t>c</a:t>
             </a:r>
             <a:r>
-              <a:rPr lang="en-US" dirty="0">
+              <a:rPr lang="en-US" dirty="0" smtClean="0">
                 <a:latin typeface="Times New Roman" pitchFamily="18" charset="0"/>
                 <a:cs typeface="Times New Roman" pitchFamily="18" charset="0"/>
               </a:rPr>
@@ -14524,7 +14795,7 @@
           <a:p>
             <a:fld id="{0F053819-1B05-45A2-A835-BA09798DFFDA}" type="datetime1">
               <a:rPr lang="en-US" smtClean="0"/>
-              <a:t>8/11/2021</a:t>
+              <a:t>8/26/2020</a:t>
             </a:fld>
             <a:endParaRPr lang="en-US"/>
           </a:p>
@@ -14546,9 +14817,10 @@
           <a:lstStyle/>
           <a:p>
             <a:r>
-              <a:rPr lang="en-US"/>
+              <a:rPr lang="en-US" smtClean="0"/>
               <a:t>2018 - 2022 </a:t>
             </a:r>
+            <a:endParaRPr lang="en-US"/>
           </a:p>
         </p:txBody>
       </p:sp>
@@ -14586,6 +14858,13 @@
   <p:clrMapOvr>
     <a:masterClrMapping/>
   </p:clrMapOvr>
+  <p:timing>
+    <p:tnLst>
+      <p:par>
+        <p:cTn id="1" dur="indefinite" restart="never" nodeType="tmRoot"/>
+      </p:par>
+    </p:tnLst>
+  </p:timing>
 </p:sld>
 </file>
 
@@ -14622,7 +14901,7 @@
           <a:lstStyle/>
           <a:p>
             <a:r>
-              <a:rPr lang="en-US" dirty="0"/>
+              <a:rPr lang="en-US" dirty="0" smtClean="0"/>
               <a:t>Example 2-cont…</a:t>
             </a:r>
             <a:endParaRPr lang="en-IN" dirty="0"/>
@@ -14713,7 +14992,7 @@
           <a:p>
             <a:fld id="{790F1541-8605-4549-856D-686DA7AC825D}" type="datetime1">
               <a:rPr lang="en-US" smtClean="0"/>
-              <a:t>8/11/2021</a:t>
+              <a:t>8/26/2020</a:t>
             </a:fld>
             <a:endParaRPr lang="en-US"/>
           </a:p>
@@ -14735,9 +15014,10 @@
           <a:lstStyle/>
           <a:p>
             <a:r>
-              <a:rPr lang="en-US"/>
+              <a:rPr lang="en-US" smtClean="0"/>
               <a:t>2018 - 2022 </a:t>
             </a:r>
+            <a:endParaRPr lang="en-US"/>
           </a:p>
         </p:txBody>
       </p:sp>
@@ -14833,9 +15113,15 @@
               <a:rPr lang="en-IN" dirty="0">
                 <a:hlinkClick r:id="rId2"/>
               </a:rPr>
-              <a:t>https://developerinsider.co/download-turbo-c-for-windows-7-8-8-1-and-windows-10-32-64-bit-full-screen/</a:t>
-            </a:r>
-            <a:endParaRPr lang="en-IN" dirty="0"/>
+              <a:t>https://developerinsider.co/download-turbo-c-for-windows-7-8-8-1-and-windows-10-32-64-bit-full-screen</a:t>
+            </a:r>
+            <a:r>
+              <a:rPr lang="en-IN" dirty="0" smtClean="0">
+                <a:hlinkClick r:id="rId2"/>
+              </a:rPr>
+              <a:t>/</a:t>
+            </a:r>
+            <a:endParaRPr lang="en-IN" dirty="0" smtClean="0"/>
           </a:p>
           <a:p>
             <a:r>
@@ -14874,7 +15160,7 @@
           <a:p>
             <a:fld id="{20594270-1D8C-4B8D-8B3F-17B2BEFF1E91}" type="datetime1">
               <a:rPr lang="en-US" smtClean="0"/>
-              <a:t>8/11/2021</a:t>
+              <a:t>8/26/2020</a:t>
             </a:fld>
             <a:endParaRPr lang="en-US"/>
           </a:p>
@@ -14896,9 +15182,10 @@
           <a:lstStyle/>
           <a:p>
             <a:r>
-              <a:rPr lang="en-US"/>
+              <a:rPr lang="en-US" smtClean="0"/>
               <a:t>2018 - 2022 </a:t>
             </a:r>
+            <a:endParaRPr lang="en-US"/>
           </a:p>
         </p:txBody>
       </p:sp>
@@ -14936,6 +15223,13 @@
   <p:clrMapOvr>
     <a:masterClrMapping/>
   </p:clrMapOvr>
+  <p:timing>
+    <p:tnLst>
+      <p:par>
+        <p:cTn id="1" dur="indefinite" restart="never" nodeType="tmRoot"/>
+      </p:par>
+    </p:tnLst>
+  </p:timing>
 </p:sld>
 </file>
 
@@ -14974,12 +15268,16 @@
           <a:lstStyle/>
           <a:p>
             <a:r>
-              <a:rPr lang="en-US" b="1" dirty="0">
+              <a:rPr lang="en-US" b="1" dirty="0" smtClean="0">
                 <a:latin typeface="Times New Roman" pitchFamily="18" charset="0"/>
                 <a:cs typeface="Times New Roman" pitchFamily="18" charset="0"/>
               </a:rPr>
               <a:t>Digital Differential Analyzer (DDA) line drawing algorithm</a:t>
             </a:r>
+            <a:endParaRPr lang="en-US" b="1" dirty="0">
+              <a:latin typeface="Times New Roman" pitchFamily="18" charset="0"/>
+              <a:cs typeface="Times New Roman" pitchFamily="18" charset="0"/>
+            </a:endParaRPr>
           </a:p>
         </p:txBody>
       </p:sp>
@@ -15000,49 +15298,49 @@
           <a:p>
             <a:pPr algn="just"/>
             <a:r>
-              <a:rPr lang="en-US" dirty="0">
+              <a:rPr lang="en-US" dirty="0" smtClean="0">
                 <a:latin typeface="Times New Roman" pitchFamily="18" charset="0"/>
                 <a:cs typeface="Times New Roman" pitchFamily="18" charset="0"/>
               </a:rPr>
               <a:t>The DDA is a </a:t>
             </a:r>
             <a:r>
-              <a:rPr lang="en-US" b="1" dirty="0">
+              <a:rPr lang="en-US" b="1" dirty="0" smtClean="0">
                 <a:latin typeface="Times New Roman" pitchFamily="18" charset="0"/>
                 <a:cs typeface="Times New Roman" pitchFamily="18" charset="0"/>
               </a:rPr>
               <a:t>scan conversion line algorithm </a:t>
             </a:r>
             <a:r>
-              <a:rPr lang="en-US" dirty="0">
+              <a:rPr lang="en-US" dirty="0" smtClean="0">
                 <a:latin typeface="Times New Roman" pitchFamily="18" charset="0"/>
                 <a:cs typeface="Times New Roman" pitchFamily="18" charset="0"/>
               </a:rPr>
               <a:t>based on calculating either </a:t>
             </a:r>
             <a:r>
-              <a:rPr lang="en-US" dirty="0" err="1">
+              <a:rPr lang="en-US" dirty="0" err="1" smtClean="0">
                 <a:latin typeface="Times New Roman" pitchFamily="18" charset="0"/>
                 <a:cs typeface="Times New Roman" pitchFamily="18" charset="0"/>
               </a:rPr>
               <a:t>dy</a:t>
             </a:r>
             <a:r>
-              <a:rPr lang="en-US" dirty="0">
+              <a:rPr lang="en-US" dirty="0" smtClean="0">
                 <a:latin typeface="Times New Roman" pitchFamily="18" charset="0"/>
                 <a:cs typeface="Times New Roman" pitchFamily="18" charset="0"/>
               </a:rPr>
               <a:t> or </a:t>
             </a:r>
             <a:r>
-              <a:rPr lang="en-US" dirty="0" err="1">
+              <a:rPr lang="en-US" dirty="0" err="1" smtClean="0">
                 <a:latin typeface="Times New Roman" pitchFamily="18" charset="0"/>
                 <a:cs typeface="Times New Roman" pitchFamily="18" charset="0"/>
               </a:rPr>
               <a:t>dx</a:t>
             </a:r>
             <a:r>
-              <a:rPr lang="en-US" dirty="0">
+              <a:rPr lang="en-US" dirty="0" smtClean="0">
                 <a:latin typeface="Times New Roman" pitchFamily="18" charset="0"/>
                 <a:cs typeface="Times New Roman" pitchFamily="18" charset="0"/>
               </a:rPr>
@@ -15052,26 +15350,30 @@
           <a:p>
             <a:pPr algn="just"/>
             <a:r>
-              <a:rPr lang="en-US" dirty="0">
+              <a:rPr lang="en-US" dirty="0" smtClean="0">
                 <a:latin typeface="Times New Roman" pitchFamily="18" charset="0"/>
                 <a:cs typeface="Times New Roman" pitchFamily="18" charset="0"/>
               </a:rPr>
               <a:t> A line is sampled at </a:t>
             </a:r>
             <a:r>
-              <a:rPr lang="en-US" b="1" dirty="0">
+              <a:rPr lang="en-US" b="1" dirty="0" smtClean="0">
                 <a:latin typeface="Times New Roman" pitchFamily="18" charset="0"/>
                 <a:cs typeface="Times New Roman" pitchFamily="18" charset="0"/>
               </a:rPr>
               <a:t>unit intervals </a:t>
             </a:r>
             <a:r>
-              <a:rPr lang="en-US" dirty="0">
+              <a:rPr lang="en-US" dirty="0" smtClean="0">
                 <a:latin typeface="Times New Roman" pitchFamily="18" charset="0"/>
                 <a:cs typeface="Times New Roman" pitchFamily="18" charset="0"/>
               </a:rPr>
               <a:t>in one coordinate and corresponding integer values nearest the line path are determined for other coordinates.</a:t>
             </a:r>
+            <a:endParaRPr lang="en-US" dirty="0">
+              <a:latin typeface="Times New Roman" pitchFamily="18" charset="0"/>
+              <a:cs typeface="Times New Roman" pitchFamily="18" charset="0"/>
+            </a:endParaRPr>
           </a:p>
         </p:txBody>
       </p:sp>
@@ -15092,7 +15394,7 @@
           <a:p>
             <a:fld id="{715E7197-6415-4F24-9434-D688D8284BD5}" type="datetime1">
               <a:rPr lang="en-US" smtClean="0"/>
-              <a:t>8/11/2021</a:t>
+              <a:t>8/26/2020</a:t>
             </a:fld>
             <a:endParaRPr lang="en-US"/>
           </a:p>
@@ -15114,9 +15416,10 @@
           <a:lstStyle/>
           <a:p>
             <a:r>
-              <a:rPr lang="en-US"/>
+              <a:rPr lang="en-US" smtClean="0"/>
               <a:t>2018 - 2022 </a:t>
             </a:r>
+            <a:endParaRPr lang="en-US"/>
           </a:p>
         </p:txBody>
       </p:sp>
@@ -15154,6 +15457,13 @@
   <p:clrMapOvr>
     <a:masterClrMapping/>
   </p:clrMapOvr>
+  <p:timing>
+    <p:tnLst>
+      <p:par>
+        <p:cTn id="1" dur="indefinite" restart="never" nodeType="tmRoot"/>
+      </p:par>
+    </p:tnLst>
+  </p:timing>
 </p:sld>
 </file>
 
@@ -15190,9 +15500,10 @@
           <a:lstStyle/>
           <a:p>
             <a:r>
-              <a:rPr lang="en-US" dirty="0"/>
+              <a:rPr lang="en-US" dirty="0" smtClean="0"/>
               <a:t>Steps in DDA algorithm</a:t>
             </a:r>
+            <a:endParaRPr lang="en-US" dirty="0"/>
           </a:p>
         </p:txBody>
       </p:sp>
@@ -15215,7 +15526,7 @@
           <a:p>
             <a:pPr algn="just"/>
             <a:r>
-              <a:rPr lang="en-US" dirty="0">
+              <a:rPr lang="en-US" dirty="0" smtClean="0">
                 <a:latin typeface="Times New Roman" pitchFamily="18" charset="0"/>
                 <a:cs typeface="Times New Roman" pitchFamily="18" charset="0"/>
               </a:rPr>
@@ -15227,21 +15538,21 @@
               <a:buNone/>
             </a:pPr>
             <a:r>
-              <a:rPr lang="en-US" dirty="0">
+              <a:rPr lang="en-US" dirty="0" smtClean="0">
                 <a:latin typeface="Times New Roman" pitchFamily="18" charset="0"/>
                 <a:cs typeface="Times New Roman" pitchFamily="18" charset="0"/>
               </a:rPr>
               <a:t> • Calculate the </a:t>
             </a:r>
             <a:r>
-              <a:rPr lang="en-US" b="1" dirty="0">
+              <a:rPr lang="en-US" b="1" dirty="0" smtClean="0">
                 <a:latin typeface="Times New Roman" pitchFamily="18" charset="0"/>
                 <a:cs typeface="Times New Roman" pitchFamily="18" charset="0"/>
               </a:rPr>
               <a:t>difference</a:t>
             </a:r>
             <a:r>
-              <a:rPr lang="en-US" dirty="0">
+              <a:rPr lang="en-US" dirty="0" smtClean="0">
                 <a:latin typeface="Times New Roman" pitchFamily="18" charset="0"/>
                 <a:cs typeface="Times New Roman" pitchFamily="18" charset="0"/>
               </a:rPr>
@@ -15253,83 +15564,83 @@
               <a:buNone/>
             </a:pPr>
             <a:r>
-              <a:rPr lang="en-US" dirty="0">
+              <a:rPr lang="en-US" dirty="0" smtClean="0">
                 <a:latin typeface="Times New Roman" pitchFamily="18" charset="0"/>
                 <a:cs typeface="Times New Roman" pitchFamily="18" charset="0"/>
               </a:rPr>
               <a:t> • Based on the calculated difference, If </a:t>
             </a:r>
             <a:r>
-              <a:rPr lang="en-US" b="1" dirty="0" err="1">
+              <a:rPr lang="en-US" b="1" dirty="0" err="1" smtClean="0">
                 <a:latin typeface="Times New Roman" pitchFamily="18" charset="0"/>
                 <a:cs typeface="Times New Roman" pitchFamily="18" charset="0"/>
               </a:rPr>
               <a:t>dx</a:t>
             </a:r>
             <a:r>
-              <a:rPr lang="en-US" b="1" dirty="0">
+              <a:rPr lang="en-US" b="1" dirty="0" smtClean="0">
                 <a:latin typeface="Times New Roman" pitchFamily="18" charset="0"/>
                 <a:cs typeface="Times New Roman" pitchFamily="18" charset="0"/>
               </a:rPr>
               <a:t> &gt;</a:t>
             </a:r>
             <a:r>
-              <a:rPr lang="en-US" b="1" dirty="0" err="1">
+              <a:rPr lang="en-US" b="1" dirty="0" err="1" smtClean="0">
                 <a:latin typeface="Times New Roman" pitchFamily="18" charset="0"/>
                 <a:cs typeface="Times New Roman" pitchFamily="18" charset="0"/>
               </a:rPr>
               <a:t>dy</a:t>
             </a:r>
             <a:r>
-              <a:rPr lang="en-US" dirty="0">
+              <a:rPr lang="en-US" dirty="0" smtClean="0">
                 <a:latin typeface="Times New Roman" pitchFamily="18" charset="0"/>
                 <a:cs typeface="Times New Roman" pitchFamily="18" charset="0"/>
               </a:rPr>
               <a:t>, then number of </a:t>
             </a:r>
             <a:r>
-              <a:rPr lang="en-US" b="1" dirty="0">
+              <a:rPr lang="en-US" b="1" dirty="0" smtClean="0">
                 <a:latin typeface="Times New Roman" pitchFamily="18" charset="0"/>
                 <a:cs typeface="Times New Roman" pitchFamily="18" charset="0"/>
               </a:rPr>
               <a:t>steps = </a:t>
             </a:r>
             <a:r>
-              <a:rPr lang="en-US" b="1" dirty="0" err="1">
+              <a:rPr lang="en-US" b="1" dirty="0" err="1" smtClean="0">
                 <a:latin typeface="Times New Roman" pitchFamily="18" charset="0"/>
                 <a:cs typeface="Times New Roman" pitchFamily="18" charset="0"/>
               </a:rPr>
               <a:t>dx</a:t>
             </a:r>
             <a:r>
-              <a:rPr lang="en-US" b="1" dirty="0">
+              <a:rPr lang="en-US" b="1" dirty="0" smtClean="0">
                 <a:latin typeface="Times New Roman" pitchFamily="18" charset="0"/>
                 <a:cs typeface="Times New Roman" pitchFamily="18" charset="0"/>
               </a:rPr>
               <a:t> </a:t>
             </a:r>
             <a:r>
-              <a:rPr lang="en-US" dirty="0">
+              <a:rPr lang="en-US" dirty="0" smtClean="0">
                 <a:latin typeface="Times New Roman" pitchFamily="18" charset="0"/>
                 <a:cs typeface="Times New Roman" pitchFamily="18" charset="0"/>
               </a:rPr>
               <a:t>else number of </a:t>
             </a:r>
             <a:r>
-              <a:rPr lang="en-US" b="1" dirty="0">
+              <a:rPr lang="en-US" b="1" dirty="0" smtClean="0">
                 <a:latin typeface="Times New Roman" pitchFamily="18" charset="0"/>
                 <a:cs typeface="Times New Roman" pitchFamily="18" charset="0"/>
               </a:rPr>
               <a:t>steps =</a:t>
             </a:r>
             <a:r>
-              <a:rPr lang="en-US" b="1" dirty="0" err="1">
+              <a:rPr lang="en-US" b="1" dirty="0" err="1" smtClean="0">
                 <a:latin typeface="Times New Roman" pitchFamily="18" charset="0"/>
                 <a:cs typeface="Times New Roman" pitchFamily="18" charset="0"/>
               </a:rPr>
               <a:t>dy</a:t>
             </a:r>
-            <a:endParaRPr lang="en-US" b="1" dirty="0">
+            <a:endParaRPr lang="en-US" b="1" dirty="0" smtClean="0">
               <a:latin typeface="Times New Roman" pitchFamily="18" charset="0"/>
               <a:cs typeface="Times New Roman" pitchFamily="18" charset="0"/>
             </a:endParaRPr>
@@ -15339,28 +15650,28 @@
               <a:buNone/>
             </a:pPr>
             <a:r>
-              <a:rPr lang="en-US" dirty="0">
+              <a:rPr lang="en-US" dirty="0" smtClean="0">
                 <a:latin typeface="Times New Roman" pitchFamily="18" charset="0"/>
                 <a:cs typeface="Times New Roman" pitchFamily="18" charset="0"/>
               </a:rPr>
               <a:t>• Calculate the </a:t>
             </a:r>
             <a:r>
-              <a:rPr lang="en-US" b="1" dirty="0">
+              <a:rPr lang="en-US" b="1" dirty="0" smtClean="0">
                 <a:latin typeface="Times New Roman" pitchFamily="18" charset="0"/>
                 <a:cs typeface="Times New Roman" pitchFamily="18" charset="0"/>
               </a:rPr>
               <a:t>increment in x </a:t>
             </a:r>
             <a:r>
-              <a:rPr lang="en-US" dirty="0">
+              <a:rPr lang="en-US" dirty="0" smtClean="0">
                 <a:latin typeface="Times New Roman" pitchFamily="18" charset="0"/>
                 <a:cs typeface="Times New Roman" pitchFamily="18" charset="0"/>
               </a:rPr>
               <a:t>coordinate and </a:t>
             </a:r>
             <a:r>
-              <a:rPr lang="en-US" b="1" dirty="0">
+              <a:rPr lang="en-US" b="1" dirty="0" smtClean="0">
                 <a:latin typeface="Times New Roman" pitchFamily="18" charset="0"/>
                 <a:cs typeface="Times New Roman" pitchFamily="18" charset="0"/>
               </a:rPr>
@@ -15372,26 +15683,30 @@
               <a:buNone/>
             </a:pPr>
             <a:r>
-              <a:rPr lang="en-US" dirty="0">
+              <a:rPr lang="en-US" dirty="0" smtClean="0">
                 <a:latin typeface="Times New Roman" pitchFamily="18" charset="0"/>
                 <a:cs typeface="Times New Roman" pitchFamily="18" charset="0"/>
               </a:rPr>
               <a:t>• Put the pixel by successfully </a:t>
             </a:r>
             <a:r>
-              <a:rPr lang="en-US" b="1" dirty="0">
+              <a:rPr lang="en-US" b="1" dirty="0" smtClean="0">
                 <a:latin typeface="Times New Roman" pitchFamily="18" charset="0"/>
                 <a:cs typeface="Times New Roman" pitchFamily="18" charset="0"/>
               </a:rPr>
               <a:t>incrementing x and y </a:t>
             </a:r>
             <a:r>
-              <a:rPr lang="en-US" dirty="0">
+              <a:rPr lang="en-US" dirty="0" smtClean="0">
                 <a:latin typeface="Times New Roman" pitchFamily="18" charset="0"/>
                 <a:cs typeface="Times New Roman" pitchFamily="18" charset="0"/>
               </a:rPr>
               <a:t>coordinates the drawing of the line. </a:t>
             </a:r>
+            <a:endParaRPr lang="en-US" dirty="0">
+              <a:latin typeface="Times New Roman" pitchFamily="18" charset="0"/>
+              <a:cs typeface="Times New Roman" pitchFamily="18" charset="0"/>
+            </a:endParaRPr>
           </a:p>
         </p:txBody>
       </p:sp>
@@ -15412,7 +15727,7 @@
           <a:p>
             <a:fld id="{8848E2B9-F727-41F0-8973-86BFE697215A}" type="datetime1">
               <a:rPr lang="en-US" smtClean="0"/>
-              <a:t>8/11/2021</a:t>
+              <a:t>8/26/2020</a:t>
             </a:fld>
             <a:endParaRPr lang="en-US"/>
           </a:p>
@@ -15434,9 +15749,10 @@
           <a:lstStyle/>
           <a:p>
             <a:r>
-              <a:rPr lang="en-US"/>
+              <a:rPr lang="en-US" smtClean="0"/>
               <a:t>2018 - 2022 </a:t>
             </a:r>
+            <a:endParaRPr lang="en-US"/>
           </a:p>
         </p:txBody>
       </p:sp>
@@ -15474,6 +15790,13 @@
   <p:clrMapOvr>
     <a:masterClrMapping/>
   </p:clrMapOvr>
+  <p:timing>
+    <p:tnLst>
+      <p:par>
+        <p:cTn id="1" dur="indefinite" restart="never" nodeType="tmRoot"/>
+      </p:par>
+    </p:tnLst>
+  </p:timing>
 </p:sld>
 </file>
 
@@ -15510,9 +15833,10 @@
           <a:lstStyle/>
           <a:p>
             <a:r>
-              <a:rPr lang="en-US" dirty="0"/>
+              <a:rPr lang="en-US" dirty="0" smtClean="0"/>
               <a:t>DDA</a:t>
             </a:r>
+            <a:endParaRPr lang="en-US" dirty="0"/>
           </a:p>
         </p:txBody>
       </p:sp>
@@ -15533,21 +15857,21 @@
           <a:p>
             <a:pPr algn="just"/>
             <a:r>
-              <a:rPr lang="en-US" dirty="0">
+              <a:rPr lang="en-US" dirty="0" smtClean="0">
                 <a:latin typeface="Times New Roman" pitchFamily="18" charset="0"/>
                 <a:cs typeface="Times New Roman" pitchFamily="18" charset="0"/>
               </a:rPr>
               <a:t>DDA Algorithm is the </a:t>
             </a:r>
             <a:r>
-              <a:rPr lang="en-US" b="1" dirty="0">
+              <a:rPr lang="en-US" b="1" dirty="0" smtClean="0">
                 <a:latin typeface="Times New Roman" pitchFamily="18" charset="0"/>
                 <a:cs typeface="Times New Roman" pitchFamily="18" charset="0"/>
               </a:rPr>
               <a:t>simplest line drawing </a:t>
             </a:r>
             <a:r>
-              <a:rPr lang="en-US" dirty="0">
+              <a:rPr lang="en-US" dirty="0" smtClean="0">
                 <a:latin typeface="Times New Roman" pitchFamily="18" charset="0"/>
                 <a:cs typeface="Times New Roman" pitchFamily="18" charset="0"/>
               </a:rPr>
@@ -15557,7 +15881,7 @@
           <a:p>
             <a:pPr algn="just" fontAlgn="base"/>
             <a:r>
-              <a:rPr lang="en-US" dirty="0">
+              <a:rPr lang="en-US" dirty="0" smtClean="0">
                 <a:latin typeface="Times New Roman" pitchFamily="18" charset="0"/>
                 <a:cs typeface="Times New Roman" pitchFamily="18" charset="0"/>
               </a:rPr>
@@ -15589,7 +15913,7 @@
           <a:p>
             <a:fld id="{F64B0BEF-B754-4DFD-A1F5-4B9325881B64}" type="datetime1">
               <a:rPr lang="en-US" smtClean="0"/>
-              <a:t>8/11/2021</a:t>
+              <a:t>8/26/2020</a:t>
             </a:fld>
             <a:endParaRPr lang="en-US"/>
           </a:p>
@@ -15611,9 +15935,10 @@
           <a:lstStyle/>
           <a:p>
             <a:r>
-              <a:rPr lang="en-US"/>
+              <a:rPr lang="en-US" smtClean="0"/>
               <a:t>2018 - 2022 </a:t>
             </a:r>
+            <a:endParaRPr lang="en-US"/>
           </a:p>
         </p:txBody>
       </p:sp>
@@ -15651,6 +15976,13 @@
   <p:clrMapOvr>
     <a:masterClrMapping/>
   </p:clrMapOvr>
+  <p:timing>
+    <p:tnLst>
+      <p:par>
+        <p:cTn id="1" dur="indefinite" restart="never" nodeType="tmRoot"/>
+      </p:par>
+    </p:tnLst>
+  </p:timing>
 </p:sld>
 </file>
 
@@ -15689,11 +16021,15 @@
           <a:lstStyle/>
           <a:p>
             <a:r>
-              <a:rPr lang="en-US" b="1" u="sng" dirty="0"/>
+              <a:rPr lang="en-US" b="1" u="sng" dirty="0" smtClean="0"/>
               <a:t>Procedure</a:t>
             </a:r>
+            <a:r>
+              <a:rPr lang="en-US" b="1" dirty="0" smtClean="0"/>
+              <a:t/>
+            </a:r>
             <a:br>
-              <a:rPr lang="en-US" b="1" dirty="0"/>
+              <a:rPr lang="en-US" b="1" dirty="0" smtClean="0"/>
             </a:br>
             <a:endParaRPr lang="en-US" dirty="0"/>
           </a:p>
@@ -15725,7 +16061,7 @@
               <a:buNone/>
             </a:pPr>
             <a:r>
-              <a:rPr lang="en-US" sz="2200" dirty="0">
+              <a:rPr lang="en-US" sz="2200" dirty="0" smtClean="0">
                 <a:latin typeface="Times New Roman" pitchFamily="18" charset="0"/>
                 <a:cs typeface="Times New Roman" pitchFamily="18" charset="0"/>
               </a:rPr>
@@ -15737,49 +16073,49 @@
               <a:buNone/>
             </a:pPr>
             <a:r>
-              <a:rPr lang="en-US" sz="2200" b="1" dirty="0">
+              <a:rPr lang="en-US" sz="2200" b="1" dirty="0" smtClean="0">
                 <a:latin typeface="Times New Roman" pitchFamily="18" charset="0"/>
                 <a:cs typeface="Times New Roman" pitchFamily="18" charset="0"/>
               </a:rPr>
               <a:t>Starting coordinates = (</a:t>
             </a:r>
             <a:r>
-              <a:rPr lang="en-US" sz="2200" b="1" dirty="0" err="1">
+              <a:rPr lang="en-US" sz="2200" b="1" dirty="0" err="1" smtClean="0">
                 <a:latin typeface="Times New Roman" pitchFamily="18" charset="0"/>
                 <a:cs typeface="Times New Roman" pitchFamily="18" charset="0"/>
               </a:rPr>
               <a:t>X</a:t>
             </a:r>
             <a:r>
-              <a:rPr lang="en-US" sz="2200" b="1" baseline="-25000" dirty="0" err="1">
+              <a:rPr lang="en-US" sz="2200" b="1" baseline="-25000" dirty="0" err="1" smtClean="0">
                 <a:latin typeface="Times New Roman" pitchFamily="18" charset="0"/>
                 <a:cs typeface="Times New Roman" pitchFamily="18" charset="0"/>
               </a:rPr>
               <a:t>a</a:t>
             </a:r>
             <a:r>
-              <a:rPr lang="en-US" sz="2200" b="1" dirty="0">
+              <a:rPr lang="en-US" sz="2200" b="1" dirty="0" smtClean="0">
                 <a:latin typeface="Times New Roman" pitchFamily="18" charset="0"/>
                 <a:cs typeface="Times New Roman" pitchFamily="18" charset="0"/>
               </a:rPr>
               <a:t>, </a:t>
             </a:r>
             <a:r>
-              <a:rPr lang="en-US" sz="2200" b="1" dirty="0" err="1">
+              <a:rPr lang="en-US" sz="2200" b="1" dirty="0" err="1" smtClean="0">
                 <a:latin typeface="Times New Roman" pitchFamily="18" charset="0"/>
                 <a:cs typeface="Times New Roman" pitchFamily="18" charset="0"/>
               </a:rPr>
               <a:t>Y</a:t>
             </a:r>
             <a:r>
-              <a:rPr lang="en-US" sz="2200" b="1" baseline="-25000" dirty="0" err="1">
+              <a:rPr lang="en-US" sz="2200" b="1" baseline="-25000" dirty="0" err="1" smtClean="0">
                 <a:latin typeface="Times New Roman" pitchFamily="18" charset="0"/>
                 <a:cs typeface="Times New Roman" pitchFamily="18" charset="0"/>
               </a:rPr>
               <a:t>a</a:t>
             </a:r>
             <a:r>
-              <a:rPr lang="en-US" sz="2200" b="1" dirty="0">
+              <a:rPr lang="en-US" sz="2200" b="1" dirty="0" smtClean="0">
                 <a:latin typeface="Times New Roman" pitchFamily="18" charset="0"/>
                 <a:cs typeface="Times New Roman" pitchFamily="18" charset="0"/>
               </a:rPr>
@@ -15791,49 +16127,49 @@
               <a:buNone/>
             </a:pPr>
             <a:r>
-              <a:rPr lang="en-US" sz="2200" b="1" dirty="0">
+              <a:rPr lang="en-US" sz="2200" b="1" dirty="0" smtClean="0">
                 <a:latin typeface="Times New Roman" pitchFamily="18" charset="0"/>
                 <a:cs typeface="Times New Roman" pitchFamily="18" charset="0"/>
               </a:rPr>
               <a:t>Ending coordinates = (</a:t>
             </a:r>
             <a:r>
-              <a:rPr lang="en-US" sz="2200" b="1" dirty="0" err="1">
+              <a:rPr lang="en-US" sz="2200" b="1" dirty="0" err="1" smtClean="0">
                 <a:latin typeface="Times New Roman" pitchFamily="18" charset="0"/>
                 <a:cs typeface="Times New Roman" pitchFamily="18" charset="0"/>
               </a:rPr>
               <a:t>X</a:t>
             </a:r>
             <a:r>
-              <a:rPr lang="en-US" sz="2200" b="1" baseline="-25000" dirty="0" err="1">
+              <a:rPr lang="en-US" sz="2200" b="1" baseline="-25000" dirty="0" err="1" smtClean="0">
                 <a:latin typeface="Times New Roman" pitchFamily="18" charset="0"/>
                 <a:cs typeface="Times New Roman" pitchFamily="18" charset="0"/>
               </a:rPr>
               <a:t>b</a:t>
             </a:r>
             <a:r>
-              <a:rPr lang="en-US" sz="2200" b="1" dirty="0">
+              <a:rPr lang="en-US" sz="2200" b="1" dirty="0" smtClean="0">
                 <a:latin typeface="Times New Roman" pitchFamily="18" charset="0"/>
                 <a:cs typeface="Times New Roman" pitchFamily="18" charset="0"/>
               </a:rPr>
               <a:t>, </a:t>
             </a:r>
             <a:r>
-              <a:rPr lang="en-US" sz="2200" b="1" dirty="0" err="1">
+              <a:rPr lang="en-US" sz="2200" b="1" dirty="0" err="1" smtClean="0">
                 <a:latin typeface="Times New Roman" pitchFamily="18" charset="0"/>
                 <a:cs typeface="Times New Roman" pitchFamily="18" charset="0"/>
               </a:rPr>
               <a:t>Y</a:t>
             </a:r>
             <a:r>
-              <a:rPr lang="en-US" sz="2200" b="1" baseline="-25000" dirty="0" err="1">
+              <a:rPr lang="en-US" sz="2200" b="1" baseline="-25000" dirty="0" err="1" smtClean="0">
                 <a:latin typeface="Times New Roman" pitchFamily="18" charset="0"/>
                 <a:cs typeface="Times New Roman" pitchFamily="18" charset="0"/>
               </a:rPr>
               <a:t>b</a:t>
             </a:r>
             <a:r>
-              <a:rPr lang="en-US" sz="2200" b="1" dirty="0">
+              <a:rPr lang="en-US" sz="2200" b="1" dirty="0" smtClean="0">
                 <a:latin typeface="Times New Roman" pitchFamily="18" charset="0"/>
                 <a:cs typeface="Times New Roman" pitchFamily="18" charset="0"/>
               </a:rPr>
@@ -15845,7 +16181,7 @@
               <a:buNone/>
             </a:pPr>
             <a:r>
-              <a:rPr lang="en-US" sz="2200" dirty="0">
+              <a:rPr lang="en-US" sz="2200" dirty="0" smtClean="0">
                 <a:latin typeface="Times New Roman" pitchFamily="18" charset="0"/>
                 <a:cs typeface="Times New Roman" pitchFamily="18" charset="0"/>
               </a:rPr>
@@ -15857,13 +16193,13 @@
               <a:buNone/>
             </a:pPr>
             <a:r>
-              <a:rPr lang="en-US" sz="2200" b="1" u="sng" dirty="0">
+              <a:rPr lang="en-US" sz="2200" b="1" u="sng" dirty="0" smtClean="0">
                 <a:latin typeface="Times New Roman" pitchFamily="18" charset="0"/>
                 <a:cs typeface="Times New Roman" pitchFamily="18" charset="0"/>
               </a:rPr>
               <a:t>Step-01:</a:t>
             </a:r>
-            <a:endParaRPr lang="en-US" sz="2200" b="1" dirty="0">
+            <a:endParaRPr lang="en-US" sz="2200" b="1" dirty="0" smtClean="0">
               <a:latin typeface="Times New Roman" pitchFamily="18" charset="0"/>
               <a:cs typeface="Times New Roman" pitchFamily="18" charset="0"/>
             </a:endParaRPr>
@@ -15873,35 +16209,35 @@
               <a:buNone/>
             </a:pPr>
             <a:r>
-              <a:rPr lang="en-US" sz="2200" dirty="0">
+              <a:rPr lang="en-US" sz="2200" dirty="0" smtClean="0">
                 <a:latin typeface="Times New Roman" pitchFamily="18" charset="0"/>
                 <a:cs typeface="Times New Roman" pitchFamily="18" charset="0"/>
               </a:rPr>
               <a:t> Calculate </a:t>
             </a:r>
             <a:r>
-              <a:rPr lang="en-US" sz="2200" b="1" dirty="0" err="1">
+              <a:rPr lang="en-US" sz="2200" b="1" dirty="0" err="1" smtClean="0">
                 <a:latin typeface="Times New Roman" pitchFamily="18" charset="0"/>
                 <a:cs typeface="Times New Roman" pitchFamily="18" charset="0"/>
               </a:rPr>
               <a:t>dx,dy</a:t>
             </a:r>
             <a:r>
-              <a:rPr lang="en-US" sz="2200" dirty="0">
+              <a:rPr lang="en-US" sz="2200" dirty="0" smtClean="0">
                 <a:latin typeface="Times New Roman" pitchFamily="18" charset="0"/>
                 <a:cs typeface="Times New Roman" pitchFamily="18" charset="0"/>
               </a:rPr>
               <a:t> and </a:t>
             </a:r>
             <a:r>
-              <a:rPr lang="en-US" sz="2200" b="1" dirty="0">
+              <a:rPr lang="en-US" sz="2200" b="1" dirty="0" smtClean="0">
                 <a:latin typeface="Times New Roman" pitchFamily="18" charset="0"/>
                 <a:cs typeface="Times New Roman" pitchFamily="18" charset="0"/>
               </a:rPr>
               <a:t>m</a:t>
             </a:r>
             <a:r>
-              <a:rPr lang="en-US" sz="2200" dirty="0">
+              <a:rPr lang="en-US" sz="2200" dirty="0" smtClean="0">
                 <a:latin typeface="Times New Roman" pitchFamily="18" charset="0"/>
                 <a:cs typeface="Times New Roman" pitchFamily="18" charset="0"/>
               </a:rPr>
@@ -15913,7 +16249,7 @@
               <a:buNone/>
             </a:pPr>
             <a:r>
-              <a:rPr lang="en-US" sz="2200" dirty="0">
+              <a:rPr lang="en-US" sz="2200" dirty="0" smtClean="0">
                 <a:latin typeface="Times New Roman" pitchFamily="18" charset="0"/>
                 <a:cs typeface="Times New Roman" pitchFamily="18" charset="0"/>
               </a:rPr>
@@ -15925,48 +16261,48 @@
               <a:buNone/>
             </a:pPr>
             <a:r>
-              <a:rPr lang="en-US" sz="2200" b="1" dirty="0">
+              <a:rPr lang="en-US" sz="2200" b="1" dirty="0" smtClean="0">
                 <a:latin typeface="Times New Roman" pitchFamily="18" charset="0"/>
                 <a:cs typeface="Times New Roman" pitchFamily="18" charset="0"/>
               </a:rPr>
               <a:t>dx= </a:t>
             </a:r>
             <a:r>
-              <a:rPr lang="en-US" sz="2200" b="1" dirty="0" err="1">
+              <a:rPr lang="en-US" sz="2200" b="1" dirty="0" err="1" smtClean="0">
                 <a:latin typeface="Times New Roman" pitchFamily="18" charset="0"/>
                 <a:cs typeface="Times New Roman" pitchFamily="18" charset="0"/>
               </a:rPr>
               <a:t>X</a:t>
             </a:r>
             <a:r>
-              <a:rPr lang="en-US" sz="2200" b="1" baseline="-25000" dirty="0" err="1">
+              <a:rPr lang="en-US" sz="2200" b="1" baseline="-25000" dirty="0" err="1" smtClean="0">
                 <a:latin typeface="Times New Roman" pitchFamily="18" charset="0"/>
                 <a:cs typeface="Times New Roman" pitchFamily="18" charset="0"/>
               </a:rPr>
               <a:t>b</a:t>
             </a:r>
             <a:r>
-              <a:rPr lang="en-US" sz="2200" b="1" dirty="0">
+              <a:rPr lang="en-US" sz="2200" b="1" dirty="0" smtClean="0">
                 <a:latin typeface="Times New Roman" pitchFamily="18" charset="0"/>
                 <a:cs typeface="Times New Roman" pitchFamily="18" charset="0"/>
               </a:rPr>
               <a:t> – </a:t>
             </a:r>
             <a:r>
-              <a:rPr lang="en-US" sz="2200" b="1" dirty="0" err="1">
+              <a:rPr lang="en-US" sz="2200" b="1" dirty="0" err="1" smtClean="0">
                 <a:latin typeface="Times New Roman" pitchFamily="18" charset="0"/>
                 <a:cs typeface="Times New Roman" pitchFamily="18" charset="0"/>
               </a:rPr>
               <a:t>X</a:t>
             </a:r>
             <a:r>
-              <a:rPr lang="en-US" sz="2200" b="1" baseline="-25000" dirty="0" err="1">
+              <a:rPr lang="en-US" sz="2200" b="1" baseline="-25000" dirty="0" err="1" smtClean="0">
                 <a:latin typeface="Times New Roman" pitchFamily="18" charset="0"/>
                 <a:cs typeface="Times New Roman" pitchFamily="18" charset="0"/>
               </a:rPr>
               <a:t>a</a:t>
             </a:r>
-            <a:endParaRPr lang="en-US" sz="2200" b="1" dirty="0">
+            <a:endParaRPr lang="en-US" sz="2200" b="1" dirty="0" smtClean="0">
               <a:latin typeface="Times New Roman" pitchFamily="18" charset="0"/>
               <a:cs typeface="Times New Roman" pitchFamily="18" charset="0"/>
             </a:endParaRPr>
@@ -15976,55 +16312,55 @@
               <a:buNone/>
             </a:pPr>
             <a:r>
-              <a:rPr lang="en-US" sz="2200" b="1" dirty="0" err="1">
+              <a:rPr lang="en-US" sz="2200" b="1" dirty="0" err="1" smtClean="0">
                 <a:latin typeface="Times New Roman" pitchFamily="18" charset="0"/>
                 <a:cs typeface="Times New Roman" pitchFamily="18" charset="0"/>
               </a:rPr>
               <a:t>dy</a:t>
             </a:r>
             <a:r>
-              <a:rPr lang="en-US" sz="2200" b="1" dirty="0">
+              <a:rPr lang="en-US" sz="2200" b="1" dirty="0" smtClean="0">
                 <a:latin typeface="Times New Roman" pitchFamily="18" charset="0"/>
                 <a:cs typeface="Times New Roman" pitchFamily="18" charset="0"/>
               </a:rPr>
               <a:t>=</a:t>
             </a:r>
             <a:r>
-              <a:rPr lang="en-US" sz="2200" b="1" dirty="0" err="1">
+              <a:rPr lang="en-US" sz="2200" b="1" dirty="0" err="1" smtClean="0">
                 <a:latin typeface="Times New Roman" pitchFamily="18" charset="0"/>
                 <a:cs typeface="Times New Roman" pitchFamily="18" charset="0"/>
               </a:rPr>
               <a:t>Y</a:t>
             </a:r>
             <a:r>
-              <a:rPr lang="en-US" sz="2200" b="1" baseline="-25000" dirty="0" err="1">
+              <a:rPr lang="en-US" sz="2200" b="1" baseline="-25000" dirty="0" err="1" smtClean="0">
                 <a:latin typeface="Times New Roman" pitchFamily="18" charset="0"/>
                 <a:cs typeface="Times New Roman" pitchFamily="18" charset="0"/>
               </a:rPr>
               <a:t>b</a:t>
             </a:r>
             <a:r>
-              <a:rPr lang="en-US" sz="2200" b="1" dirty="0">
+              <a:rPr lang="en-US" sz="2200" b="1" dirty="0" smtClean="0">
                 <a:latin typeface="Times New Roman" pitchFamily="18" charset="0"/>
                 <a:cs typeface="Times New Roman" pitchFamily="18" charset="0"/>
               </a:rPr>
               <a:t> – </a:t>
             </a:r>
             <a:r>
-              <a:rPr lang="en-US" sz="2200" b="1" dirty="0" err="1">
+              <a:rPr lang="en-US" sz="2200" b="1" dirty="0" err="1" smtClean="0">
                 <a:latin typeface="Times New Roman" pitchFamily="18" charset="0"/>
                 <a:cs typeface="Times New Roman" pitchFamily="18" charset="0"/>
               </a:rPr>
               <a:t>Y</a:t>
             </a:r>
             <a:r>
-              <a:rPr lang="en-US" sz="2200" b="1" baseline="-25000" dirty="0" err="1">
+              <a:rPr lang="en-US" sz="2200" b="1" baseline="-25000" dirty="0" err="1" smtClean="0">
                 <a:latin typeface="Times New Roman" pitchFamily="18" charset="0"/>
                 <a:cs typeface="Times New Roman" pitchFamily="18" charset="0"/>
               </a:rPr>
               <a:t>a</a:t>
             </a:r>
-            <a:endParaRPr lang="en-US" sz="2200" b="1" dirty="0">
+            <a:endParaRPr lang="en-US" sz="2200" b="1" dirty="0" smtClean="0">
               <a:latin typeface="Times New Roman" pitchFamily="18" charset="0"/>
               <a:cs typeface="Times New Roman" pitchFamily="18" charset="0"/>
             </a:endParaRPr>
@@ -16034,21 +16370,21 @@
               <a:buNone/>
             </a:pPr>
             <a:r>
-              <a:rPr lang="en-US" sz="2200" b="1" dirty="0">
+              <a:rPr lang="en-US" sz="2200" b="1" dirty="0" smtClean="0">
                 <a:latin typeface="Times New Roman" pitchFamily="18" charset="0"/>
                 <a:cs typeface="Times New Roman" pitchFamily="18" charset="0"/>
               </a:rPr>
               <a:t>				          m=</a:t>
             </a:r>
             <a:r>
-              <a:rPr lang="en-US" sz="2200" b="1" dirty="0" err="1">
+              <a:rPr lang="en-US" sz="2200" b="1" dirty="0" err="1" smtClean="0">
                 <a:latin typeface="Times New Roman" pitchFamily="18" charset="0"/>
                 <a:cs typeface="Times New Roman" pitchFamily="18" charset="0"/>
               </a:rPr>
               <a:t>dy</a:t>
             </a:r>
             <a:r>
-              <a:rPr lang="en-US" sz="2200" b="1" dirty="0">
+              <a:rPr lang="en-US" sz="2200" b="1" dirty="0" smtClean="0">
                 <a:latin typeface="Times New Roman" pitchFamily="18" charset="0"/>
                 <a:cs typeface="Times New Roman" pitchFamily="18" charset="0"/>
               </a:rPr>
@@ -16064,9 +16400,16 @@
                 <a:latin typeface="Times New Roman" pitchFamily="18" charset="0"/>
                 <a:cs typeface="Times New Roman" pitchFamily="18" charset="0"/>
               </a:rPr>
-              <a:t> and</a:t>
-            </a:r>
-            <a:endParaRPr lang="en-US" sz="2200" b="1" dirty="0">
+              <a:t> </a:t>
+            </a:r>
+            <a:r>
+              <a:rPr lang="en-US" sz="2200" b="1" dirty="0" smtClean="0">
+                <a:latin typeface="Times New Roman" pitchFamily="18" charset="0"/>
+                <a:cs typeface="Times New Roman" pitchFamily="18" charset="0"/>
+              </a:rPr>
+              <a:t>and</a:t>
+            </a:r>
+            <a:endParaRPr lang="en-US" sz="2200" b="1" dirty="0" smtClean="0">
               <a:solidFill>
                 <a:srgbClr val="FF0000"/>
               </a:solidFill>
@@ -16079,7 +16422,7 @@
               <a:buNone/>
             </a:pPr>
             <a:r>
-              <a:rPr lang="en-US" sz="2200" b="1" dirty="0">
+              <a:rPr lang="en-US" sz="2200" b="1" dirty="0" smtClean="0">
                 <a:solidFill>
                   <a:srgbClr val="FF0000"/>
                 </a:solidFill>
@@ -16089,7 +16432,7 @@
               <a:t>X= </a:t>
             </a:r>
             <a:r>
-              <a:rPr lang="en-US" sz="2200" b="1" dirty="0" err="1">
+              <a:rPr lang="en-US" sz="2200" b="1" dirty="0" err="1" smtClean="0">
                 <a:solidFill>
                   <a:srgbClr val="FF0000"/>
                 </a:solidFill>
@@ -16099,7 +16442,7 @@
               <a:t>X</a:t>
             </a:r>
             <a:r>
-              <a:rPr lang="en-US" sz="2200" b="1" baseline="-25000" dirty="0" err="1">
+              <a:rPr lang="en-US" sz="2200" b="1" baseline="-25000" dirty="0" err="1" smtClean="0">
                 <a:solidFill>
                   <a:srgbClr val="FF0000"/>
                 </a:solidFill>
@@ -16109,7 +16452,7 @@
               <a:t>a</a:t>
             </a:r>
             <a:r>
-              <a:rPr lang="en-US" sz="2200" b="1" baseline="-25000" dirty="0">
+              <a:rPr lang="en-US" sz="2200" b="1" baseline="-25000" dirty="0" smtClean="0">
                 <a:solidFill>
                   <a:srgbClr val="FF0000"/>
                 </a:solidFill>
@@ -16124,7 +16467,7 @@
               <a:buNone/>
             </a:pPr>
             <a:r>
-              <a:rPr lang="en-US" sz="2200" b="1" dirty="0">
+              <a:rPr lang="en-US" sz="2200" b="1" dirty="0" smtClean="0">
                 <a:solidFill>
                   <a:srgbClr val="FF0000"/>
                 </a:solidFill>
@@ -16134,7 +16477,7 @@
               <a:t>Y= </a:t>
             </a:r>
             <a:r>
-              <a:rPr lang="en-US" sz="2200" b="1" dirty="0" err="1">
+              <a:rPr lang="en-US" sz="2200" b="1" dirty="0" err="1" smtClean="0">
                 <a:solidFill>
                   <a:srgbClr val="FF0000"/>
                 </a:solidFill>
@@ -16144,7 +16487,7 @@
               <a:t>Y</a:t>
             </a:r>
             <a:r>
-              <a:rPr lang="en-US" sz="2200" b="1" baseline="-25000" dirty="0" err="1">
+              <a:rPr lang="en-US" sz="2200" b="1" baseline="-25000" dirty="0" err="1" smtClean="0">
                 <a:solidFill>
                   <a:srgbClr val="FF0000"/>
                 </a:solidFill>
@@ -16153,11 +16496,11 @@
               </a:rPr>
               <a:t>a</a:t>
             </a:r>
+            <a:endParaRPr lang="en-US" sz="2200" dirty="0" smtClean="0"/>
+          </a:p>
+          <a:p>
             <a:endParaRPr lang="en-US" sz="2200" dirty="0"/>
           </a:p>
-          <a:p>
-            <a:endParaRPr lang="en-US" sz="2200" dirty="0"/>
-          </a:p>
         </p:txBody>
       </p:sp>
       <p:sp>
@@ -16177,7 +16520,7 @@
           <a:p>
             <a:fld id="{88E3F0B3-7D10-4BB3-9528-860BDE5949FE}" type="datetime1">
               <a:rPr lang="en-US" smtClean="0"/>
-              <a:t>8/11/2021</a:t>
+              <a:t>8/26/2020</a:t>
             </a:fld>
             <a:endParaRPr lang="en-US"/>
           </a:p>
@@ -16199,9 +16542,10 @@
           <a:lstStyle/>
           <a:p>
             <a:r>
-              <a:rPr lang="en-US"/>
+              <a:rPr lang="en-US" smtClean="0"/>
               <a:t>2018 - 2022 </a:t>
             </a:r>
+            <a:endParaRPr lang="en-US"/>
           </a:p>
         </p:txBody>
       </p:sp>
@@ -16239,6 +16583,13 @@
   <p:clrMapOvr>
     <a:masterClrMapping/>
   </p:clrMapOvr>
+  <p:timing>
+    <p:tnLst>
+      <p:par>
+        <p:cTn id="1" dur="indefinite" restart="never" nodeType="tmRoot"/>
+      </p:par>
+    </p:tnLst>
+  </p:timing>
 </p:sld>
 </file>
 
